--- a/data-raw/attribution-guide.pptx
+++ b/data-raw/attribution-guide.pptx
@@ -6,6 +6,20 @@
   </p:sldMasterIdLst>
   <p:sldIdLst>
     <p:sldId id="256" r:id="rId2"/>
+    <p:sldId id="257" r:id="rId3"/>
+    <p:sldId id="259" r:id="rId4"/>
+    <p:sldId id="261" r:id="rId5"/>
+    <p:sldId id="260" r:id="rId6"/>
+    <p:sldId id="280" r:id="rId7"/>
+    <p:sldId id="271" r:id="rId8"/>
+    <p:sldId id="275" r:id="rId9"/>
+    <p:sldId id="276" r:id="rId10"/>
+    <p:sldId id="274" r:id="rId11"/>
+    <p:sldId id="277" r:id="rId12"/>
+    <p:sldId id="279" r:id="rId13"/>
+    <p:sldId id="272" r:id="rId14"/>
+    <p:sldId id="273" r:id="rId15"/>
+    <p:sldId id="278" r:id="rId16"/>
   </p:sldIdLst>
   <p:sldSz cx="9144000" cy="6858000" type="letter"/>
   <p:notesSz cx="6858000" cy="9144000"/>
@@ -104,6 +118,11 @@
       </a:defRPr>
     </a:lvl9pPr>
   </p:defaultTextStyle>
+  <p:extLst>
+    <p:ext uri="{EFAFB233-063F-42B5-8137-9DF3F51BA10A}">
+      <p15:sldGuideLst xmlns:p15="http://schemas.microsoft.com/office/powerpoint/2012/main"/>
+    </p:ext>
+  </p:extLst>
 </p:presentation>
 </file>
 
@@ -2968,6 +2987,908 @@
       </p:grpSpPr>
       <p:pic>
         <p:nvPicPr>
+          <p:cNvPr id="7" name="Picture 6">
+            <a:extLst>
+              <a:ext uri="{FF2B5EF4-FFF2-40B4-BE49-F238E27FC236}">
+                <a16:creationId xmlns:a16="http://schemas.microsoft.com/office/drawing/2014/main" id="{D14C8C45-FB12-4F17-86D5-09CBA71B6F18}"/>
+              </a:ext>
+            </a:extLst>
+          </p:cNvPr>
+          <p:cNvPicPr>
+            <a:picLocks noChangeAspect="1"/>
+          </p:cNvPicPr>
+          <p:nvPr/>
+        </p:nvPicPr>
+        <p:blipFill rotWithShape="1">
+          <a:blip r:embed="rId2"/>
+          <a:srcRect l="1162" t="18633" r="28710" b="10145"/>
+          <a:stretch/>
+        </p:blipFill>
+        <p:spPr>
+          <a:xfrm>
+            <a:off x="690224" y="580843"/>
+            <a:ext cx="7547016" cy="2825791"/>
+          </a:xfrm>
+          <a:prstGeom prst="rect">
+            <a:avLst/>
+          </a:prstGeom>
+        </p:spPr>
+      </p:pic>
+    </p:spTree>
+    <p:extLst>
+      <p:ext uri="{BB962C8B-B14F-4D97-AF65-F5344CB8AC3E}">
+        <p14:creationId xmlns:p14="http://schemas.microsoft.com/office/powerpoint/2010/main" val="520664685"/>
+      </p:ext>
+    </p:extLst>
+  </p:cSld>
+  <p:clrMapOvr>
+    <a:masterClrMapping/>
+  </p:clrMapOvr>
+</p:sld>
+</file>
+
+<file path=ppt/slides/slide10.xml><?xml version="1.0" encoding="utf-8"?>
+<p:sld xmlns:a="http://schemas.openxmlformats.org/drawingml/2006/main" xmlns:r="http://schemas.openxmlformats.org/officeDocument/2006/relationships" xmlns:p="http://schemas.openxmlformats.org/presentationml/2006/main">
+  <p:cSld>
+    <p:spTree>
+      <p:nvGrpSpPr>
+        <p:cNvPr id="1" name=""/>
+        <p:cNvGrpSpPr/>
+        <p:nvPr/>
+      </p:nvGrpSpPr>
+      <p:grpSpPr>
+        <a:xfrm>
+          <a:off x="0" y="0"/>
+          <a:ext cx="0" cy="0"/>
+          <a:chOff x="0" y="0"/>
+          <a:chExt cx="0" cy="0"/>
+        </a:xfrm>
+      </p:grpSpPr>
+      <p:pic>
+        <p:nvPicPr>
+          <p:cNvPr id="3" name="Picture 2">
+            <a:extLst>
+              <a:ext uri="{FF2B5EF4-FFF2-40B4-BE49-F238E27FC236}">
+                <a16:creationId xmlns:a16="http://schemas.microsoft.com/office/drawing/2014/main" id="{6FEE5BCE-4673-458A-8787-C7CC40C89ACF}"/>
+              </a:ext>
+            </a:extLst>
+          </p:cNvPr>
+          <p:cNvPicPr>
+            <a:picLocks noChangeAspect="1"/>
+          </p:cNvPicPr>
+          <p:nvPr/>
+        </p:nvPicPr>
+        <p:blipFill>
+          <a:blip r:embed="rId2"/>
+          <a:stretch>
+            <a:fillRect/>
+          </a:stretch>
+        </p:blipFill>
+        <p:spPr>
+          <a:xfrm>
+            <a:off x="0" y="395207"/>
+            <a:ext cx="9144000" cy="5950424"/>
+          </a:xfrm>
+          <a:prstGeom prst="rect">
+            <a:avLst/>
+          </a:prstGeom>
+        </p:spPr>
+      </p:pic>
+    </p:spTree>
+    <p:extLst>
+      <p:ext uri="{BB962C8B-B14F-4D97-AF65-F5344CB8AC3E}">
+        <p14:creationId xmlns:p14="http://schemas.microsoft.com/office/powerpoint/2010/main" val="1436860108"/>
+      </p:ext>
+    </p:extLst>
+  </p:cSld>
+  <p:clrMapOvr>
+    <a:masterClrMapping/>
+  </p:clrMapOvr>
+</p:sld>
+</file>
+
+<file path=ppt/slides/slide11.xml><?xml version="1.0" encoding="utf-8"?>
+<p:sld xmlns:a="http://schemas.openxmlformats.org/drawingml/2006/main" xmlns:r="http://schemas.openxmlformats.org/officeDocument/2006/relationships" xmlns:p="http://schemas.openxmlformats.org/presentationml/2006/main">
+  <p:cSld>
+    <p:spTree>
+      <p:nvGrpSpPr>
+        <p:cNvPr id="1" name=""/>
+        <p:cNvGrpSpPr/>
+        <p:nvPr/>
+      </p:nvGrpSpPr>
+      <p:grpSpPr>
+        <a:xfrm>
+          <a:off x="0" y="0"/>
+          <a:ext cx="0" cy="0"/>
+          <a:chOff x="0" y="0"/>
+          <a:chExt cx="0" cy="0"/>
+        </a:xfrm>
+      </p:grpSpPr>
+      <p:pic>
+        <p:nvPicPr>
+          <p:cNvPr id="3" name="Picture 2">
+            <a:extLst>
+              <a:ext uri="{FF2B5EF4-FFF2-40B4-BE49-F238E27FC236}">
+                <a16:creationId xmlns:a16="http://schemas.microsoft.com/office/drawing/2014/main" id="{4AA215B3-2228-4CA5-B72B-A27B03207BC2}"/>
+              </a:ext>
+            </a:extLst>
+          </p:cNvPr>
+          <p:cNvPicPr>
+            <a:picLocks noChangeAspect="1"/>
+          </p:cNvPicPr>
+          <p:nvPr/>
+        </p:nvPicPr>
+        <p:blipFill>
+          <a:blip r:embed="rId2"/>
+          <a:stretch>
+            <a:fillRect/>
+          </a:stretch>
+        </p:blipFill>
+        <p:spPr>
+          <a:xfrm>
+            <a:off x="0" y="453788"/>
+            <a:ext cx="9144000" cy="5950424"/>
+          </a:xfrm>
+          <a:prstGeom prst="rect">
+            <a:avLst/>
+          </a:prstGeom>
+        </p:spPr>
+      </p:pic>
+    </p:spTree>
+    <p:extLst>
+      <p:ext uri="{BB962C8B-B14F-4D97-AF65-F5344CB8AC3E}">
+        <p14:creationId xmlns:p14="http://schemas.microsoft.com/office/powerpoint/2010/main" val="429612943"/>
+      </p:ext>
+    </p:extLst>
+  </p:cSld>
+  <p:clrMapOvr>
+    <a:masterClrMapping/>
+  </p:clrMapOvr>
+</p:sld>
+</file>
+
+<file path=ppt/slides/slide12.xml><?xml version="1.0" encoding="utf-8"?>
+<p:sld xmlns:a="http://schemas.openxmlformats.org/drawingml/2006/main" xmlns:r="http://schemas.openxmlformats.org/officeDocument/2006/relationships" xmlns:p="http://schemas.openxmlformats.org/presentationml/2006/main">
+  <p:cSld>
+    <p:spTree>
+      <p:nvGrpSpPr>
+        <p:cNvPr id="1" name=""/>
+        <p:cNvGrpSpPr/>
+        <p:nvPr/>
+      </p:nvGrpSpPr>
+      <p:grpSpPr>
+        <a:xfrm>
+          <a:off x="0" y="0"/>
+          <a:ext cx="0" cy="0"/>
+          <a:chOff x="0" y="0"/>
+          <a:chExt cx="0" cy="0"/>
+        </a:xfrm>
+      </p:grpSpPr>
+      <p:sp>
+        <p:nvSpPr>
+          <p:cNvPr id="2" name="Title 1">
+            <a:extLst>
+              <a:ext uri="{FF2B5EF4-FFF2-40B4-BE49-F238E27FC236}">
+                <a16:creationId xmlns:a16="http://schemas.microsoft.com/office/drawing/2014/main" id="{C3D72E75-95B6-4537-995E-3B72F1F3230A}"/>
+              </a:ext>
+            </a:extLst>
+          </p:cNvPr>
+          <p:cNvSpPr>
+            <a:spLocks noGrp="1"/>
+          </p:cNvSpPr>
+          <p:nvPr>
+            <p:ph type="title"/>
+          </p:nvPr>
+        </p:nvSpPr>
+        <p:spPr/>
+        <p:txBody>
+          <a:bodyPr/>
+          <a:lstStyle/>
+          <a:p>
+            <a:r>
+              <a:rPr lang="en-SG" dirty="0"/>
+              <a:t>Next are analysis possibilities if you got here from </a:t>
+            </a:r>
+            <a:r>
+              <a:rPr lang="en-SG" dirty="0" err="1"/>
+              <a:t>analyzing</a:t>
+            </a:r>
+            <a:r>
+              <a:rPr lang="en-SG" dirty="0"/>
+              <a:t> a VCF</a:t>
+            </a:r>
+            <a:endParaRPr lang="en-US" dirty="0"/>
+          </a:p>
+        </p:txBody>
+      </p:sp>
+    </p:spTree>
+    <p:extLst>
+      <p:ext uri="{BB962C8B-B14F-4D97-AF65-F5344CB8AC3E}">
+        <p14:creationId xmlns:p14="http://schemas.microsoft.com/office/powerpoint/2010/main" val="2056887985"/>
+      </p:ext>
+    </p:extLst>
+  </p:cSld>
+  <p:clrMapOvr>
+    <a:masterClrMapping/>
+  </p:clrMapOvr>
+</p:sld>
+</file>
+
+<file path=ppt/slides/slide13.xml><?xml version="1.0" encoding="utf-8"?>
+<p:sld xmlns:a="http://schemas.openxmlformats.org/drawingml/2006/main" xmlns:r="http://schemas.openxmlformats.org/officeDocument/2006/relationships" xmlns:p="http://schemas.openxmlformats.org/presentationml/2006/main">
+  <p:cSld>
+    <p:spTree>
+      <p:nvGrpSpPr>
+        <p:cNvPr id="1" name=""/>
+        <p:cNvGrpSpPr/>
+        <p:nvPr/>
+      </p:nvGrpSpPr>
+      <p:grpSpPr>
+        <a:xfrm>
+          <a:off x="0" y="0"/>
+          <a:ext cx="0" cy="0"/>
+          <a:chOff x="0" y="0"/>
+          <a:chExt cx="0" cy="0"/>
+        </a:xfrm>
+      </p:grpSpPr>
+      <p:pic>
+        <p:nvPicPr>
+          <p:cNvPr id="3" name="Picture 2">
+            <a:extLst>
+              <a:ext uri="{FF2B5EF4-FFF2-40B4-BE49-F238E27FC236}">
+                <a16:creationId xmlns:a16="http://schemas.microsoft.com/office/drawing/2014/main" id="{6F77CB16-E266-4E16-A679-02072416E657}"/>
+              </a:ext>
+            </a:extLst>
+          </p:cNvPr>
+          <p:cNvPicPr>
+            <a:picLocks noChangeAspect="1"/>
+          </p:cNvPicPr>
+          <p:nvPr/>
+        </p:nvPicPr>
+        <p:blipFill>
+          <a:blip r:embed="rId2"/>
+          <a:stretch>
+            <a:fillRect/>
+          </a:stretch>
+        </p:blipFill>
+        <p:spPr>
+          <a:xfrm>
+            <a:off x="0" y="453788"/>
+            <a:ext cx="9144000" cy="5950424"/>
+          </a:xfrm>
+          <a:prstGeom prst="rect">
+            <a:avLst/>
+          </a:prstGeom>
+        </p:spPr>
+      </p:pic>
+    </p:spTree>
+    <p:extLst>
+      <p:ext uri="{BB962C8B-B14F-4D97-AF65-F5344CB8AC3E}">
+        <p14:creationId xmlns:p14="http://schemas.microsoft.com/office/powerpoint/2010/main" val="1778657780"/>
+      </p:ext>
+    </p:extLst>
+  </p:cSld>
+  <p:clrMapOvr>
+    <a:masterClrMapping/>
+  </p:clrMapOvr>
+</p:sld>
+</file>
+
+<file path=ppt/slides/slide14.xml><?xml version="1.0" encoding="utf-8"?>
+<p:sld xmlns:a="http://schemas.openxmlformats.org/drawingml/2006/main" xmlns:r="http://schemas.openxmlformats.org/officeDocument/2006/relationships" xmlns:p="http://schemas.openxmlformats.org/presentationml/2006/main">
+  <p:cSld>
+    <p:spTree>
+      <p:nvGrpSpPr>
+        <p:cNvPr id="1" name=""/>
+        <p:cNvGrpSpPr/>
+        <p:nvPr/>
+      </p:nvGrpSpPr>
+      <p:grpSpPr>
+        <a:xfrm>
+          <a:off x="0" y="0"/>
+          <a:ext cx="0" cy="0"/>
+          <a:chOff x="0" y="0"/>
+          <a:chExt cx="0" cy="0"/>
+        </a:xfrm>
+      </p:grpSpPr>
+      <p:pic>
+        <p:nvPicPr>
+          <p:cNvPr id="3" name="Picture 2">
+            <a:extLst>
+              <a:ext uri="{FF2B5EF4-FFF2-40B4-BE49-F238E27FC236}">
+                <a16:creationId xmlns:a16="http://schemas.microsoft.com/office/drawing/2014/main" id="{A4672DEF-9A5C-40C8-A3E4-BD272A07C5E1}"/>
+              </a:ext>
+            </a:extLst>
+          </p:cNvPr>
+          <p:cNvPicPr>
+            <a:picLocks noChangeAspect="1"/>
+          </p:cNvPicPr>
+          <p:nvPr/>
+        </p:nvPicPr>
+        <p:blipFill>
+          <a:blip r:embed="rId2"/>
+          <a:stretch>
+            <a:fillRect/>
+          </a:stretch>
+        </p:blipFill>
+        <p:spPr>
+          <a:xfrm>
+            <a:off x="0" y="453788"/>
+            <a:ext cx="9144000" cy="5950424"/>
+          </a:xfrm>
+          <a:prstGeom prst="rect">
+            <a:avLst/>
+          </a:prstGeom>
+        </p:spPr>
+      </p:pic>
+    </p:spTree>
+    <p:extLst>
+      <p:ext uri="{BB962C8B-B14F-4D97-AF65-F5344CB8AC3E}">
+        <p14:creationId xmlns:p14="http://schemas.microsoft.com/office/powerpoint/2010/main" val="2192639158"/>
+      </p:ext>
+    </p:extLst>
+  </p:cSld>
+  <p:clrMapOvr>
+    <a:masterClrMapping/>
+  </p:clrMapOvr>
+</p:sld>
+</file>
+
+<file path=ppt/slides/slide15.xml><?xml version="1.0" encoding="utf-8"?>
+<p:sld xmlns:a="http://schemas.openxmlformats.org/drawingml/2006/main" xmlns:r="http://schemas.openxmlformats.org/officeDocument/2006/relationships" xmlns:p="http://schemas.openxmlformats.org/presentationml/2006/main">
+  <p:cSld>
+    <p:spTree>
+      <p:nvGrpSpPr>
+        <p:cNvPr id="1" name=""/>
+        <p:cNvGrpSpPr/>
+        <p:nvPr/>
+      </p:nvGrpSpPr>
+      <p:grpSpPr>
+        <a:xfrm>
+          <a:off x="0" y="0"/>
+          <a:ext cx="0" cy="0"/>
+          <a:chOff x="0" y="0"/>
+          <a:chExt cx="0" cy="0"/>
+        </a:xfrm>
+      </p:grpSpPr>
+      <p:pic>
+        <p:nvPicPr>
+          <p:cNvPr id="3" name="Picture 2">
+            <a:extLst>
+              <a:ext uri="{FF2B5EF4-FFF2-40B4-BE49-F238E27FC236}">
+                <a16:creationId xmlns:a16="http://schemas.microsoft.com/office/drawing/2014/main" id="{77F0CAEC-F75E-47FB-9358-ABC94D24314A}"/>
+              </a:ext>
+            </a:extLst>
+          </p:cNvPr>
+          <p:cNvPicPr>
+            <a:picLocks noChangeAspect="1"/>
+          </p:cNvPicPr>
+          <p:nvPr/>
+        </p:nvPicPr>
+        <p:blipFill rotWithShape="1">
+          <a:blip r:embed="rId2"/>
+          <a:srcRect l="1059" t="10157" r="2415" b="4288"/>
+          <a:stretch/>
+        </p:blipFill>
+        <p:spPr>
+          <a:xfrm>
+            <a:off x="263472" y="166607"/>
+            <a:ext cx="8442744" cy="6412424"/>
+          </a:xfrm>
+          <a:prstGeom prst="rect">
+            <a:avLst/>
+          </a:prstGeom>
+        </p:spPr>
+      </p:pic>
+    </p:spTree>
+    <p:extLst>
+      <p:ext uri="{BB962C8B-B14F-4D97-AF65-F5344CB8AC3E}">
+        <p14:creationId xmlns:p14="http://schemas.microsoft.com/office/powerpoint/2010/main" val="997205369"/>
+      </p:ext>
+    </p:extLst>
+  </p:cSld>
+  <p:clrMapOvr>
+    <a:masterClrMapping/>
+  </p:clrMapOvr>
+</p:sld>
+</file>
+
+<file path=ppt/slides/slide2.xml><?xml version="1.0" encoding="utf-8"?>
+<p:sld xmlns:a="http://schemas.openxmlformats.org/drawingml/2006/main" xmlns:r="http://schemas.openxmlformats.org/officeDocument/2006/relationships" xmlns:p="http://schemas.openxmlformats.org/presentationml/2006/main">
+  <p:cSld>
+    <p:spTree>
+      <p:nvGrpSpPr>
+        <p:cNvPr id="1" name=""/>
+        <p:cNvGrpSpPr/>
+        <p:nvPr/>
+      </p:nvGrpSpPr>
+      <p:grpSpPr>
+        <a:xfrm>
+          <a:off x="0" y="0"/>
+          <a:ext cx="0" cy="0"/>
+          <a:chOff x="0" y="0"/>
+          <a:chExt cx="0" cy="0"/>
+        </a:xfrm>
+      </p:grpSpPr>
+      <p:pic>
+        <p:nvPicPr>
+          <p:cNvPr id="10" name="Picture 9">
+            <a:extLst>
+              <a:ext uri="{FF2B5EF4-FFF2-40B4-BE49-F238E27FC236}">
+                <a16:creationId xmlns:a16="http://schemas.microsoft.com/office/drawing/2014/main" id="{F389A56A-201A-4429-BCDE-29A368CD70BD}"/>
+              </a:ext>
+            </a:extLst>
+          </p:cNvPr>
+          <p:cNvPicPr>
+            <a:picLocks noChangeAspect="1"/>
+          </p:cNvPicPr>
+          <p:nvPr/>
+        </p:nvPicPr>
+        <p:blipFill rotWithShape="1">
+          <a:blip r:embed="rId2"/>
+          <a:srcRect l="1162" t="18633" r="28710" b="10145"/>
+          <a:stretch/>
+        </p:blipFill>
+        <p:spPr>
+          <a:xfrm>
+            <a:off x="690224" y="580843"/>
+            <a:ext cx="7547016" cy="2825791"/>
+          </a:xfrm>
+          <a:prstGeom prst="rect">
+            <a:avLst/>
+          </a:prstGeom>
+        </p:spPr>
+      </p:pic>
+      <p:sp>
+        <p:nvSpPr>
+          <p:cNvPr id="3" name="Oval 2">
+            <a:extLst>
+              <a:ext uri="{FF2B5EF4-FFF2-40B4-BE49-F238E27FC236}">
+                <a16:creationId xmlns:a16="http://schemas.microsoft.com/office/drawing/2014/main" id="{9ED78200-51B7-499E-8907-31DCA3D7A7F8}"/>
+              </a:ext>
+            </a:extLst>
+          </p:cNvPr>
+          <p:cNvSpPr/>
+          <p:nvPr/>
+        </p:nvSpPr>
+        <p:spPr>
+          <a:xfrm>
+            <a:off x="5382246" y="2216257"/>
+            <a:ext cx="2080188" cy="426203"/>
+          </a:xfrm>
+          <a:prstGeom prst="ellipse">
+            <a:avLst/>
+          </a:prstGeom>
+          <a:noFill/>
+          <a:ln w="38100">
+            <a:solidFill>
+              <a:srgbClr val="C00000"/>
+            </a:solidFill>
+          </a:ln>
+        </p:spPr>
+        <p:style>
+          <a:lnRef idx="2">
+            <a:schemeClr val="accent1">
+              <a:shade val="50000"/>
+            </a:schemeClr>
+          </a:lnRef>
+          <a:fillRef idx="1">
+            <a:schemeClr val="accent1"/>
+          </a:fillRef>
+          <a:effectRef idx="0">
+            <a:schemeClr val="accent1"/>
+          </a:effectRef>
+          <a:fontRef idx="minor">
+            <a:schemeClr val="lt1"/>
+          </a:fontRef>
+        </p:style>
+        <p:txBody>
+          <a:bodyPr rtlCol="0" anchor="ctr"/>
+          <a:lstStyle/>
+          <a:p>
+            <a:pPr algn="ctr"/>
+            <a:endParaRPr lang="en-SG"/>
+          </a:p>
+        </p:txBody>
+      </p:sp>
+      <p:sp>
+        <p:nvSpPr>
+          <p:cNvPr id="4" name="TextBox 3">
+            <a:extLst>
+              <a:ext uri="{FF2B5EF4-FFF2-40B4-BE49-F238E27FC236}">
+                <a16:creationId xmlns:a16="http://schemas.microsoft.com/office/drawing/2014/main" id="{87925D5D-7096-42FC-9383-32A60DDDFF08}"/>
+              </a:ext>
+            </a:extLst>
+          </p:cNvPr>
+          <p:cNvSpPr txBox="1"/>
+          <p:nvPr/>
+        </p:nvSpPr>
+        <p:spPr>
+          <a:xfrm>
+            <a:off x="615080" y="3242436"/>
+            <a:ext cx="4082348" cy="923330"/>
+          </a:xfrm>
+          <a:prstGeom prst="rect">
+            <a:avLst/>
+          </a:prstGeom>
+          <a:solidFill>
+            <a:schemeClr val="bg1"/>
+          </a:solidFill>
+          <a:ln w="38100">
+            <a:solidFill>
+              <a:srgbClr val="C00000"/>
+            </a:solidFill>
+          </a:ln>
+          <a:effectLst>
+            <a:outerShdw blurRad="50800" dist="254000" dir="2700000" algn="t" rotWithShape="0">
+              <a:prstClr val="black">
+                <a:alpha val="40000"/>
+              </a:prstClr>
+            </a:outerShdw>
+          </a:effectLst>
+        </p:spPr>
+        <p:txBody>
+          <a:bodyPr wrap="square" rtlCol="0">
+            <a:spAutoFit/>
+          </a:bodyPr>
+          <a:lstStyle/>
+          <a:p>
+            <a:r>
+              <a:rPr lang="en-SG" dirty="0"/>
+              <a:t>Example input spectra catalogs that you can download and then upload and analyse</a:t>
+            </a:r>
+          </a:p>
+        </p:txBody>
+      </p:sp>
+      <p:sp>
+        <p:nvSpPr>
+          <p:cNvPr id="6" name="TextBox 5">
+            <a:extLst>
+              <a:ext uri="{FF2B5EF4-FFF2-40B4-BE49-F238E27FC236}">
+                <a16:creationId xmlns:a16="http://schemas.microsoft.com/office/drawing/2014/main" id="{5CD0F0F2-B355-49CD-8261-789E681777DC}"/>
+              </a:ext>
+            </a:extLst>
+          </p:cNvPr>
+          <p:cNvSpPr txBox="1"/>
+          <p:nvPr/>
+        </p:nvSpPr>
+        <p:spPr>
+          <a:xfrm>
+            <a:off x="615080" y="1455890"/>
+            <a:ext cx="4082348" cy="1200329"/>
+          </a:xfrm>
+          <a:prstGeom prst="rect">
+            <a:avLst/>
+          </a:prstGeom>
+          <a:solidFill>
+            <a:schemeClr val="bg1"/>
+          </a:solidFill>
+          <a:ln w="38100">
+            <a:solidFill>
+              <a:srgbClr val="C00000"/>
+            </a:solidFill>
+          </a:ln>
+          <a:effectLst>
+            <a:outerShdw blurRad="50800" dist="254000" dir="2700000" algn="t" rotWithShape="0">
+              <a:prstClr val="black">
+                <a:alpha val="40000"/>
+              </a:prstClr>
+            </a:outerShdw>
+          </a:effectLst>
+        </p:spPr>
+        <p:txBody>
+          <a:bodyPr wrap="square" rtlCol="0">
+            <a:spAutoFit/>
+          </a:bodyPr>
+          <a:lstStyle/>
+          <a:p>
+            <a:r>
+              <a:rPr lang="en-SG" dirty="0"/>
+              <a:t>Pre-loaded example input spectra catalogs; SBS96, SBS192, DBS78, and ID are different kinds of mutations; each has its own catalog</a:t>
+            </a:r>
+          </a:p>
+        </p:txBody>
+      </p:sp>
+      <p:sp>
+        <p:nvSpPr>
+          <p:cNvPr id="7" name="Oval 6">
+            <a:extLst>
+              <a:ext uri="{FF2B5EF4-FFF2-40B4-BE49-F238E27FC236}">
+                <a16:creationId xmlns:a16="http://schemas.microsoft.com/office/drawing/2014/main" id="{46479989-9D4D-4023-A2DF-38BB41DCB3FE}"/>
+              </a:ext>
+            </a:extLst>
+          </p:cNvPr>
+          <p:cNvSpPr/>
+          <p:nvPr/>
+        </p:nvSpPr>
+        <p:spPr>
+          <a:xfrm>
+            <a:off x="5315879" y="1560171"/>
+            <a:ext cx="2588257" cy="646331"/>
+          </a:xfrm>
+          <a:prstGeom prst="ellipse">
+            <a:avLst/>
+          </a:prstGeom>
+          <a:noFill/>
+          <a:ln w="38100">
+            <a:solidFill>
+              <a:srgbClr val="C00000"/>
+            </a:solidFill>
+          </a:ln>
+        </p:spPr>
+        <p:style>
+          <a:lnRef idx="2">
+            <a:schemeClr val="accent1">
+              <a:shade val="50000"/>
+            </a:schemeClr>
+          </a:lnRef>
+          <a:fillRef idx="1">
+            <a:schemeClr val="accent1"/>
+          </a:fillRef>
+          <a:effectRef idx="0">
+            <a:schemeClr val="accent1"/>
+          </a:effectRef>
+          <a:fontRef idx="minor">
+            <a:schemeClr val="lt1"/>
+          </a:fontRef>
+        </p:style>
+        <p:txBody>
+          <a:bodyPr rtlCol="0" anchor="ctr"/>
+          <a:lstStyle/>
+          <a:p>
+            <a:pPr algn="ctr"/>
+            <a:endParaRPr lang="en-SG"/>
+          </a:p>
+        </p:txBody>
+      </p:sp>
+      <p:sp>
+        <p:nvSpPr>
+          <p:cNvPr id="8" name="Freeform: Shape 7">
+            <a:extLst>
+              <a:ext uri="{FF2B5EF4-FFF2-40B4-BE49-F238E27FC236}">
+                <a16:creationId xmlns:a16="http://schemas.microsoft.com/office/drawing/2014/main" id="{4C4AE0C6-2609-462F-9C70-8981CA0C2DE3}"/>
+              </a:ext>
+            </a:extLst>
+          </p:cNvPr>
+          <p:cNvSpPr/>
+          <p:nvPr/>
+        </p:nvSpPr>
+        <p:spPr>
+          <a:xfrm rot="20570935">
+            <a:off x="4566439" y="2549945"/>
+            <a:ext cx="924080" cy="749035"/>
+          </a:xfrm>
+          <a:custGeom>
+            <a:avLst/>
+            <a:gdLst>
+              <a:gd name="connsiteX0" fmla="*/ 0 w 631231"/>
+              <a:gd name="connsiteY0" fmla="*/ 305078 h 305078"/>
+              <a:gd name="connsiteX1" fmla="*/ 330364 w 631231"/>
+              <a:gd name="connsiteY1" fmla="*/ 33708 h 305078"/>
+              <a:gd name="connsiteX2" fmla="*/ 631231 w 631231"/>
+              <a:gd name="connsiteY2" fmla="*/ 4211 h 305078"/>
+              <a:gd name="connsiteX3" fmla="*/ 631231 w 631231"/>
+              <a:gd name="connsiteY3" fmla="*/ 4211 h 305078"/>
+              <a:gd name="connsiteX4" fmla="*/ 631231 w 631231"/>
+              <a:gd name="connsiteY4" fmla="*/ 4211 h 305078"/>
+            </a:gdLst>
+            <a:ahLst/>
+            <a:cxnLst>
+              <a:cxn ang="0">
+                <a:pos x="connsiteX0" y="connsiteY0"/>
+              </a:cxn>
+              <a:cxn ang="0">
+                <a:pos x="connsiteX1" y="connsiteY1"/>
+              </a:cxn>
+              <a:cxn ang="0">
+                <a:pos x="connsiteX2" y="connsiteY2"/>
+              </a:cxn>
+              <a:cxn ang="0">
+                <a:pos x="connsiteX3" y="connsiteY3"/>
+              </a:cxn>
+              <a:cxn ang="0">
+                <a:pos x="connsiteX4" y="connsiteY4"/>
+              </a:cxn>
+            </a:cxnLst>
+            <a:rect l="l" t="t" r="r" b="b"/>
+            <a:pathLst>
+              <a:path w="631231" h="305078">
+                <a:moveTo>
+                  <a:pt x="0" y="305078"/>
+                </a:moveTo>
+                <a:cubicBezTo>
+                  <a:pt x="112579" y="194465"/>
+                  <a:pt x="225159" y="83852"/>
+                  <a:pt x="330364" y="33708"/>
+                </a:cubicBezTo>
+                <a:cubicBezTo>
+                  <a:pt x="435569" y="-16437"/>
+                  <a:pt x="631231" y="4211"/>
+                  <a:pt x="631231" y="4211"/>
+                </a:cubicBezTo>
+                <a:lnTo>
+                  <a:pt x="631231" y="4211"/>
+                </a:lnTo>
+                <a:lnTo>
+                  <a:pt x="631231" y="4211"/>
+                </a:lnTo>
+              </a:path>
+            </a:pathLst>
+          </a:custGeom>
+          <a:noFill/>
+          <a:ln w="38100">
+            <a:solidFill>
+              <a:srgbClr val="C00000"/>
+            </a:solidFill>
+            <a:headEnd type="none" w="med" len="med"/>
+            <a:tailEnd type="arrow" w="med" len="med"/>
+          </a:ln>
+        </p:spPr>
+        <p:style>
+          <a:lnRef idx="2">
+            <a:schemeClr val="accent1">
+              <a:shade val="50000"/>
+            </a:schemeClr>
+          </a:lnRef>
+          <a:fillRef idx="1">
+            <a:schemeClr val="accent1"/>
+          </a:fillRef>
+          <a:effectRef idx="0">
+            <a:schemeClr val="accent1"/>
+          </a:effectRef>
+          <a:fontRef idx="minor">
+            <a:schemeClr val="lt1"/>
+          </a:fontRef>
+        </p:style>
+        <p:txBody>
+          <a:bodyPr rtlCol="0" anchor="ctr"/>
+          <a:lstStyle/>
+          <a:p>
+            <a:pPr algn="ctr"/>
+            <a:endParaRPr lang="en-SG"/>
+          </a:p>
+        </p:txBody>
+      </p:sp>
+      <p:sp>
+        <p:nvSpPr>
+          <p:cNvPr id="9" name="Freeform: Shape 8">
+            <a:extLst>
+              <a:ext uri="{FF2B5EF4-FFF2-40B4-BE49-F238E27FC236}">
+                <a16:creationId xmlns:a16="http://schemas.microsoft.com/office/drawing/2014/main" id="{84A436B5-F743-4D90-8E66-FE22E107248C}"/>
+              </a:ext>
+            </a:extLst>
+          </p:cNvPr>
+          <p:cNvSpPr/>
+          <p:nvPr/>
+        </p:nvSpPr>
+        <p:spPr>
+          <a:xfrm>
+            <a:off x="4684648" y="1866540"/>
+            <a:ext cx="631231" cy="305078"/>
+          </a:xfrm>
+          <a:custGeom>
+            <a:avLst/>
+            <a:gdLst>
+              <a:gd name="connsiteX0" fmla="*/ 0 w 631231"/>
+              <a:gd name="connsiteY0" fmla="*/ 305078 h 305078"/>
+              <a:gd name="connsiteX1" fmla="*/ 330364 w 631231"/>
+              <a:gd name="connsiteY1" fmla="*/ 33708 h 305078"/>
+              <a:gd name="connsiteX2" fmla="*/ 631231 w 631231"/>
+              <a:gd name="connsiteY2" fmla="*/ 4211 h 305078"/>
+              <a:gd name="connsiteX3" fmla="*/ 631231 w 631231"/>
+              <a:gd name="connsiteY3" fmla="*/ 4211 h 305078"/>
+              <a:gd name="connsiteX4" fmla="*/ 631231 w 631231"/>
+              <a:gd name="connsiteY4" fmla="*/ 4211 h 305078"/>
+            </a:gdLst>
+            <a:ahLst/>
+            <a:cxnLst>
+              <a:cxn ang="0">
+                <a:pos x="connsiteX0" y="connsiteY0"/>
+              </a:cxn>
+              <a:cxn ang="0">
+                <a:pos x="connsiteX1" y="connsiteY1"/>
+              </a:cxn>
+              <a:cxn ang="0">
+                <a:pos x="connsiteX2" y="connsiteY2"/>
+              </a:cxn>
+              <a:cxn ang="0">
+                <a:pos x="connsiteX3" y="connsiteY3"/>
+              </a:cxn>
+              <a:cxn ang="0">
+                <a:pos x="connsiteX4" y="connsiteY4"/>
+              </a:cxn>
+            </a:cxnLst>
+            <a:rect l="l" t="t" r="r" b="b"/>
+            <a:pathLst>
+              <a:path w="631231" h="305078">
+                <a:moveTo>
+                  <a:pt x="0" y="305078"/>
+                </a:moveTo>
+                <a:cubicBezTo>
+                  <a:pt x="112579" y="194465"/>
+                  <a:pt x="225159" y="83852"/>
+                  <a:pt x="330364" y="33708"/>
+                </a:cubicBezTo>
+                <a:cubicBezTo>
+                  <a:pt x="435569" y="-16437"/>
+                  <a:pt x="631231" y="4211"/>
+                  <a:pt x="631231" y="4211"/>
+                </a:cubicBezTo>
+                <a:lnTo>
+                  <a:pt x="631231" y="4211"/>
+                </a:lnTo>
+                <a:lnTo>
+                  <a:pt x="631231" y="4211"/>
+                </a:lnTo>
+              </a:path>
+            </a:pathLst>
+          </a:custGeom>
+          <a:noFill/>
+          <a:ln w="38100">
+            <a:solidFill>
+              <a:srgbClr val="C00000"/>
+            </a:solidFill>
+            <a:headEnd type="none" w="med" len="med"/>
+            <a:tailEnd type="arrow" w="med" len="med"/>
+          </a:ln>
+        </p:spPr>
+        <p:style>
+          <a:lnRef idx="2">
+            <a:schemeClr val="accent1">
+              <a:shade val="50000"/>
+            </a:schemeClr>
+          </a:lnRef>
+          <a:fillRef idx="1">
+            <a:schemeClr val="accent1"/>
+          </a:fillRef>
+          <a:effectRef idx="0">
+            <a:schemeClr val="accent1"/>
+          </a:effectRef>
+          <a:fontRef idx="minor">
+            <a:schemeClr val="lt1"/>
+          </a:fontRef>
+        </p:style>
+        <p:txBody>
+          <a:bodyPr rtlCol="0" anchor="ctr"/>
+          <a:lstStyle/>
+          <a:p>
+            <a:pPr algn="ctr"/>
+            <a:endParaRPr lang="en-SG"/>
+          </a:p>
+        </p:txBody>
+      </p:sp>
+    </p:spTree>
+    <p:extLst>
+      <p:ext uri="{BB962C8B-B14F-4D97-AF65-F5344CB8AC3E}">
+        <p14:creationId xmlns:p14="http://schemas.microsoft.com/office/powerpoint/2010/main" val="2393889891"/>
+      </p:ext>
+    </p:extLst>
+  </p:cSld>
+  <p:clrMapOvr>
+    <a:masterClrMapping/>
+  </p:clrMapOvr>
+</p:sld>
+</file>
+
+<file path=ppt/slides/slide3.xml><?xml version="1.0" encoding="utf-8"?>
+<p:sld xmlns:a="http://schemas.openxmlformats.org/drawingml/2006/main" xmlns:r="http://schemas.openxmlformats.org/officeDocument/2006/relationships" xmlns:p="http://schemas.openxmlformats.org/presentationml/2006/main">
+  <p:cSld>
+    <p:spTree>
+      <p:nvGrpSpPr>
+        <p:cNvPr id="1" name=""/>
+        <p:cNvGrpSpPr/>
+        <p:nvPr/>
+      </p:nvGrpSpPr>
+      <p:grpSpPr>
+        <a:xfrm>
+          <a:off x="0" y="0"/>
+          <a:ext cx="0" cy="0"/>
+          <a:chOff x="0" y="0"/>
+          <a:chExt cx="0" cy="0"/>
+        </a:xfrm>
+      </p:grpSpPr>
+      <p:pic>
+        <p:nvPicPr>
           <p:cNvPr id="5" name="Picture 4">
             <a:extLst>
               <a:ext uri="{FF2B5EF4-FFF2-40B4-BE49-F238E27FC236}">
@@ -2987,8 +3908,1266 @@
         </p:blipFill>
         <p:spPr>
           <a:xfrm>
-            <a:off x="690224" y="890803"/>
+            <a:off x="690224" y="580843"/>
             <a:ext cx="7547016" cy="2825791"/>
+          </a:xfrm>
+          <a:prstGeom prst="rect">
+            <a:avLst/>
+          </a:prstGeom>
+        </p:spPr>
+      </p:pic>
+      <p:sp>
+        <p:nvSpPr>
+          <p:cNvPr id="3" name="Freeform: Shape 2">
+            <a:extLst>
+              <a:ext uri="{FF2B5EF4-FFF2-40B4-BE49-F238E27FC236}">
+                <a16:creationId xmlns:a16="http://schemas.microsoft.com/office/drawing/2014/main" id="{508F1140-CAD8-46C1-B7F8-5F3E6225BE17}"/>
+              </a:ext>
+            </a:extLst>
+          </p:cNvPr>
+          <p:cNvSpPr/>
+          <p:nvPr/>
+        </p:nvSpPr>
+        <p:spPr>
+          <a:xfrm>
+            <a:off x="3799184" y="2658516"/>
+            <a:ext cx="1545631" cy="1173972"/>
+          </a:xfrm>
+          <a:custGeom>
+            <a:avLst/>
+            <a:gdLst>
+              <a:gd name="connsiteX0" fmla="*/ 0 w 1545631"/>
+              <a:gd name="connsiteY0" fmla="*/ 0 h 1173972"/>
+              <a:gd name="connsiteX1" fmla="*/ 619432 w 1545631"/>
+              <a:gd name="connsiteY1" fmla="*/ 908501 h 1173972"/>
+              <a:gd name="connsiteX2" fmla="*/ 1014689 w 1545631"/>
+              <a:gd name="connsiteY2" fmla="*/ 566339 h 1173972"/>
+              <a:gd name="connsiteX3" fmla="*/ 1545631 w 1545631"/>
+              <a:gd name="connsiteY3" fmla="*/ 1173972 h 1173972"/>
+              <a:gd name="connsiteX4" fmla="*/ 1545631 w 1545631"/>
+              <a:gd name="connsiteY4" fmla="*/ 1173972 h 1173972"/>
+            </a:gdLst>
+            <a:ahLst/>
+            <a:cxnLst>
+              <a:cxn ang="0">
+                <a:pos x="connsiteX0" y="connsiteY0"/>
+              </a:cxn>
+              <a:cxn ang="0">
+                <a:pos x="connsiteX1" y="connsiteY1"/>
+              </a:cxn>
+              <a:cxn ang="0">
+                <a:pos x="connsiteX2" y="connsiteY2"/>
+              </a:cxn>
+              <a:cxn ang="0">
+                <a:pos x="connsiteX3" y="connsiteY3"/>
+              </a:cxn>
+              <a:cxn ang="0">
+                <a:pos x="connsiteX4" y="connsiteY4"/>
+              </a:cxn>
+            </a:cxnLst>
+            <a:rect l="l" t="t" r="r" b="b"/>
+            <a:pathLst>
+              <a:path w="1545631" h="1173972">
+                <a:moveTo>
+                  <a:pt x="0" y="0"/>
+                </a:moveTo>
+                <a:cubicBezTo>
+                  <a:pt x="225158" y="407055"/>
+                  <a:pt x="450317" y="814111"/>
+                  <a:pt x="619432" y="908501"/>
+                </a:cubicBezTo>
+                <a:cubicBezTo>
+                  <a:pt x="788547" y="1002891"/>
+                  <a:pt x="860323" y="522094"/>
+                  <a:pt x="1014689" y="566339"/>
+                </a:cubicBezTo>
+                <a:cubicBezTo>
+                  <a:pt x="1169055" y="610584"/>
+                  <a:pt x="1545631" y="1173972"/>
+                  <a:pt x="1545631" y="1173972"/>
+                </a:cubicBezTo>
+                <a:lnTo>
+                  <a:pt x="1545631" y="1173972"/>
+                </a:lnTo>
+              </a:path>
+            </a:pathLst>
+          </a:custGeom>
+          <a:noFill/>
+          <a:ln w="38100">
+            <a:solidFill>
+              <a:srgbClr val="C00000"/>
+            </a:solidFill>
+            <a:headEnd type="arrow" w="med" len="med"/>
+            <a:tailEnd type="none" w="med" len="med"/>
+          </a:ln>
+        </p:spPr>
+        <p:style>
+          <a:lnRef idx="2">
+            <a:schemeClr val="accent1">
+              <a:shade val="50000"/>
+            </a:schemeClr>
+          </a:lnRef>
+          <a:fillRef idx="1">
+            <a:schemeClr val="accent1"/>
+          </a:fillRef>
+          <a:effectRef idx="0">
+            <a:schemeClr val="accent1"/>
+          </a:effectRef>
+          <a:fontRef idx="minor">
+            <a:schemeClr val="lt1"/>
+          </a:fontRef>
+        </p:style>
+        <p:txBody>
+          <a:bodyPr rtlCol="0" anchor="ctr"/>
+          <a:lstStyle/>
+          <a:p>
+            <a:pPr algn="ctr"/>
+            <a:endParaRPr lang="en-SG"/>
+          </a:p>
+        </p:txBody>
+      </p:sp>
+      <p:sp>
+        <p:nvSpPr>
+          <p:cNvPr id="4" name="Oval 3">
+            <a:extLst>
+              <a:ext uri="{FF2B5EF4-FFF2-40B4-BE49-F238E27FC236}">
+                <a16:creationId xmlns:a16="http://schemas.microsoft.com/office/drawing/2014/main" id="{AF49834E-58EA-4B83-8D4D-0E5B755C23FF}"/>
+              </a:ext>
+            </a:extLst>
+          </p:cNvPr>
+          <p:cNvSpPr/>
+          <p:nvPr/>
+        </p:nvSpPr>
+        <p:spPr>
+          <a:xfrm>
+            <a:off x="2501621" y="1291355"/>
+            <a:ext cx="2395138" cy="1333255"/>
+          </a:xfrm>
+          <a:prstGeom prst="ellipse">
+            <a:avLst/>
+          </a:prstGeom>
+          <a:noFill/>
+          <a:ln w="38100">
+            <a:solidFill>
+              <a:srgbClr val="C00000"/>
+            </a:solidFill>
+          </a:ln>
+        </p:spPr>
+        <p:style>
+          <a:lnRef idx="2">
+            <a:schemeClr val="accent1">
+              <a:shade val="50000"/>
+            </a:schemeClr>
+          </a:lnRef>
+          <a:fillRef idx="1">
+            <a:schemeClr val="accent1"/>
+          </a:fillRef>
+          <a:effectRef idx="0">
+            <a:schemeClr val="accent1"/>
+          </a:effectRef>
+          <a:fontRef idx="minor">
+            <a:schemeClr val="lt1"/>
+          </a:fontRef>
+        </p:style>
+        <p:txBody>
+          <a:bodyPr rtlCol="0" anchor="ctr"/>
+          <a:lstStyle/>
+          <a:p>
+            <a:pPr algn="ctr"/>
+            <a:endParaRPr lang="en-SG"/>
+          </a:p>
+        </p:txBody>
+      </p:sp>
+      <p:sp>
+        <p:nvSpPr>
+          <p:cNvPr id="6" name="TextBox 5">
+            <a:extLst>
+              <a:ext uri="{FF2B5EF4-FFF2-40B4-BE49-F238E27FC236}">
+                <a16:creationId xmlns:a16="http://schemas.microsoft.com/office/drawing/2014/main" id="{DF55AD96-B73C-46EF-B377-C24A5D87B9C7}"/>
+              </a:ext>
+            </a:extLst>
+          </p:cNvPr>
+          <p:cNvSpPr txBox="1"/>
+          <p:nvPr/>
+        </p:nvSpPr>
+        <p:spPr>
+          <a:xfrm>
+            <a:off x="2440983" y="3763179"/>
+            <a:ext cx="6323309" cy="2308324"/>
+          </a:xfrm>
+          <a:prstGeom prst="rect">
+            <a:avLst/>
+          </a:prstGeom>
+          <a:solidFill>
+            <a:schemeClr val="bg1"/>
+          </a:solidFill>
+          <a:ln w="38100">
+            <a:solidFill>
+              <a:srgbClr val="C00000"/>
+            </a:solidFill>
+          </a:ln>
+          <a:effectLst>
+            <a:outerShdw blurRad="50800" dist="254000" dir="2700000" algn="t" rotWithShape="0">
+              <a:prstClr val="black">
+                <a:alpha val="40000"/>
+              </a:prstClr>
+            </a:outerShdw>
+          </a:effectLst>
+        </p:spPr>
+        <p:txBody>
+          <a:bodyPr wrap="square" rtlCol="0">
+            <a:spAutoFit/>
+          </a:bodyPr>
+          <a:lstStyle/>
+          <a:p>
+            <a:r>
+              <a:rPr lang="en-SG" b="1" i="1" dirty="0"/>
+              <a:t>This is important. </a:t>
+            </a:r>
+            <a:r>
+              <a:rPr lang="en-SG" dirty="0"/>
+              <a:t>The standard mutational signatures in COSMIC are based on the counts of mutations across the human (GRCh37/hg19) genome. The frequencies of di, tri, and pentanucleotides are noticeably different between the whole genome and the exome (the </a:t>
+            </a:r>
+            <a:r>
+              <a:rPr lang="en-SG" dirty="0" err="1"/>
+              <a:t>exonic</a:t>
+            </a:r>
+            <a:r>
+              <a:rPr lang="en-SG" dirty="0"/>
+              <a:t> parts of genes). When mSigAct analyses attributions for an exome spectra, it converts the COSMIC signatures to the exome signatures by accounting for the differences these frequencies.</a:t>
+            </a:r>
+          </a:p>
+        </p:txBody>
+      </p:sp>
+    </p:spTree>
+    <p:extLst>
+      <p:ext uri="{BB962C8B-B14F-4D97-AF65-F5344CB8AC3E}">
+        <p14:creationId xmlns:p14="http://schemas.microsoft.com/office/powerpoint/2010/main" val="17874436"/>
+      </p:ext>
+    </p:extLst>
+  </p:cSld>
+  <p:clrMapOvr>
+    <a:masterClrMapping/>
+  </p:clrMapOvr>
+</p:sld>
+</file>
+
+<file path=ppt/slides/slide4.xml><?xml version="1.0" encoding="utf-8"?>
+<p:sld xmlns:a="http://schemas.openxmlformats.org/drawingml/2006/main" xmlns:r="http://schemas.openxmlformats.org/officeDocument/2006/relationships" xmlns:p="http://schemas.openxmlformats.org/presentationml/2006/main">
+  <p:cSld>
+    <p:spTree>
+      <p:nvGrpSpPr>
+        <p:cNvPr id="1" name=""/>
+        <p:cNvGrpSpPr/>
+        <p:nvPr/>
+      </p:nvGrpSpPr>
+      <p:grpSpPr>
+        <a:xfrm>
+          <a:off x="0" y="0"/>
+          <a:ext cx="0" cy="0"/>
+          <a:chOff x="0" y="0"/>
+          <a:chExt cx="0" cy="0"/>
+        </a:xfrm>
+      </p:grpSpPr>
+      <p:pic>
+        <p:nvPicPr>
+          <p:cNvPr id="5" name="Picture 4">
+            <a:extLst>
+              <a:ext uri="{FF2B5EF4-FFF2-40B4-BE49-F238E27FC236}">
+                <a16:creationId xmlns:a16="http://schemas.microsoft.com/office/drawing/2014/main" id="{9CE6166B-F85A-4CE2-97C0-9314F8EB0849}"/>
+              </a:ext>
+            </a:extLst>
+          </p:cNvPr>
+          <p:cNvPicPr>
+            <a:picLocks noChangeAspect="1"/>
+          </p:cNvPicPr>
+          <p:nvPr/>
+        </p:nvPicPr>
+        <p:blipFill rotWithShape="1">
+          <a:blip r:embed="rId2"/>
+          <a:srcRect l="1162" t="18633" r="28710" b="10145"/>
+          <a:stretch/>
+        </p:blipFill>
+        <p:spPr>
+          <a:xfrm>
+            <a:off x="690224" y="580843"/>
+            <a:ext cx="7547016" cy="2825791"/>
+          </a:xfrm>
+          <a:prstGeom prst="rect">
+            <a:avLst/>
+          </a:prstGeom>
+        </p:spPr>
+      </p:pic>
+      <p:sp>
+        <p:nvSpPr>
+          <p:cNvPr id="3" name="Freeform: Shape 2">
+            <a:extLst>
+              <a:ext uri="{FF2B5EF4-FFF2-40B4-BE49-F238E27FC236}">
+                <a16:creationId xmlns:a16="http://schemas.microsoft.com/office/drawing/2014/main" id="{508F1140-CAD8-46C1-B7F8-5F3E6225BE17}"/>
+              </a:ext>
+            </a:extLst>
+          </p:cNvPr>
+          <p:cNvSpPr/>
+          <p:nvPr/>
+        </p:nvSpPr>
+        <p:spPr>
+          <a:xfrm>
+            <a:off x="2200556" y="2589207"/>
+            <a:ext cx="1545631" cy="1173972"/>
+          </a:xfrm>
+          <a:custGeom>
+            <a:avLst/>
+            <a:gdLst>
+              <a:gd name="connsiteX0" fmla="*/ 0 w 1545631"/>
+              <a:gd name="connsiteY0" fmla="*/ 0 h 1173972"/>
+              <a:gd name="connsiteX1" fmla="*/ 619432 w 1545631"/>
+              <a:gd name="connsiteY1" fmla="*/ 908501 h 1173972"/>
+              <a:gd name="connsiteX2" fmla="*/ 1014689 w 1545631"/>
+              <a:gd name="connsiteY2" fmla="*/ 566339 h 1173972"/>
+              <a:gd name="connsiteX3" fmla="*/ 1545631 w 1545631"/>
+              <a:gd name="connsiteY3" fmla="*/ 1173972 h 1173972"/>
+              <a:gd name="connsiteX4" fmla="*/ 1545631 w 1545631"/>
+              <a:gd name="connsiteY4" fmla="*/ 1173972 h 1173972"/>
+            </a:gdLst>
+            <a:ahLst/>
+            <a:cxnLst>
+              <a:cxn ang="0">
+                <a:pos x="connsiteX0" y="connsiteY0"/>
+              </a:cxn>
+              <a:cxn ang="0">
+                <a:pos x="connsiteX1" y="connsiteY1"/>
+              </a:cxn>
+              <a:cxn ang="0">
+                <a:pos x="connsiteX2" y="connsiteY2"/>
+              </a:cxn>
+              <a:cxn ang="0">
+                <a:pos x="connsiteX3" y="connsiteY3"/>
+              </a:cxn>
+              <a:cxn ang="0">
+                <a:pos x="connsiteX4" y="connsiteY4"/>
+              </a:cxn>
+            </a:cxnLst>
+            <a:rect l="l" t="t" r="r" b="b"/>
+            <a:pathLst>
+              <a:path w="1545631" h="1173972">
+                <a:moveTo>
+                  <a:pt x="0" y="0"/>
+                </a:moveTo>
+                <a:cubicBezTo>
+                  <a:pt x="225158" y="407055"/>
+                  <a:pt x="450317" y="814111"/>
+                  <a:pt x="619432" y="908501"/>
+                </a:cubicBezTo>
+                <a:cubicBezTo>
+                  <a:pt x="788547" y="1002891"/>
+                  <a:pt x="860323" y="522094"/>
+                  <a:pt x="1014689" y="566339"/>
+                </a:cubicBezTo>
+                <a:cubicBezTo>
+                  <a:pt x="1169055" y="610584"/>
+                  <a:pt x="1545631" y="1173972"/>
+                  <a:pt x="1545631" y="1173972"/>
+                </a:cubicBezTo>
+                <a:lnTo>
+                  <a:pt x="1545631" y="1173972"/>
+                </a:lnTo>
+              </a:path>
+            </a:pathLst>
+          </a:custGeom>
+          <a:noFill/>
+          <a:ln w="38100">
+            <a:solidFill>
+              <a:srgbClr val="C00000"/>
+            </a:solidFill>
+            <a:headEnd type="arrow" w="med" len="med"/>
+            <a:tailEnd type="none" w="med" len="med"/>
+          </a:ln>
+        </p:spPr>
+        <p:style>
+          <a:lnRef idx="2">
+            <a:schemeClr val="accent1">
+              <a:shade val="50000"/>
+            </a:schemeClr>
+          </a:lnRef>
+          <a:fillRef idx="1">
+            <a:schemeClr val="accent1"/>
+          </a:fillRef>
+          <a:effectRef idx="0">
+            <a:schemeClr val="accent1"/>
+          </a:effectRef>
+          <a:fontRef idx="minor">
+            <a:schemeClr val="lt1"/>
+          </a:fontRef>
+        </p:style>
+        <p:txBody>
+          <a:bodyPr rtlCol="0" anchor="ctr"/>
+          <a:lstStyle/>
+          <a:p>
+            <a:pPr algn="ctr"/>
+            <a:endParaRPr lang="en-SG"/>
+          </a:p>
+        </p:txBody>
+      </p:sp>
+      <p:sp>
+        <p:nvSpPr>
+          <p:cNvPr id="4" name="Oval 3">
+            <a:extLst>
+              <a:ext uri="{FF2B5EF4-FFF2-40B4-BE49-F238E27FC236}">
+                <a16:creationId xmlns:a16="http://schemas.microsoft.com/office/drawing/2014/main" id="{AF49834E-58EA-4B83-8D4D-0E5B755C23FF}"/>
+              </a:ext>
+            </a:extLst>
+          </p:cNvPr>
+          <p:cNvSpPr/>
+          <p:nvPr/>
+        </p:nvSpPr>
+        <p:spPr>
+          <a:xfrm>
+            <a:off x="424851" y="1291355"/>
+            <a:ext cx="2395138" cy="1333255"/>
+          </a:xfrm>
+          <a:prstGeom prst="ellipse">
+            <a:avLst/>
+          </a:prstGeom>
+          <a:noFill/>
+          <a:ln w="38100">
+            <a:solidFill>
+              <a:srgbClr val="C00000"/>
+            </a:solidFill>
+          </a:ln>
+        </p:spPr>
+        <p:style>
+          <a:lnRef idx="2">
+            <a:schemeClr val="accent1">
+              <a:shade val="50000"/>
+            </a:schemeClr>
+          </a:lnRef>
+          <a:fillRef idx="1">
+            <a:schemeClr val="accent1"/>
+          </a:fillRef>
+          <a:effectRef idx="0">
+            <a:schemeClr val="accent1"/>
+          </a:effectRef>
+          <a:fontRef idx="minor">
+            <a:schemeClr val="lt1"/>
+          </a:fontRef>
+        </p:style>
+        <p:txBody>
+          <a:bodyPr rtlCol="0" anchor="ctr"/>
+          <a:lstStyle/>
+          <a:p>
+            <a:pPr algn="ctr"/>
+            <a:endParaRPr lang="en-SG"/>
+          </a:p>
+        </p:txBody>
+      </p:sp>
+      <p:sp>
+        <p:nvSpPr>
+          <p:cNvPr id="6" name="TextBox 5">
+            <a:extLst>
+              <a:ext uri="{FF2B5EF4-FFF2-40B4-BE49-F238E27FC236}">
+                <a16:creationId xmlns:a16="http://schemas.microsoft.com/office/drawing/2014/main" id="{DF55AD96-B73C-46EF-B377-C24A5D87B9C7}"/>
+              </a:ext>
+            </a:extLst>
+          </p:cNvPr>
+          <p:cNvSpPr txBox="1"/>
+          <p:nvPr/>
+        </p:nvSpPr>
+        <p:spPr>
+          <a:xfrm>
+            <a:off x="2973370" y="3763179"/>
+            <a:ext cx="4194596" cy="1754326"/>
+          </a:xfrm>
+          <a:prstGeom prst="rect">
+            <a:avLst/>
+          </a:prstGeom>
+          <a:solidFill>
+            <a:schemeClr val="bg1"/>
+          </a:solidFill>
+          <a:ln w="38100">
+            <a:solidFill>
+              <a:srgbClr val="C00000"/>
+            </a:solidFill>
+          </a:ln>
+          <a:effectLst>
+            <a:outerShdw blurRad="50800" dist="254000" dir="2700000" algn="t" rotWithShape="0">
+              <a:prstClr val="black">
+                <a:alpha val="40000"/>
+              </a:prstClr>
+            </a:outerShdw>
+          </a:effectLst>
+        </p:spPr>
+        <p:txBody>
+          <a:bodyPr wrap="square" rtlCol="0">
+            <a:spAutoFit/>
+          </a:bodyPr>
+          <a:lstStyle/>
+          <a:p>
+            <a:r>
+              <a:rPr lang="en-SG" dirty="0"/>
+              <a:t>Select the reference genome. mSigAct needs that to know the abundances of different di, tri, and pentanucleotide. These frequencies vary slightly between human genome reference sequences and between human and mouse</a:t>
+            </a:r>
+          </a:p>
+        </p:txBody>
+      </p:sp>
+    </p:spTree>
+    <p:extLst>
+      <p:ext uri="{BB962C8B-B14F-4D97-AF65-F5344CB8AC3E}">
+        <p14:creationId xmlns:p14="http://schemas.microsoft.com/office/powerpoint/2010/main" val="887478328"/>
+      </p:ext>
+    </p:extLst>
+  </p:cSld>
+  <p:clrMapOvr>
+    <a:masterClrMapping/>
+  </p:clrMapOvr>
+</p:sld>
+</file>
+
+<file path=ppt/slides/slide5.xml><?xml version="1.0" encoding="utf-8"?>
+<p:sld xmlns:a="http://schemas.openxmlformats.org/drawingml/2006/main" xmlns:r="http://schemas.openxmlformats.org/officeDocument/2006/relationships" xmlns:p="http://schemas.openxmlformats.org/presentationml/2006/main">
+  <p:cSld>
+    <p:spTree>
+      <p:nvGrpSpPr>
+        <p:cNvPr id="1" name=""/>
+        <p:cNvGrpSpPr/>
+        <p:nvPr/>
+      </p:nvGrpSpPr>
+      <p:grpSpPr>
+        <a:xfrm>
+          <a:off x="0" y="0"/>
+          <a:ext cx="0" cy="0"/>
+          <a:chOff x="0" y="0"/>
+          <a:chExt cx="0" cy="0"/>
+        </a:xfrm>
+      </p:grpSpPr>
+      <p:pic>
+        <p:nvPicPr>
+          <p:cNvPr id="5" name="Picture 4">
+            <a:extLst>
+              <a:ext uri="{FF2B5EF4-FFF2-40B4-BE49-F238E27FC236}">
+                <a16:creationId xmlns:a16="http://schemas.microsoft.com/office/drawing/2014/main" id="{9CE6166B-F85A-4CE2-97C0-9314F8EB0849}"/>
+              </a:ext>
+            </a:extLst>
+          </p:cNvPr>
+          <p:cNvPicPr>
+            <a:picLocks noChangeAspect="1"/>
+          </p:cNvPicPr>
+          <p:nvPr/>
+        </p:nvPicPr>
+        <p:blipFill rotWithShape="1">
+          <a:blip r:embed="rId2"/>
+          <a:srcRect l="1162" t="18633" r="28710" b="10145"/>
+          <a:stretch/>
+        </p:blipFill>
+        <p:spPr>
+          <a:xfrm>
+            <a:off x="690224" y="580843"/>
+            <a:ext cx="7547016" cy="2825791"/>
+          </a:xfrm>
+          <a:prstGeom prst="rect">
+            <a:avLst/>
+          </a:prstGeom>
+        </p:spPr>
+      </p:pic>
+      <p:sp>
+        <p:nvSpPr>
+          <p:cNvPr id="7" name="Oval 6">
+            <a:extLst>
+              <a:ext uri="{FF2B5EF4-FFF2-40B4-BE49-F238E27FC236}">
+                <a16:creationId xmlns:a16="http://schemas.microsoft.com/office/drawing/2014/main" id="{5BE630A7-59FA-4D5B-A741-3CA778F8EFCB}"/>
+              </a:ext>
+            </a:extLst>
+          </p:cNvPr>
+          <p:cNvSpPr/>
+          <p:nvPr/>
+        </p:nvSpPr>
+        <p:spPr>
+          <a:xfrm>
+            <a:off x="679846" y="2378196"/>
+            <a:ext cx="2063591" cy="853202"/>
+          </a:xfrm>
+          <a:prstGeom prst="ellipse">
+            <a:avLst/>
+          </a:prstGeom>
+          <a:noFill/>
+          <a:ln w="38100">
+            <a:solidFill>
+              <a:srgbClr val="C00000"/>
+            </a:solidFill>
+          </a:ln>
+        </p:spPr>
+        <p:style>
+          <a:lnRef idx="2">
+            <a:schemeClr val="accent1">
+              <a:shade val="50000"/>
+            </a:schemeClr>
+          </a:lnRef>
+          <a:fillRef idx="1">
+            <a:schemeClr val="accent1"/>
+          </a:fillRef>
+          <a:effectRef idx="0">
+            <a:schemeClr val="accent1"/>
+          </a:effectRef>
+          <a:fontRef idx="minor">
+            <a:schemeClr val="lt1"/>
+          </a:fontRef>
+        </p:style>
+        <p:txBody>
+          <a:bodyPr rtlCol="0" anchor="ctr"/>
+          <a:lstStyle/>
+          <a:p>
+            <a:pPr algn="ctr"/>
+            <a:endParaRPr lang="en-SG"/>
+          </a:p>
+        </p:txBody>
+      </p:sp>
+      <p:sp>
+        <p:nvSpPr>
+          <p:cNvPr id="8" name="TextBox 7">
+            <a:extLst>
+              <a:ext uri="{FF2B5EF4-FFF2-40B4-BE49-F238E27FC236}">
+                <a16:creationId xmlns:a16="http://schemas.microsoft.com/office/drawing/2014/main" id="{5EF314EF-0E88-4940-846E-EE9478B32DAD}"/>
+              </a:ext>
+            </a:extLst>
+          </p:cNvPr>
+          <p:cNvSpPr txBox="1"/>
+          <p:nvPr/>
+        </p:nvSpPr>
+        <p:spPr>
+          <a:xfrm>
+            <a:off x="3276395" y="3171434"/>
+            <a:ext cx="4436310" cy="923330"/>
+          </a:xfrm>
+          <a:prstGeom prst="rect">
+            <a:avLst/>
+          </a:prstGeom>
+          <a:solidFill>
+            <a:schemeClr val="bg1"/>
+          </a:solidFill>
+          <a:ln w="38100">
+            <a:solidFill>
+              <a:srgbClr val="C00000"/>
+            </a:solidFill>
+          </a:ln>
+          <a:effectLst>
+            <a:outerShdw blurRad="50800" dist="254000" dir="2700000" algn="t" rotWithShape="0">
+              <a:prstClr val="black">
+                <a:alpha val="40000"/>
+              </a:prstClr>
+            </a:outerShdw>
+          </a:effectLst>
+        </p:spPr>
+        <p:txBody>
+          <a:bodyPr wrap="square" rtlCol="0">
+            <a:spAutoFit/>
+          </a:bodyPr>
+          <a:lstStyle/>
+          <a:p>
+            <a:r>
+              <a:rPr lang="en-SG" dirty="0"/>
+              <a:t>Upload a .csv file containing one or more spectrum catalogs. See the examples for formatting. </a:t>
+            </a:r>
+          </a:p>
+        </p:txBody>
+      </p:sp>
+      <p:sp>
+        <p:nvSpPr>
+          <p:cNvPr id="9" name="Freeform: Shape 8">
+            <a:extLst>
+              <a:ext uri="{FF2B5EF4-FFF2-40B4-BE49-F238E27FC236}">
+                <a16:creationId xmlns:a16="http://schemas.microsoft.com/office/drawing/2014/main" id="{FBB370DB-B1CF-4746-ADE3-A38F3BEA2CC6}"/>
+              </a:ext>
+            </a:extLst>
+          </p:cNvPr>
+          <p:cNvSpPr/>
+          <p:nvPr/>
+        </p:nvSpPr>
+        <p:spPr>
+          <a:xfrm flipH="1">
+            <a:off x="2743437" y="2866356"/>
+            <a:ext cx="631231" cy="305078"/>
+          </a:xfrm>
+          <a:custGeom>
+            <a:avLst/>
+            <a:gdLst>
+              <a:gd name="connsiteX0" fmla="*/ 0 w 631231"/>
+              <a:gd name="connsiteY0" fmla="*/ 305078 h 305078"/>
+              <a:gd name="connsiteX1" fmla="*/ 330364 w 631231"/>
+              <a:gd name="connsiteY1" fmla="*/ 33708 h 305078"/>
+              <a:gd name="connsiteX2" fmla="*/ 631231 w 631231"/>
+              <a:gd name="connsiteY2" fmla="*/ 4211 h 305078"/>
+              <a:gd name="connsiteX3" fmla="*/ 631231 w 631231"/>
+              <a:gd name="connsiteY3" fmla="*/ 4211 h 305078"/>
+              <a:gd name="connsiteX4" fmla="*/ 631231 w 631231"/>
+              <a:gd name="connsiteY4" fmla="*/ 4211 h 305078"/>
+            </a:gdLst>
+            <a:ahLst/>
+            <a:cxnLst>
+              <a:cxn ang="0">
+                <a:pos x="connsiteX0" y="connsiteY0"/>
+              </a:cxn>
+              <a:cxn ang="0">
+                <a:pos x="connsiteX1" y="connsiteY1"/>
+              </a:cxn>
+              <a:cxn ang="0">
+                <a:pos x="connsiteX2" y="connsiteY2"/>
+              </a:cxn>
+              <a:cxn ang="0">
+                <a:pos x="connsiteX3" y="connsiteY3"/>
+              </a:cxn>
+              <a:cxn ang="0">
+                <a:pos x="connsiteX4" y="connsiteY4"/>
+              </a:cxn>
+            </a:cxnLst>
+            <a:rect l="l" t="t" r="r" b="b"/>
+            <a:pathLst>
+              <a:path w="631231" h="305078">
+                <a:moveTo>
+                  <a:pt x="0" y="305078"/>
+                </a:moveTo>
+                <a:cubicBezTo>
+                  <a:pt x="112579" y="194465"/>
+                  <a:pt x="225159" y="83852"/>
+                  <a:pt x="330364" y="33708"/>
+                </a:cubicBezTo>
+                <a:cubicBezTo>
+                  <a:pt x="435569" y="-16437"/>
+                  <a:pt x="631231" y="4211"/>
+                  <a:pt x="631231" y="4211"/>
+                </a:cubicBezTo>
+                <a:lnTo>
+                  <a:pt x="631231" y="4211"/>
+                </a:lnTo>
+                <a:lnTo>
+                  <a:pt x="631231" y="4211"/>
+                </a:lnTo>
+              </a:path>
+            </a:pathLst>
+          </a:custGeom>
+          <a:noFill/>
+          <a:ln w="38100">
+            <a:solidFill>
+              <a:srgbClr val="C00000"/>
+            </a:solidFill>
+            <a:headEnd type="none" w="med" len="med"/>
+            <a:tailEnd type="arrow" w="med" len="med"/>
+          </a:ln>
+        </p:spPr>
+        <p:style>
+          <a:lnRef idx="2">
+            <a:schemeClr val="accent1">
+              <a:shade val="50000"/>
+            </a:schemeClr>
+          </a:lnRef>
+          <a:fillRef idx="1">
+            <a:schemeClr val="accent1"/>
+          </a:fillRef>
+          <a:effectRef idx="0">
+            <a:schemeClr val="accent1"/>
+          </a:effectRef>
+          <a:fontRef idx="minor">
+            <a:schemeClr val="lt1"/>
+          </a:fontRef>
+        </p:style>
+        <p:txBody>
+          <a:bodyPr rtlCol="0" anchor="ctr"/>
+          <a:lstStyle/>
+          <a:p>
+            <a:pPr algn="ctr"/>
+            <a:endParaRPr lang="en-SG"/>
+          </a:p>
+        </p:txBody>
+      </p:sp>
+      <p:sp>
+        <p:nvSpPr>
+          <p:cNvPr id="10" name="Oval 9">
+            <a:extLst>
+              <a:ext uri="{FF2B5EF4-FFF2-40B4-BE49-F238E27FC236}">
+                <a16:creationId xmlns:a16="http://schemas.microsoft.com/office/drawing/2014/main" id="{9352C72F-C17F-4AC1-9F23-F8BA00559B54}"/>
+              </a:ext>
+            </a:extLst>
+          </p:cNvPr>
+          <p:cNvSpPr/>
+          <p:nvPr/>
+        </p:nvSpPr>
+        <p:spPr>
+          <a:xfrm>
+            <a:off x="5303507" y="2055793"/>
+            <a:ext cx="2063591" cy="644805"/>
+          </a:xfrm>
+          <a:prstGeom prst="ellipse">
+            <a:avLst/>
+          </a:prstGeom>
+          <a:noFill/>
+          <a:ln w="38100">
+            <a:solidFill>
+              <a:srgbClr val="C00000"/>
+            </a:solidFill>
+          </a:ln>
+        </p:spPr>
+        <p:style>
+          <a:lnRef idx="2">
+            <a:schemeClr val="accent1">
+              <a:shade val="50000"/>
+            </a:schemeClr>
+          </a:lnRef>
+          <a:fillRef idx="1">
+            <a:schemeClr val="accent1"/>
+          </a:fillRef>
+          <a:effectRef idx="0">
+            <a:schemeClr val="accent1"/>
+          </a:effectRef>
+          <a:fontRef idx="minor">
+            <a:schemeClr val="lt1"/>
+          </a:fontRef>
+        </p:style>
+        <p:txBody>
+          <a:bodyPr rtlCol="0" anchor="ctr"/>
+          <a:lstStyle/>
+          <a:p>
+            <a:pPr algn="ctr"/>
+            <a:endParaRPr lang="en-SG"/>
+          </a:p>
+        </p:txBody>
+      </p:sp>
+      <p:sp>
+        <p:nvSpPr>
+          <p:cNvPr id="11" name="Freeform: Shape 10">
+            <a:extLst>
+              <a:ext uri="{FF2B5EF4-FFF2-40B4-BE49-F238E27FC236}">
+                <a16:creationId xmlns:a16="http://schemas.microsoft.com/office/drawing/2014/main" id="{6FDDF385-D9FF-4694-A56A-7648AAF100D0}"/>
+              </a:ext>
+            </a:extLst>
+          </p:cNvPr>
+          <p:cNvSpPr/>
+          <p:nvPr/>
+        </p:nvSpPr>
+        <p:spPr>
+          <a:xfrm>
+            <a:off x="6386041" y="2697941"/>
+            <a:ext cx="444962" cy="853201"/>
+          </a:xfrm>
+          <a:custGeom>
+            <a:avLst/>
+            <a:gdLst>
+              <a:gd name="connsiteX0" fmla="*/ 37282 w 444962"/>
+              <a:gd name="connsiteY0" fmla="*/ 759417 h 759417"/>
+              <a:gd name="connsiteX1" fmla="*/ 37282 w 444962"/>
+              <a:gd name="connsiteY1" fmla="*/ 340963 h 759417"/>
+              <a:gd name="connsiteX2" fmla="*/ 424740 w 444962"/>
+              <a:gd name="connsiteY2" fmla="*/ 278970 h 759417"/>
+              <a:gd name="connsiteX3" fmla="*/ 393743 w 444962"/>
+              <a:gd name="connsiteY3" fmla="*/ 0 h 759417"/>
+              <a:gd name="connsiteX4" fmla="*/ 393743 w 444962"/>
+              <a:gd name="connsiteY4" fmla="*/ 0 h 759417"/>
+              <a:gd name="connsiteX5" fmla="*/ 393743 w 444962"/>
+              <a:gd name="connsiteY5" fmla="*/ 0 h 759417"/>
+            </a:gdLst>
+            <a:ahLst/>
+            <a:cxnLst>
+              <a:cxn ang="0">
+                <a:pos x="connsiteX0" y="connsiteY0"/>
+              </a:cxn>
+              <a:cxn ang="0">
+                <a:pos x="connsiteX1" y="connsiteY1"/>
+              </a:cxn>
+              <a:cxn ang="0">
+                <a:pos x="connsiteX2" y="connsiteY2"/>
+              </a:cxn>
+              <a:cxn ang="0">
+                <a:pos x="connsiteX3" y="connsiteY3"/>
+              </a:cxn>
+              <a:cxn ang="0">
+                <a:pos x="connsiteX4" y="connsiteY4"/>
+              </a:cxn>
+              <a:cxn ang="0">
+                <a:pos x="connsiteX5" y="connsiteY5"/>
+              </a:cxn>
+            </a:cxnLst>
+            <a:rect l="l" t="t" r="r" b="b"/>
+            <a:pathLst>
+              <a:path w="444962" h="759417">
+                <a:moveTo>
+                  <a:pt x="37282" y="759417"/>
+                </a:moveTo>
+                <a:cubicBezTo>
+                  <a:pt x="4994" y="590227"/>
+                  <a:pt x="-27294" y="421037"/>
+                  <a:pt x="37282" y="340963"/>
+                </a:cubicBezTo>
+                <a:cubicBezTo>
+                  <a:pt x="101858" y="260888"/>
+                  <a:pt x="365330" y="335797"/>
+                  <a:pt x="424740" y="278970"/>
+                </a:cubicBezTo>
+                <a:cubicBezTo>
+                  <a:pt x="484150" y="222143"/>
+                  <a:pt x="393743" y="0"/>
+                  <a:pt x="393743" y="0"/>
+                </a:cubicBezTo>
+                <a:lnTo>
+                  <a:pt x="393743" y="0"/>
+                </a:lnTo>
+                <a:lnTo>
+                  <a:pt x="393743" y="0"/>
+                </a:lnTo>
+              </a:path>
+            </a:pathLst>
+          </a:custGeom>
+          <a:noFill/>
+          <a:ln w="38100">
+            <a:solidFill>
+              <a:srgbClr val="C00000"/>
+            </a:solidFill>
+            <a:headEnd type="none" w="med" len="med"/>
+            <a:tailEnd type="arrow" w="med" len="med"/>
+          </a:ln>
+        </p:spPr>
+        <p:style>
+          <a:lnRef idx="2">
+            <a:schemeClr val="accent1">
+              <a:shade val="50000"/>
+            </a:schemeClr>
+          </a:lnRef>
+          <a:fillRef idx="1">
+            <a:schemeClr val="accent1"/>
+          </a:fillRef>
+          <a:effectRef idx="0">
+            <a:schemeClr val="accent1"/>
+          </a:effectRef>
+          <a:fontRef idx="minor">
+            <a:schemeClr val="lt1"/>
+          </a:fontRef>
+        </p:style>
+        <p:txBody>
+          <a:bodyPr rtlCol="0" anchor="ctr"/>
+          <a:lstStyle/>
+          <a:p>
+            <a:pPr algn="ctr"/>
+            <a:endParaRPr lang="en-US"/>
+          </a:p>
+        </p:txBody>
+      </p:sp>
+    </p:spTree>
+    <p:extLst>
+      <p:ext uri="{BB962C8B-B14F-4D97-AF65-F5344CB8AC3E}">
+        <p14:creationId xmlns:p14="http://schemas.microsoft.com/office/powerpoint/2010/main" val="1472800735"/>
+      </p:ext>
+    </p:extLst>
+  </p:cSld>
+  <p:clrMapOvr>
+    <a:masterClrMapping/>
+  </p:clrMapOvr>
+</p:sld>
+</file>
+
+<file path=ppt/slides/slide6.xml><?xml version="1.0" encoding="utf-8"?>
+<p:sld xmlns:a="http://schemas.openxmlformats.org/drawingml/2006/main" xmlns:r="http://schemas.openxmlformats.org/officeDocument/2006/relationships" xmlns:p="http://schemas.openxmlformats.org/presentationml/2006/main">
+  <p:cSld>
+    <p:spTree>
+      <p:nvGrpSpPr>
+        <p:cNvPr id="1" name=""/>
+        <p:cNvGrpSpPr/>
+        <p:nvPr/>
+      </p:nvGrpSpPr>
+      <p:grpSpPr>
+        <a:xfrm>
+          <a:off x="0" y="0"/>
+          <a:ext cx="0" cy="0"/>
+          <a:chOff x="0" y="0"/>
+          <a:chExt cx="0" cy="0"/>
+        </a:xfrm>
+      </p:grpSpPr>
+      <p:pic>
+        <p:nvPicPr>
+          <p:cNvPr id="2" name="Picture 1">
+            <a:extLst>
+              <a:ext uri="{FF2B5EF4-FFF2-40B4-BE49-F238E27FC236}">
+                <a16:creationId xmlns:a16="http://schemas.microsoft.com/office/drawing/2014/main" id="{D8B625EC-2DA5-4117-A037-B375C8D0AE8D}"/>
+              </a:ext>
+            </a:extLst>
+          </p:cNvPr>
+          <p:cNvPicPr>
+            <a:picLocks noChangeAspect="1"/>
+          </p:cNvPicPr>
+          <p:nvPr/>
+        </p:nvPicPr>
+        <p:blipFill rotWithShape="1">
+          <a:blip r:embed="rId2"/>
+          <a:srcRect l="1610" t="13080" r="29830" b="43554"/>
+          <a:stretch/>
+        </p:blipFill>
+        <p:spPr>
+          <a:xfrm>
+            <a:off x="705962" y="590965"/>
+            <a:ext cx="7399652" cy="3045841"/>
+          </a:xfrm>
+          <a:prstGeom prst="rect">
+            <a:avLst/>
+          </a:prstGeom>
+        </p:spPr>
+      </p:pic>
+      <p:sp>
+        <p:nvSpPr>
+          <p:cNvPr id="3" name="Oval 2">
+            <a:extLst>
+              <a:ext uri="{FF2B5EF4-FFF2-40B4-BE49-F238E27FC236}">
+                <a16:creationId xmlns:a16="http://schemas.microsoft.com/office/drawing/2014/main" id="{5AF9AE4A-BC5C-4EE2-89C5-116D4A3E9EAE}"/>
+              </a:ext>
+            </a:extLst>
+          </p:cNvPr>
+          <p:cNvSpPr/>
+          <p:nvPr/>
+        </p:nvSpPr>
+        <p:spPr>
+          <a:xfrm>
+            <a:off x="2601399" y="2506055"/>
+            <a:ext cx="2063591" cy="996561"/>
+          </a:xfrm>
+          <a:prstGeom prst="ellipse">
+            <a:avLst/>
+          </a:prstGeom>
+          <a:noFill/>
+          <a:ln w="38100">
+            <a:solidFill>
+              <a:srgbClr val="C00000"/>
+            </a:solidFill>
+          </a:ln>
+        </p:spPr>
+        <p:style>
+          <a:lnRef idx="2">
+            <a:schemeClr val="accent1">
+              <a:shade val="50000"/>
+            </a:schemeClr>
+          </a:lnRef>
+          <a:fillRef idx="1">
+            <a:schemeClr val="accent1"/>
+          </a:fillRef>
+          <a:effectRef idx="0">
+            <a:schemeClr val="accent1"/>
+          </a:effectRef>
+          <a:fontRef idx="minor">
+            <a:schemeClr val="lt1"/>
+          </a:fontRef>
+        </p:style>
+        <p:txBody>
+          <a:bodyPr rtlCol="0" anchor="ctr"/>
+          <a:lstStyle/>
+          <a:p>
+            <a:pPr algn="ctr"/>
+            <a:endParaRPr lang="en-SG"/>
+          </a:p>
+        </p:txBody>
+      </p:sp>
+      <p:sp>
+        <p:nvSpPr>
+          <p:cNvPr id="4" name="TextBox 3">
+            <a:extLst>
+              <a:ext uri="{FF2B5EF4-FFF2-40B4-BE49-F238E27FC236}">
+                <a16:creationId xmlns:a16="http://schemas.microsoft.com/office/drawing/2014/main" id="{31CD91B2-5385-46E8-B200-33C6CCF3ED3F}"/>
+              </a:ext>
+            </a:extLst>
+          </p:cNvPr>
+          <p:cNvSpPr txBox="1"/>
+          <p:nvPr/>
+        </p:nvSpPr>
+        <p:spPr>
+          <a:xfrm>
+            <a:off x="3260897" y="3620879"/>
+            <a:ext cx="4436310" cy="1200329"/>
+          </a:xfrm>
+          <a:prstGeom prst="rect">
+            <a:avLst/>
+          </a:prstGeom>
+          <a:solidFill>
+            <a:schemeClr val="bg1"/>
+          </a:solidFill>
+          <a:ln w="38100">
+            <a:solidFill>
+              <a:srgbClr val="C00000"/>
+            </a:solidFill>
+          </a:ln>
+          <a:effectLst>
+            <a:outerShdw blurRad="50800" dist="254000" dir="2700000" algn="t" rotWithShape="0">
+              <a:prstClr val="black">
+                <a:alpha val="40000"/>
+              </a:prstClr>
+            </a:outerShdw>
+          </a:effectLst>
+        </p:spPr>
+        <p:txBody>
+          <a:bodyPr wrap="square" rtlCol="0">
+            <a:spAutoFit/>
+          </a:bodyPr>
+          <a:lstStyle/>
+          <a:p>
+            <a:r>
+              <a:rPr lang="en-SG" dirty="0"/>
+              <a:t>“Show spectra” lets you view spectra before running attribution analysis; “Signature attribution” lets you select on of the spectra and analyses the signature attributions</a:t>
+            </a:r>
+          </a:p>
+        </p:txBody>
+      </p:sp>
+      <p:sp>
+        <p:nvSpPr>
+          <p:cNvPr id="5" name="Freeform: Shape 4">
+            <a:extLst>
+              <a:ext uri="{FF2B5EF4-FFF2-40B4-BE49-F238E27FC236}">
+                <a16:creationId xmlns:a16="http://schemas.microsoft.com/office/drawing/2014/main" id="{F480B6C3-6A7B-4FF2-BCDD-43DCF0F47F39}"/>
+              </a:ext>
+            </a:extLst>
+          </p:cNvPr>
+          <p:cNvSpPr/>
+          <p:nvPr/>
+        </p:nvSpPr>
+        <p:spPr>
+          <a:xfrm flipH="1">
+            <a:off x="4703971" y="3029916"/>
+            <a:ext cx="631231" cy="590963"/>
+          </a:xfrm>
+          <a:custGeom>
+            <a:avLst/>
+            <a:gdLst>
+              <a:gd name="connsiteX0" fmla="*/ 0 w 631231"/>
+              <a:gd name="connsiteY0" fmla="*/ 305078 h 305078"/>
+              <a:gd name="connsiteX1" fmla="*/ 330364 w 631231"/>
+              <a:gd name="connsiteY1" fmla="*/ 33708 h 305078"/>
+              <a:gd name="connsiteX2" fmla="*/ 631231 w 631231"/>
+              <a:gd name="connsiteY2" fmla="*/ 4211 h 305078"/>
+              <a:gd name="connsiteX3" fmla="*/ 631231 w 631231"/>
+              <a:gd name="connsiteY3" fmla="*/ 4211 h 305078"/>
+              <a:gd name="connsiteX4" fmla="*/ 631231 w 631231"/>
+              <a:gd name="connsiteY4" fmla="*/ 4211 h 305078"/>
+            </a:gdLst>
+            <a:ahLst/>
+            <a:cxnLst>
+              <a:cxn ang="0">
+                <a:pos x="connsiteX0" y="connsiteY0"/>
+              </a:cxn>
+              <a:cxn ang="0">
+                <a:pos x="connsiteX1" y="connsiteY1"/>
+              </a:cxn>
+              <a:cxn ang="0">
+                <a:pos x="connsiteX2" y="connsiteY2"/>
+              </a:cxn>
+              <a:cxn ang="0">
+                <a:pos x="connsiteX3" y="connsiteY3"/>
+              </a:cxn>
+              <a:cxn ang="0">
+                <a:pos x="connsiteX4" y="connsiteY4"/>
+              </a:cxn>
+            </a:cxnLst>
+            <a:rect l="l" t="t" r="r" b="b"/>
+            <a:pathLst>
+              <a:path w="631231" h="305078">
+                <a:moveTo>
+                  <a:pt x="0" y="305078"/>
+                </a:moveTo>
+                <a:cubicBezTo>
+                  <a:pt x="112579" y="194465"/>
+                  <a:pt x="225159" y="83852"/>
+                  <a:pt x="330364" y="33708"/>
+                </a:cubicBezTo>
+                <a:cubicBezTo>
+                  <a:pt x="435569" y="-16437"/>
+                  <a:pt x="631231" y="4211"/>
+                  <a:pt x="631231" y="4211"/>
+                </a:cubicBezTo>
+                <a:lnTo>
+                  <a:pt x="631231" y="4211"/>
+                </a:lnTo>
+                <a:lnTo>
+                  <a:pt x="631231" y="4211"/>
+                </a:lnTo>
+              </a:path>
+            </a:pathLst>
+          </a:custGeom>
+          <a:noFill/>
+          <a:ln w="38100">
+            <a:solidFill>
+              <a:srgbClr val="C00000"/>
+            </a:solidFill>
+            <a:headEnd type="none" w="med" len="med"/>
+            <a:tailEnd type="arrow" w="med" len="med"/>
+          </a:ln>
+        </p:spPr>
+        <p:style>
+          <a:lnRef idx="2">
+            <a:schemeClr val="accent1">
+              <a:shade val="50000"/>
+            </a:schemeClr>
+          </a:lnRef>
+          <a:fillRef idx="1">
+            <a:schemeClr val="accent1"/>
+          </a:fillRef>
+          <a:effectRef idx="0">
+            <a:schemeClr val="accent1"/>
+          </a:effectRef>
+          <a:fontRef idx="minor">
+            <a:schemeClr val="lt1"/>
+          </a:fontRef>
+        </p:style>
+        <p:txBody>
+          <a:bodyPr rtlCol="0" anchor="ctr"/>
+          <a:lstStyle/>
+          <a:p>
+            <a:pPr algn="ctr"/>
+            <a:endParaRPr lang="en-SG"/>
+          </a:p>
+        </p:txBody>
+      </p:sp>
+    </p:spTree>
+    <p:extLst>
+      <p:ext uri="{BB962C8B-B14F-4D97-AF65-F5344CB8AC3E}">
+        <p14:creationId xmlns:p14="http://schemas.microsoft.com/office/powerpoint/2010/main" val="3429832671"/>
+      </p:ext>
+    </p:extLst>
+  </p:cSld>
+  <p:clrMapOvr>
+    <a:masterClrMapping/>
+  </p:clrMapOvr>
+</p:sld>
+</file>
+
+<file path=ppt/slides/slide7.xml><?xml version="1.0" encoding="utf-8"?>
+<p:sld xmlns:a="http://schemas.openxmlformats.org/drawingml/2006/main" xmlns:r="http://schemas.openxmlformats.org/officeDocument/2006/relationships" xmlns:p="http://schemas.openxmlformats.org/presentationml/2006/main">
+  <p:cSld>
+    <p:spTree>
+      <p:nvGrpSpPr>
+        <p:cNvPr id="1" name=""/>
+        <p:cNvGrpSpPr/>
+        <p:nvPr/>
+      </p:nvGrpSpPr>
+      <p:grpSpPr>
+        <a:xfrm>
+          <a:off x="0" y="0"/>
+          <a:ext cx="0" cy="0"/>
+          <a:chOff x="0" y="0"/>
+          <a:chExt cx="0" cy="0"/>
+        </a:xfrm>
+      </p:grpSpPr>
+      <p:pic>
+        <p:nvPicPr>
+          <p:cNvPr id="3" name="Picture 2">
+            <a:extLst>
+              <a:ext uri="{FF2B5EF4-FFF2-40B4-BE49-F238E27FC236}">
+                <a16:creationId xmlns:a16="http://schemas.microsoft.com/office/drawing/2014/main" id="{110E49E3-6193-4089-BD2C-1411304F1257}"/>
+              </a:ext>
+            </a:extLst>
+          </p:cNvPr>
+          <p:cNvPicPr>
+            <a:picLocks noChangeAspect="1"/>
+          </p:cNvPicPr>
+          <p:nvPr/>
+        </p:nvPicPr>
+        <p:blipFill rotWithShape="1">
+          <a:blip r:embed="rId2"/>
+          <a:srcRect l="1272" t="12690" r="2541" b="7480"/>
+          <a:stretch/>
+        </p:blipFill>
+        <p:spPr>
+          <a:xfrm>
+            <a:off x="116237" y="1208868"/>
+            <a:ext cx="8795288" cy="4750230"/>
           </a:xfrm>
           <a:prstGeom prst="rect">
             <a:avLst/>
@@ -2998,7 +5177,126 @@
     </p:spTree>
     <p:extLst>
       <p:ext uri="{BB962C8B-B14F-4D97-AF65-F5344CB8AC3E}">
-        <p14:creationId xmlns:p14="http://schemas.microsoft.com/office/powerpoint/2010/main" val="520664685"/>
+        <p14:creationId xmlns:p14="http://schemas.microsoft.com/office/powerpoint/2010/main" val="217748407"/>
+      </p:ext>
+    </p:extLst>
+  </p:cSld>
+  <p:clrMapOvr>
+    <a:masterClrMapping/>
+  </p:clrMapOvr>
+</p:sld>
+</file>
+
+<file path=ppt/slides/slide8.xml><?xml version="1.0" encoding="utf-8"?>
+<p:sld xmlns:a="http://schemas.openxmlformats.org/drawingml/2006/main" xmlns:r="http://schemas.openxmlformats.org/officeDocument/2006/relationships" xmlns:p="http://schemas.openxmlformats.org/presentationml/2006/main">
+  <p:cSld>
+    <p:spTree>
+      <p:nvGrpSpPr>
+        <p:cNvPr id="1" name=""/>
+        <p:cNvGrpSpPr/>
+        <p:nvPr/>
+      </p:nvGrpSpPr>
+      <p:grpSpPr>
+        <a:xfrm>
+          <a:off x="0" y="0"/>
+          <a:ext cx="0" cy="0"/>
+          <a:chOff x="0" y="0"/>
+          <a:chExt cx="0" cy="0"/>
+        </a:xfrm>
+      </p:grpSpPr>
+      <p:pic>
+        <p:nvPicPr>
+          <p:cNvPr id="3" name="Picture 2">
+            <a:extLst>
+              <a:ext uri="{FF2B5EF4-FFF2-40B4-BE49-F238E27FC236}">
+                <a16:creationId xmlns:a16="http://schemas.microsoft.com/office/drawing/2014/main" id="{9B9F0A0E-E4E6-4F1E-ACA9-75B09B85AA63}"/>
+              </a:ext>
+            </a:extLst>
+          </p:cNvPr>
+          <p:cNvPicPr>
+            <a:picLocks noChangeAspect="1"/>
+          </p:cNvPicPr>
+          <p:nvPr/>
+        </p:nvPicPr>
+        <p:blipFill>
+          <a:blip r:embed="rId2"/>
+          <a:stretch>
+            <a:fillRect/>
+          </a:stretch>
+        </p:blipFill>
+        <p:spPr>
+          <a:xfrm>
+            <a:off x="0" y="453788"/>
+            <a:ext cx="9144000" cy="5950424"/>
+          </a:xfrm>
+          <a:prstGeom prst="rect">
+            <a:avLst/>
+          </a:prstGeom>
+        </p:spPr>
+      </p:pic>
+    </p:spTree>
+    <p:extLst>
+      <p:ext uri="{BB962C8B-B14F-4D97-AF65-F5344CB8AC3E}">
+        <p14:creationId xmlns:p14="http://schemas.microsoft.com/office/powerpoint/2010/main" val="2609636521"/>
+      </p:ext>
+    </p:extLst>
+  </p:cSld>
+  <p:clrMapOvr>
+    <a:masterClrMapping/>
+  </p:clrMapOvr>
+</p:sld>
+</file>
+
+<file path=ppt/slides/slide9.xml><?xml version="1.0" encoding="utf-8"?>
+<p:sld xmlns:a="http://schemas.openxmlformats.org/drawingml/2006/main" xmlns:r="http://schemas.openxmlformats.org/officeDocument/2006/relationships" xmlns:p="http://schemas.openxmlformats.org/presentationml/2006/main">
+  <p:cSld>
+    <p:spTree>
+      <p:nvGrpSpPr>
+        <p:cNvPr id="1" name=""/>
+        <p:cNvGrpSpPr/>
+        <p:nvPr/>
+      </p:nvGrpSpPr>
+      <p:grpSpPr>
+        <a:xfrm>
+          <a:off x="0" y="0"/>
+          <a:ext cx="0" cy="0"/>
+          <a:chOff x="0" y="0"/>
+          <a:chExt cx="0" cy="0"/>
+        </a:xfrm>
+      </p:grpSpPr>
+      <p:pic>
+        <p:nvPicPr>
+          <p:cNvPr id="3" name="Picture 2">
+            <a:extLst>
+              <a:ext uri="{FF2B5EF4-FFF2-40B4-BE49-F238E27FC236}">
+                <a16:creationId xmlns:a16="http://schemas.microsoft.com/office/drawing/2014/main" id="{6225C0D6-85E4-4A7A-BB89-53978B90247C}"/>
+              </a:ext>
+            </a:extLst>
+          </p:cNvPr>
+          <p:cNvPicPr>
+            <a:picLocks noChangeAspect="1"/>
+          </p:cNvPicPr>
+          <p:nvPr/>
+        </p:nvPicPr>
+        <p:blipFill rotWithShape="1">
+          <a:blip r:embed="rId2"/>
+          <a:srcRect l="1101" t="12818" r="2797" b="7351"/>
+          <a:stretch/>
+        </p:blipFill>
+        <p:spPr>
+          <a:xfrm>
+            <a:off x="100739" y="1216616"/>
+            <a:ext cx="8787540" cy="4750231"/>
+          </a:xfrm>
+          <a:prstGeom prst="rect">
+            <a:avLst/>
+          </a:prstGeom>
+        </p:spPr>
+      </p:pic>
+    </p:spTree>
+    <p:extLst>
+      <p:ext uri="{BB962C8B-B14F-4D97-AF65-F5344CB8AC3E}">
+        <p14:creationId xmlns:p14="http://schemas.microsoft.com/office/powerpoint/2010/main" val="2586847766"/>
       </p:ext>
     </p:extLst>
   </p:cSld>

--- a/data-raw/attribution-guide.pptx
+++ b/data-raw/attribution-guide.pptx
@@ -11,15 +11,20 @@
     <p:sldId id="261" r:id="rId5"/>
     <p:sldId id="260" r:id="rId6"/>
     <p:sldId id="280" r:id="rId7"/>
-    <p:sldId id="271" r:id="rId8"/>
-    <p:sldId id="275" r:id="rId9"/>
-    <p:sldId id="276" r:id="rId10"/>
-    <p:sldId id="274" r:id="rId11"/>
-    <p:sldId id="277" r:id="rId12"/>
-    <p:sldId id="279" r:id="rId13"/>
-    <p:sldId id="272" r:id="rId14"/>
-    <p:sldId id="273" r:id="rId15"/>
-    <p:sldId id="278" r:id="rId16"/>
+    <p:sldId id="275" r:id="rId8"/>
+    <p:sldId id="276" r:id="rId9"/>
+    <p:sldId id="284" r:id="rId10"/>
+    <p:sldId id="277" r:id="rId11"/>
+    <p:sldId id="278" r:id="rId12"/>
+    <p:sldId id="285" r:id="rId13"/>
+    <p:sldId id="281" r:id="rId14"/>
+    <p:sldId id="282" r:id="rId15"/>
+    <p:sldId id="271" r:id="rId16"/>
+    <p:sldId id="279" r:id="rId17"/>
+    <p:sldId id="274" r:id="rId18"/>
+    <p:sldId id="283" r:id="rId19"/>
+    <p:sldId id="272" r:id="rId20"/>
+    <p:sldId id="273" r:id="rId21"/>
   </p:sldIdLst>
   <p:sldSz cx="9144000" cy="6858000" type="letter"/>
   <p:notesSz cx="6858000" cy="9144000"/>
@@ -257,7 +262,7 @@
           <a:p>
             <a:fld id="{F6504637-780E-47D0-BDEB-0DA2F62A3ADA}" type="datetimeFigureOut">
               <a:rPr lang="en-SG" smtClean="0"/>
-              <a:t>21/12/2020</a:t>
+              <a:t>22/12/2020</a:t>
             </a:fld>
             <a:endParaRPr lang="en-SG"/>
           </a:p>
@@ -427,7 +432,7 @@
           <a:p>
             <a:fld id="{F6504637-780E-47D0-BDEB-0DA2F62A3ADA}" type="datetimeFigureOut">
               <a:rPr lang="en-SG" smtClean="0"/>
-              <a:t>21/12/2020</a:t>
+              <a:t>22/12/2020</a:t>
             </a:fld>
             <a:endParaRPr lang="en-SG"/>
           </a:p>
@@ -607,7 +612,7 @@
           <a:p>
             <a:fld id="{F6504637-780E-47D0-BDEB-0DA2F62A3ADA}" type="datetimeFigureOut">
               <a:rPr lang="en-SG" smtClean="0"/>
-              <a:t>21/12/2020</a:t>
+              <a:t>22/12/2020</a:t>
             </a:fld>
             <a:endParaRPr lang="en-SG"/>
           </a:p>
@@ -777,7 +782,7 @@
           <a:p>
             <a:fld id="{F6504637-780E-47D0-BDEB-0DA2F62A3ADA}" type="datetimeFigureOut">
               <a:rPr lang="en-SG" smtClean="0"/>
-              <a:t>21/12/2020</a:t>
+              <a:t>22/12/2020</a:t>
             </a:fld>
             <a:endParaRPr lang="en-SG"/>
           </a:p>
@@ -1021,7 +1026,7 @@
           <a:p>
             <a:fld id="{F6504637-780E-47D0-BDEB-0DA2F62A3ADA}" type="datetimeFigureOut">
               <a:rPr lang="en-SG" smtClean="0"/>
-              <a:t>21/12/2020</a:t>
+              <a:t>22/12/2020</a:t>
             </a:fld>
             <a:endParaRPr lang="en-SG"/>
           </a:p>
@@ -1253,7 +1258,7 @@
           <a:p>
             <a:fld id="{F6504637-780E-47D0-BDEB-0DA2F62A3ADA}" type="datetimeFigureOut">
               <a:rPr lang="en-SG" smtClean="0"/>
-              <a:t>21/12/2020</a:t>
+              <a:t>22/12/2020</a:t>
             </a:fld>
             <a:endParaRPr lang="en-SG"/>
           </a:p>
@@ -1620,7 +1625,7 @@
           <a:p>
             <a:fld id="{F6504637-780E-47D0-BDEB-0DA2F62A3ADA}" type="datetimeFigureOut">
               <a:rPr lang="en-SG" smtClean="0"/>
-              <a:t>21/12/2020</a:t>
+              <a:t>22/12/2020</a:t>
             </a:fld>
             <a:endParaRPr lang="en-SG"/>
           </a:p>
@@ -1738,7 +1743,7 @@
           <a:p>
             <a:fld id="{F6504637-780E-47D0-BDEB-0DA2F62A3ADA}" type="datetimeFigureOut">
               <a:rPr lang="en-SG" smtClean="0"/>
-              <a:t>21/12/2020</a:t>
+              <a:t>22/12/2020</a:t>
             </a:fld>
             <a:endParaRPr lang="en-SG"/>
           </a:p>
@@ -1833,7 +1838,7 @@
           <a:p>
             <a:fld id="{F6504637-780E-47D0-BDEB-0DA2F62A3ADA}" type="datetimeFigureOut">
               <a:rPr lang="en-SG" smtClean="0"/>
-              <a:t>21/12/2020</a:t>
+              <a:t>22/12/2020</a:t>
             </a:fld>
             <a:endParaRPr lang="en-SG"/>
           </a:p>
@@ -2110,7 +2115,7 @@
           <a:p>
             <a:fld id="{F6504637-780E-47D0-BDEB-0DA2F62A3ADA}" type="datetimeFigureOut">
               <a:rPr lang="en-SG" smtClean="0"/>
-              <a:t>21/12/2020</a:t>
+              <a:t>22/12/2020</a:t>
             </a:fld>
             <a:endParaRPr lang="en-SG"/>
           </a:p>
@@ -2367,7 +2372,7 @@
           <a:p>
             <a:fld id="{F6504637-780E-47D0-BDEB-0DA2F62A3ADA}" type="datetimeFigureOut">
               <a:rPr lang="en-SG" smtClean="0"/>
-              <a:t>21/12/2020</a:t>
+              <a:t>22/12/2020</a:t>
             </a:fld>
             <a:endParaRPr lang="en-SG"/>
           </a:p>
@@ -2580,7 +2585,7 @@
           <a:p>
             <a:fld id="{F6504637-780E-47D0-BDEB-0DA2F62A3ADA}" type="datetimeFigureOut">
               <a:rPr lang="en-SG" smtClean="0"/>
-              <a:t>21/12/2020</a:t>
+              <a:t>22/12/2020</a:t>
             </a:fld>
             <a:endParaRPr lang="en-SG"/>
           </a:p>
@@ -3049,314 +3054,7 @@
           <p:cNvPr id="3" name="Picture 2">
             <a:extLst>
               <a:ext uri="{FF2B5EF4-FFF2-40B4-BE49-F238E27FC236}">
-                <a16:creationId xmlns:a16="http://schemas.microsoft.com/office/drawing/2014/main" id="{6FEE5BCE-4673-458A-8787-C7CC40C89ACF}"/>
-              </a:ext>
-            </a:extLst>
-          </p:cNvPr>
-          <p:cNvPicPr>
-            <a:picLocks noChangeAspect="1"/>
-          </p:cNvPicPr>
-          <p:nvPr/>
-        </p:nvPicPr>
-        <p:blipFill>
-          <a:blip r:embed="rId2"/>
-          <a:stretch>
-            <a:fillRect/>
-          </a:stretch>
-        </p:blipFill>
-        <p:spPr>
-          <a:xfrm>
-            <a:off x="0" y="395207"/>
-            <a:ext cx="9144000" cy="5950424"/>
-          </a:xfrm>
-          <a:prstGeom prst="rect">
-            <a:avLst/>
-          </a:prstGeom>
-        </p:spPr>
-      </p:pic>
-    </p:spTree>
-    <p:extLst>
-      <p:ext uri="{BB962C8B-B14F-4D97-AF65-F5344CB8AC3E}">
-        <p14:creationId xmlns:p14="http://schemas.microsoft.com/office/powerpoint/2010/main" val="1436860108"/>
-      </p:ext>
-    </p:extLst>
-  </p:cSld>
-  <p:clrMapOvr>
-    <a:masterClrMapping/>
-  </p:clrMapOvr>
-</p:sld>
-</file>
-
-<file path=ppt/slides/slide11.xml><?xml version="1.0" encoding="utf-8"?>
-<p:sld xmlns:a="http://schemas.openxmlformats.org/drawingml/2006/main" xmlns:r="http://schemas.openxmlformats.org/officeDocument/2006/relationships" xmlns:p="http://schemas.openxmlformats.org/presentationml/2006/main">
-  <p:cSld>
-    <p:spTree>
-      <p:nvGrpSpPr>
-        <p:cNvPr id="1" name=""/>
-        <p:cNvGrpSpPr/>
-        <p:nvPr/>
-      </p:nvGrpSpPr>
-      <p:grpSpPr>
-        <a:xfrm>
-          <a:off x="0" y="0"/>
-          <a:ext cx="0" cy="0"/>
-          <a:chOff x="0" y="0"/>
-          <a:chExt cx="0" cy="0"/>
-        </a:xfrm>
-      </p:grpSpPr>
-      <p:pic>
-        <p:nvPicPr>
-          <p:cNvPr id="3" name="Picture 2">
-            <a:extLst>
-              <a:ext uri="{FF2B5EF4-FFF2-40B4-BE49-F238E27FC236}">
                 <a16:creationId xmlns:a16="http://schemas.microsoft.com/office/drawing/2014/main" id="{4AA215B3-2228-4CA5-B72B-A27B03207BC2}"/>
-              </a:ext>
-            </a:extLst>
-          </p:cNvPr>
-          <p:cNvPicPr>
-            <a:picLocks noChangeAspect="1"/>
-          </p:cNvPicPr>
-          <p:nvPr/>
-        </p:nvPicPr>
-        <p:blipFill>
-          <a:blip r:embed="rId2"/>
-          <a:stretch>
-            <a:fillRect/>
-          </a:stretch>
-        </p:blipFill>
-        <p:spPr>
-          <a:xfrm>
-            <a:off x="0" y="453788"/>
-            <a:ext cx="9144000" cy="5950424"/>
-          </a:xfrm>
-          <a:prstGeom prst="rect">
-            <a:avLst/>
-          </a:prstGeom>
-        </p:spPr>
-      </p:pic>
-    </p:spTree>
-    <p:extLst>
-      <p:ext uri="{BB962C8B-B14F-4D97-AF65-F5344CB8AC3E}">
-        <p14:creationId xmlns:p14="http://schemas.microsoft.com/office/powerpoint/2010/main" val="429612943"/>
-      </p:ext>
-    </p:extLst>
-  </p:cSld>
-  <p:clrMapOvr>
-    <a:masterClrMapping/>
-  </p:clrMapOvr>
-</p:sld>
-</file>
-
-<file path=ppt/slides/slide12.xml><?xml version="1.0" encoding="utf-8"?>
-<p:sld xmlns:a="http://schemas.openxmlformats.org/drawingml/2006/main" xmlns:r="http://schemas.openxmlformats.org/officeDocument/2006/relationships" xmlns:p="http://schemas.openxmlformats.org/presentationml/2006/main">
-  <p:cSld>
-    <p:spTree>
-      <p:nvGrpSpPr>
-        <p:cNvPr id="1" name=""/>
-        <p:cNvGrpSpPr/>
-        <p:nvPr/>
-      </p:nvGrpSpPr>
-      <p:grpSpPr>
-        <a:xfrm>
-          <a:off x="0" y="0"/>
-          <a:ext cx="0" cy="0"/>
-          <a:chOff x="0" y="0"/>
-          <a:chExt cx="0" cy="0"/>
-        </a:xfrm>
-      </p:grpSpPr>
-      <p:sp>
-        <p:nvSpPr>
-          <p:cNvPr id="2" name="Title 1">
-            <a:extLst>
-              <a:ext uri="{FF2B5EF4-FFF2-40B4-BE49-F238E27FC236}">
-                <a16:creationId xmlns:a16="http://schemas.microsoft.com/office/drawing/2014/main" id="{C3D72E75-95B6-4537-995E-3B72F1F3230A}"/>
-              </a:ext>
-            </a:extLst>
-          </p:cNvPr>
-          <p:cNvSpPr>
-            <a:spLocks noGrp="1"/>
-          </p:cNvSpPr>
-          <p:nvPr>
-            <p:ph type="title"/>
-          </p:nvPr>
-        </p:nvSpPr>
-        <p:spPr/>
-        <p:txBody>
-          <a:bodyPr/>
-          <a:lstStyle/>
-          <a:p>
-            <a:r>
-              <a:rPr lang="en-SG" dirty="0"/>
-              <a:t>Next are analysis possibilities if you got here from </a:t>
-            </a:r>
-            <a:r>
-              <a:rPr lang="en-SG" dirty="0" err="1"/>
-              <a:t>analyzing</a:t>
-            </a:r>
-            <a:r>
-              <a:rPr lang="en-SG" dirty="0"/>
-              <a:t> a VCF</a:t>
-            </a:r>
-            <a:endParaRPr lang="en-US" dirty="0"/>
-          </a:p>
-        </p:txBody>
-      </p:sp>
-    </p:spTree>
-    <p:extLst>
-      <p:ext uri="{BB962C8B-B14F-4D97-AF65-F5344CB8AC3E}">
-        <p14:creationId xmlns:p14="http://schemas.microsoft.com/office/powerpoint/2010/main" val="2056887985"/>
-      </p:ext>
-    </p:extLst>
-  </p:cSld>
-  <p:clrMapOvr>
-    <a:masterClrMapping/>
-  </p:clrMapOvr>
-</p:sld>
-</file>
-
-<file path=ppt/slides/slide13.xml><?xml version="1.0" encoding="utf-8"?>
-<p:sld xmlns:a="http://schemas.openxmlformats.org/drawingml/2006/main" xmlns:r="http://schemas.openxmlformats.org/officeDocument/2006/relationships" xmlns:p="http://schemas.openxmlformats.org/presentationml/2006/main">
-  <p:cSld>
-    <p:spTree>
-      <p:nvGrpSpPr>
-        <p:cNvPr id="1" name=""/>
-        <p:cNvGrpSpPr/>
-        <p:nvPr/>
-      </p:nvGrpSpPr>
-      <p:grpSpPr>
-        <a:xfrm>
-          <a:off x="0" y="0"/>
-          <a:ext cx="0" cy="0"/>
-          <a:chOff x="0" y="0"/>
-          <a:chExt cx="0" cy="0"/>
-        </a:xfrm>
-      </p:grpSpPr>
-      <p:pic>
-        <p:nvPicPr>
-          <p:cNvPr id="3" name="Picture 2">
-            <a:extLst>
-              <a:ext uri="{FF2B5EF4-FFF2-40B4-BE49-F238E27FC236}">
-                <a16:creationId xmlns:a16="http://schemas.microsoft.com/office/drawing/2014/main" id="{6F77CB16-E266-4E16-A679-02072416E657}"/>
-              </a:ext>
-            </a:extLst>
-          </p:cNvPr>
-          <p:cNvPicPr>
-            <a:picLocks noChangeAspect="1"/>
-          </p:cNvPicPr>
-          <p:nvPr/>
-        </p:nvPicPr>
-        <p:blipFill>
-          <a:blip r:embed="rId2"/>
-          <a:stretch>
-            <a:fillRect/>
-          </a:stretch>
-        </p:blipFill>
-        <p:spPr>
-          <a:xfrm>
-            <a:off x="0" y="453788"/>
-            <a:ext cx="9144000" cy="5950424"/>
-          </a:xfrm>
-          <a:prstGeom prst="rect">
-            <a:avLst/>
-          </a:prstGeom>
-        </p:spPr>
-      </p:pic>
-    </p:spTree>
-    <p:extLst>
-      <p:ext uri="{BB962C8B-B14F-4D97-AF65-F5344CB8AC3E}">
-        <p14:creationId xmlns:p14="http://schemas.microsoft.com/office/powerpoint/2010/main" val="1778657780"/>
-      </p:ext>
-    </p:extLst>
-  </p:cSld>
-  <p:clrMapOvr>
-    <a:masterClrMapping/>
-  </p:clrMapOvr>
-</p:sld>
-</file>
-
-<file path=ppt/slides/slide14.xml><?xml version="1.0" encoding="utf-8"?>
-<p:sld xmlns:a="http://schemas.openxmlformats.org/drawingml/2006/main" xmlns:r="http://schemas.openxmlformats.org/officeDocument/2006/relationships" xmlns:p="http://schemas.openxmlformats.org/presentationml/2006/main">
-  <p:cSld>
-    <p:spTree>
-      <p:nvGrpSpPr>
-        <p:cNvPr id="1" name=""/>
-        <p:cNvGrpSpPr/>
-        <p:nvPr/>
-      </p:nvGrpSpPr>
-      <p:grpSpPr>
-        <a:xfrm>
-          <a:off x="0" y="0"/>
-          <a:ext cx="0" cy="0"/>
-          <a:chOff x="0" y="0"/>
-          <a:chExt cx="0" cy="0"/>
-        </a:xfrm>
-      </p:grpSpPr>
-      <p:pic>
-        <p:nvPicPr>
-          <p:cNvPr id="3" name="Picture 2">
-            <a:extLst>
-              <a:ext uri="{FF2B5EF4-FFF2-40B4-BE49-F238E27FC236}">
-                <a16:creationId xmlns:a16="http://schemas.microsoft.com/office/drawing/2014/main" id="{A4672DEF-9A5C-40C8-A3E4-BD272A07C5E1}"/>
-              </a:ext>
-            </a:extLst>
-          </p:cNvPr>
-          <p:cNvPicPr>
-            <a:picLocks noChangeAspect="1"/>
-          </p:cNvPicPr>
-          <p:nvPr/>
-        </p:nvPicPr>
-        <p:blipFill>
-          <a:blip r:embed="rId2"/>
-          <a:stretch>
-            <a:fillRect/>
-          </a:stretch>
-        </p:blipFill>
-        <p:spPr>
-          <a:xfrm>
-            <a:off x="0" y="453788"/>
-            <a:ext cx="9144000" cy="5950424"/>
-          </a:xfrm>
-          <a:prstGeom prst="rect">
-            <a:avLst/>
-          </a:prstGeom>
-        </p:spPr>
-      </p:pic>
-    </p:spTree>
-    <p:extLst>
-      <p:ext uri="{BB962C8B-B14F-4D97-AF65-F5344CB8AC3E}">
-        <p14:creationId xmlns:p14="http://schemas.microsoft.com/office/powerpoint/2010/main" val="2192639158"/>
-      </p:ext>
-    </p:extLst>
-  </p:cSld>
-  <p:clrMapOvr>
-    <a:masterClrMapping/>
-  </p:clrMapOvr>
-</p:sld>
-</file>
-
-<file path=ppt/slides/slide15.xml><?xml version="1.0" encoding="utf-8"?>
-<p:sld xmlns:a="http://schemas.openxmlformats.org/drawingml/2006/main" xmlns:r="http://schemas.openxmlformats.org/officeDocument/2006/relationships" xmlns:p="http://schemas.openxmlformats.org/presentationml/2006/main">
-  <p:cSld>
-    <p:spTree>
-      <p:nvGrpSpPr>
-        <p:cNvPr id="1" name=""/>
-        <p:cNvGrpSpPr/>
-        <p:nvPr/>
-      </p:nvGrpSpPr>
-      <p:grpSpPr>
-        <a:xfrm>
-          <a:off x="0" y="0"/>
-          <a:ext cx="0" cy="0"/>
-          <a:chOff x="0" y="0"/>
-          <a:chExt cx="0" cy="0"/>
-        </a:xfrm>
-      </p:grpSpPr>
-      <p:pic>
-        <p:nvPicPr>
-          <p:cNvPr id="3" name="Picture 2">
-            <a:extLst>
-              <a:ext uri="{FF2B5EF4-FFF2-40B4-BE49-F238E27FC236}">
-                <a16:creationId xmlns:a16="http://schemas.microsoft.com/office/drawing/2014/main" id="{77F0CAEC-F75E-47FB-9358-ABC94D24314A}"/>
               </a:ext>
             </a:extLst>
           </p:cNvPr>
@@ -3367,136 +3065,25 @@
         </p:nvPicPr>
         <p:blipFill rotWithShape="1">
           <a:blip r:embed="rId2"/>
-          <a:srcRect l="1059" t="10157" r="2415" b="4288"/>
+          <a:srcRect l="774" t="13095" r="2452" b="6700"/>
           <a:stretch/>
         </p:blipFill>
         <p:spPr>
           <a:xfrm>
-            <a:off x="263472" y="166607"/>
-            <a:ext cx="8442744" cy="6412424"/>
+            <a:off x="147483" y="218275"/>
+            <a:ext cx="8849033" cy="4772579"/>
           </a:xfrm>
           <a:prstGeom prst="rect">
             <a:avLst/>
           </a:prstGeom>
         </p:spPr>
       </p:pic>
-    </p:spTree>
-    <p:extLst>
-      <p:ext uri="{BB962C8B-B14F-4D97-AF65-F5344CB8AC3E}">
-        <p14:creationId xmlns:p14="http://schemas.microsoft.com/office/powerpoint/2010/main" val="997205369"/>
-      </p:ext>
-    </p:extLst>
-  </p:cSld>
-  <p:clrMapOvr>
-    <a:masterClrMapping/>
-  </p:clrMapOvr>
-</p:sld>
-</file>
-
-<file path=ppt/slides/slide2.xml><?xml version="1.0" encoding="utf-8"?>
-<p:sld xmlns:a="http://schemas.openxmlformats.org/drawingml/2006/main" xmlns:r="http://schemas.openxmlformats.org/officeDocument/2006/relationships" xmlns:p="http://schemas.openxmlformats.org/presentationml/2006/main">
-  <p:cSld>
-    <p:spTree>
-      <p:nvGrpSpPr>
-        <p:cNvPr id="1" name=""/>
-        <p:cNvGrpSpPr/>
-        <p:nvPr/>
-      </p:nvGrpSpPr>
-      <p:grpSpPr>
-        <a:xfrm>
-          <a:off x="0" y="0"/>
-          <a:ext cx="0" cy="0"/>
-          <a:chOff x="0" y="0"/>
-          <a:chExt cx="0" cy="0"/>
-        </a:xfrm>
-      </p:grpSpPr>
-      <p:pic>
-        <p:nvPicPr>
-          <p:cNvPr id="10" name="Picture 9">
+      <p:sp>
+        <p:nvSpPr>
+          <p:cNvPr id="7" name="TextBox 6">
             <a:extLst>
               <a:ext uri="{FF2B5EF4-FFF2-40B4-BE49-F238E27FC236}">
-                <a16:creationId xmlns:a16="http://schemas.microsoft.com/office/drawing/2014/main" id="{F389A56A-201A-4429-BCDE-29A368CD70BD}"/>
-              </a:ext>
-            </a:extLst>
-          </p:cNvPr>
-          <p:cNvPicPr>
-            <a:picLocks noChangeAspect="1"/>
-          </p:cNvPicPr>
-          <p:nvPr/>
-        </p:nvPicPr>
-        <p:blipFill rotWithShape="1">
-          <a:blip r:embed="rId2"/>
-          <a:srcRect l="1162" t="18633" r="28710" b="10145"/>
-          <a:stretch/>
-        </p:blipFill>
-        <p:spPr>
-          <a:xfrm>
-            <a:off x="690224" y="580843"/>
-            <a:ext cx="7547016" cy="2825791"/>
-          </a:xfrm>
-          <a:prstGeom prst="rect">
-            <a:avLst/>
-          </a:prstGeom>
-        </p:spPr>
-      </p:pic>
-      <p:sp>
-        <p:nvSpPr>
-          <p:cNvPr id="3" name="Oval 2">
-            <a:extLst>
-              <a:ext uri="{FF2B5EF4-FFF2-40B4-BE49-F238E27FC236}">
-                <a16:creationId xmlns:a16="http://schemas.microsoft.com/office/drawing/2014/main" id="{9ED78200-51B7-499E-8907-31DCA3D7A7F8}"/>
-              </a:ext>
-            </a:extLst>
-          </p:cNvPr>
-          <p:cNvSpPr/>
-          <p:nvPr/>
-        </p:nvSpPr>
-        <p:spPr>
-          <a:xfrm>
-            <a:off x="5382246" y="2216257"/>
-            <a:ext cx="2080188" cy="426203"/>
-          </a:xfrm>
-          <a:prstGeom prst="ellipse">
-            <a:avLst/>
-          </a:prstGeom>
-          <a:noFill/>
-          <a:ln w="38100">
-            <a:solidFill>
-              <a:srgbClr val="C00000"/>
-            </a:solidFill>
-          </a:ln>
-        </p:spPr>
-        <p:style>
-          <a:lnRef idx="2">
-            <a:schemeClr val="accent1">
-              <a:shade val="50000"/>
-            </a:schemeClr>
-          </a:lnRef>
-          <a:fillRef idx="1">
-            <a:schemeClr val="accent1"/>
-          </a:fillRef>
-          <a:effectRef idx="0">
-            <a:schemeClr val="accent1"/>
-          </a:effectRef>
-          <a:fontRef idx="minor">
-            <a:schemeClr val="lt1"/>
-          </a:fontRef>
-        </p:style>
-        <p:txBody>
-          <a:bodyPr rtlCol="0" anchor="ctr"/>
-          <a:lstStyle/>
-          <a:p>
-            <a:pPr algn="ctr"/>
-            <a:endParaRPr lang="en-SG"/>
-          </a:p>
-        </p:txBody>
-      </p:sp>
-      <p:sp>
-        <p:nvSpPr>
-          <p:cNvPr id="4" name="TextBox 3">
-            <a:extLst>
-              <a:ext uri="{FF2B5EF4-FFF2-40B4-BE49-F238E27FC236}">
-                <a16:creationId xmlns:a16="http://schemas.microsoft.com/office/drawing/2014/main" id="{87925D5D-7096-42FC-9383-32A60DDDFF08}"/>
+                <a16:creationId xmlns:a16="http://schemas.microsoft.com/office/drawing/2014/main" id="{23F54332-C1D4-41B1-AE83-67F7D75A39B4}"/>
               </a:ext>
             </a:extLst>
           </p:cNvPr>
@@ -3505,8 +3092,8 @@
         </p:nvSpPr>
         <p:spPr>
           <a:xfrm>
-            <a:off x="615080" y="3242436"/>
-            <a:ext cx="4082348" cy="923330"/>
+            <a:off x="1532384" y="4132888"/>
+            <a:ext cx="2679756" cy="369332"/>
           </a:xfrm>
           <a:prstGeom prst="rect">
             <a:avLst/>
@@ -3535,66 +3122,17 @@
           <a:p>
             <a:r>
               <a:rPr lang="en-SG" dirty="0"/>
-              <a:t>Example input spectra catalogs that you can download and then upload and analyse</a:t>
-            </a:r>
-          </a:p>
-        </p:txBody>
-      </p:sp>
-      <p:sp>
-        <p:nvSpPr>
-          <p:cNvPr id="6" name="TextBox 5">
+              <a:t>Click to start the analysis.</a:t>
+            </a:r>
+          </a:p>
+        </p:txBody>
+      </p:sp>
+      <p:sp>
+        <p:nvSpPr>
+          <p:cNvPr id="8" name="Oval 7">
             <a:extLst>
               <a:ext uri="{FF2B5EF4-FFF2-40B4-BE49-F238E27FC236}">
-                <a16:creationId xmlns:a16="http://schemas.microsoft.com/office/drawing/2014/main" id="{5CD0F0F2-B355-49CD-8261-789E681777DC}"/>
-              </a:ext>
-            </a:extLst>
-          </p:cNvPr>
-          <p:cNvSpPr txBox="1"/>
-          <p:nvPr/>
-        </p:nvSpPr>
-        <p:spPr>
-          <a:xfrm>
-            <a:off x="615080" y="1455890"/>
-            <a:ext cx="4082348" cy="1200329"/>
-          </a:xfrm>
-          <a:prstGeom prst="rect">
-            <a:avLst/>
-          </a:prstGeom>
-          <a:solidFill>
-            <a:schemeClr val="bg1"/>
-          </a:solidFill>
-          <a:ln w="38100">
-            <a:solidFill>
-              <a:srgbClr val="C00000"/>
-            </a:solidFill>
-          </a:ln>
-          <a:effectLst>
-            <a:outerShdw blurRad="50800" dist="254000" dir="2700000" algn="t" rotWithShape="0">
-              <a:prstClr val="black">
-                <a:alpha val="40000"/>
-              </a:prstClr>
-            </a:outerShdw>
-          </a:effectLst>
-        </p:spPr>
-        <p:txBody>
-          <a:bodyPr wrap="square" rtlCol="0">
-            <a:spAutoFit/>
-          </a:bodyPr>
-          <a:lstStyle/>
-          <a:p>
-            <a:r>
-              <a:rPr lang="en-SG" dirty="0"/>
-              <a:t>Pre-loaded example input spectra catalogs; SBS96, SBS192, DBS78, and ID are different kinds of mutations; each has its own catalog</a:t>
-            </a:r>
-          </a:p>
-        </p:txBody>
-      </p:sp>
-      <p:sp>
-        <p:nvSpPr>
-          <p:cNvPr id="7" name="Oval 6">
-            <a:extLst>
-              <a:ext uri="{FF2B5EF4-FFF2-40B4-BE49-F238E27FC236}">
-                <a16:creationId xmlns:a16="http://schemas.microsoft.com/office/drawing/2014/main" id="{46479989-9D4D-4023-A2DF-38BB41DCB3FE}"/>
+                <a16:creationId xmlns:a16="http://schemas.microsoft.com/office/drawing/2014/main" id="{E91C19AC-7935-4E98-A695-FF1DB7420EB8}"/>
               </a:ext>
             </a:extLst>
           </p:cNvPr>
@@ -3603,8 +3141,8 @@
         </p:nvSpPr>
         <p:spPr>
           <a:xfrm>
-            <a:off x="5315879" y="1560171"/>
-            <a:ext cx="2588257" cy="646331"/>
+            <a:off x="147483" y="3358639"/>
+            <a:ext cx="1286060" cy="470042"/>
           </a:xfrm>
           <a:prstGeom prst="ellipse">
             <a:avLst/>
@@ -3643,10 +3181,10 @@
       </p:sp>
       <p:sp>
         <p:nvSpPr>
-          <p:cNvPr id="8" name="Freeform: Shape 7">
+          <p:cNvPr id="9" name="Freeform: Shape 8">
             <a:extLst>
               <a:ext uri="{FF2B5EF4-FFF2-40B4-BE49-F238E27FC236}">
-                <a16:creationId xmlns:a16="http://schemas.microsoft.com/office/drawing/2014/main" id="{4C4AE0C6-2609-462F-9C70-8981CA0C2DE3}"/>
+                <a16:creationId xmlns:a16="http://schemas.microsoft.com/office/drawing/2014/main" id="{D5D08E50-64E6-4748-9B36-78C65705AAB6}"/>
               </a:ext>
             </a:extLst>
           </p:cNvPr>
@@ -3654,9 +3192,9 @@
           <p:nvPr/>
         </p:nvSpPr>
         <p:spPr>
-          <a:xfrm rot="20570935">
-            <a:off x="4566439" y="2549945"/>
-            <a:ext cx="924080" cy="749035"/>
+          <a:xfrm rot="874106" flipH="1">
+            <a:off x="1382902" y="3693168"/>
+            <a:ext cx="834693" cy="340211"/>
           </a:xfrm>
           <a:custGeom>
             <a:avLst/>
@@ -3749,12 +3287,71 @@
           </a:p>
         </p:txBody>
       </p:sp>
-      <p:sp>
-        <p:nvSpPr>
-          <p:cNvPr id="9" name="Freeform: Shape 8">
+    </p:spTree>
+    <p:extLst>
+      <p:ext uri="{BB962C8B-B14F-4D97-AF65-F5344CB8AC3E}">
+        <p14:creationId xmlns:p14="http://schemas.microsoft.com/office/powerpoint/2010/main" val="429612943"/>
+      </p:ext>
+    </p:extLst>
+  </p:cSld>
+  <p:clrMapOvr>
+    <a:masterClrMapping/>
+  </p:clrMapOvr>
+</p:sld>
+</file>
+
+<file path=ppt/slides/slide11.xml><?xml version="1.0" encoding="utf-8"?>
+<p:sld xmlns:a="http://schemas.openxmlformats.org/drawingml/2006/main" xmlns:r="http://schemas.openxmlformats.org/officeDocument/2006/relationships" xmlns:p="http://schemas.openxmlformats.org/presentationml/2006/main">
+  <p:cSld>
+    <p:spTree>
+      <p:nvGrpSpPr>
+        <p:cNvPr id="1" name=""/>
+        <p:cNvGrpSpPr/>
+        <p:nvPr/>
+      </p:nvGrpSpPr>
+      <p:grpSpPr>
+        <a:xfrm>
+          <a:off x="0" y="0"/>
+          <a:ext cx="0" cy="0"/>
+          <a:chOff x="0" y="0"/>
+          <a:chExt cx="0" cy="0"/>
+        </a:xfrm>
+      </p:grpSpPr>
+      <p:pic>
+        <p:nvPicPr>
+          <p:cNvPr id="3" name="Picture 2">
             <a:extLst>
               <a:ext uri="{FF2B5EF4-FFF2-40B4-BE49-F238E27FC236}">
-                <a16:creationId xmlns:a16="http://schemas.microsoft.com/office/drawing/2014/main" id="{84A436B5-F743-4D90-8E66-FE22E107248C}"/>
+                <a16:creationId xmlns:a16="http://schemas.microsoft.com/office/drawing/2014/main" id="{77F0CAEC-F75E-47FB-9358-ABC94D24314A}"/>
+              </a:ext>
+            </a:extLst>
+          </p:cNvPr>
+          <p:cNvPicPr>
+            <a:picLocks noChangeAspect="1"/>
+          </p:cNvPicPr>
+          <p:nvPr/>
+        </p:nvPicPr>
+        <p:blipFill rotWithShape="1">
+          <a:blip r:embed="rId2"/>
+          <a:srcRect l="1059" t="10157" r="2415" b="4288"/>
+          <a:stretch/>
+        </p:blipFill>
+        <p:spPr>
+          <a:xfrm>
+            <a:off x="263472" y="166607"/>
+            <a:ext cx="8442744" cy="6412424"/>
+          </a:xfrm>
+          <a:prstGeom prst="rect">
+            <a:avLst/>
+          </a:prstGeom>
+        </p:spPr>
+      </p:pic>
+      <p:sp>
+        <p:nvSpPr>
+          <p:cNvPr id="5" name="Oval 4">
+            <a:extLst>
+              <a:ext uri="{FF2B5EF4-FFF2-40B4-BE49-F238E27FC236}">
+                <a16:creationId xmlns:a16="http://schemas.microsoft.com/office/drawing/2014/main" id="{CA96B9E6-8CC6-46AB-8822-13628E19CE21}"/>
               </a:ext>
             </a:extLst>
           </p:cNvPr>
@@ -3763,8 +3360,109 @@
         </p:nvSpPr>
         <p:spPr>
           <a:xfrm>
-            <a:off x="4684648" y="1866540"/>
-            <a:ext cx="631231" cy="305078"/>
+            <a:off x="206476" y="1710813"/>
+            <a:ext cx="7291604" cy="1120877"/>
+          </a:xfrm>
+          <a:prstGeom prst="ellipse">
+            <a:avLst/>
+          </a:prstGeom>
+          <a:noFill/>
+          <a:ln w="38100">
+            <a:solidFill>
+              <a:srgbClr val="C00000"/>
+            </a:solidFill>
+          </a:ln>
+        </p:spPr>
+        <p:style>
+          <a:lnRef idx="2">
+            <a:schemeClr val="accent1">
+              <a:shade val="50000"/>
+            </a:schemeClr>
+          </a:lnRef>
+          <a:fillRef idx="1">
+            <a:schemeClr val="accent1"/>
+          </a:fillRef>
+          <a:effectRef idx="0">
+            <a:schemeClr val="accent1"/>
+          </a:effectRef>
+          <a:fontRef idx="minor">
+            <a:schemeClr val="lt1"/>
+          </a:fontRef>
+        </p:style>
+        <p:txBody>
+          <a:bodyPr rtlCol="0" anchor="ctr"/>
+          <a:lstStyle/>
+          <a:p>
+            <a:pPr algn="ctr"/>
+            <a:endParaRPr lang="en-SG"/>
+          </a:p>
+        </p:txBody>
+      </p:sp>
+      <p:sp>
+        <p:nvSpPr>
+          <p:cNvPr id="6" name="TextBox 5">
+            <a:extLst>
+              <a:ext uri="{FF2B5EF4-FFF2-40B4-BE49-F238E27FC236}">
+                <a16:creationId xmlns:a16="http://schemas.microsoft.com/office/drawing/2014/main" id="{347912D9-7E50-495B-ADEE-2A968266FB1A}"/>
+              </a:ext>
+            </a:extLst>
+          </p:cNvPr>
+          <p:cNvSpPr txBox="1"/>
+          <p:nvPr/>
+        </p:nvSpPr>
+        <p:spPr>
+          <a:xfrm>
+            <a:off x="659279" y="3301079"/>
+            <a:ext cx="3069112" cy="923330"/>
+          </a:xfrm>
+          <a:prstGeom prst="rect">
+            <a:avLst/>
+          </a:prstGeom>
+          <a:solidFill>
+            <a:schemeClr val="bg1"/>
+          </a:solidFill>
+          <a:ln w="38100">
+            <a:solidFill>
+              <a:srgbClr val="C00000"/>
+            </a:solidFill>
+          </a:ln>
+          <a:effectLst>
+            <a:outerShdw blurRad="50800" dist="254000" dir="2700000" algn="t" rotWithShape="0">
+              <a:prstClr val="black">
+                <a:alpha val="40000"/>
+              </a:prstClr>
+            </a:outerShdw>
+          </a:effectLst>
+        </p:spPr>
+        <p:txBody>
+          <a:bodyPr wrap="square" rtlCol="0">
+            <a:spAutoFit/>
+          </a:bodyPr>
+          <a:lstStyle/>
+          <a:p>
+            <a:r>
+              <a:rPr lang="en-SG" dirty="0"/>
+              <a:t>Original spectrum (above) compared to reconstructed spectrum  (below)</a:t>
+            </a:r>
+          </a:p>
+        </p:txBody>
+      </p:sp>
+      <p:sp>
+        <p:nvSpPr>
+          <p:cNvPr id="7" name="Freeform: Shape 6">
+            <a:extLst>
+              <a:ext uri="{FF2B5EF4-FFF2-40B4-BE49-F238E27FC236}">
+                <a16:creationId xmlns:a16="http://schemas.microsoft.com/office/drawing/2014/main" id="{FAD2B798-347A-4B36-BE81-432BC50DB1B9}"/>
+              </a:ext>
+            </a:extLst>
+          </p:cNvPr>
+          <p:cNvSpPr/>
+          <p:nvPr/>
+        </p:nvSpPr>
+        <p:spPr>
+          <a:xfrm rot="20725894">
+            <a:off x="1040741" y="2855465"/>
+            <a:ext cx="834693" cy="340211"/>
           </a:xfrm>
           <a:custGeom>
             <a:avLst/>
@@ -3857,10 +3555,1394 @@
           </a:p>
         </p:txBody>
       </p:sp>
+      <p:sp>
+        <p:nvSpPr>
+          <p:cNvPr id="8" name="TextBox 7">
+            <a:extLst>
+              <a:ext uri="{FF2B5EF4-FFF2-40B4-BE49-F238E27FC236}">
+                <a16:creationId xmlns:a16="http://schemas.microsoft.com/office/drawing/2014/main" id="{9ED03D4B-EE98-48B9-9C9C-CBEF50B8E66F}"/>
+              </a:ext>
+            </a:extLst>
+          </p:cNvPr>
+          <p:cNvSpPr txBox="1"/>
+          <p:nvPr/>
+        </p:nvSpPr>
+        <p:spPr>
+          <a:xfrm>
+            <a:off x="3728391" y="1442002"/>
+            <a:ext cx="3382762" cy="646331"/>
+          </a:xfrm>
+          <a:prstGeom prst="rect">
+            <a:avLst/>
+          </a:prstGeom>
+          <a:solidFill>
+            <a:schemeClr val="bg1"/>
+          </a:solidFill>
+          <a:ln w="38100">
+            <a:solidFill>
+              <a:srgbClr val="C00000"/>
+            </a:solidFill>
+          </a:ln>
+          <a:effectLst>
+            <a:outerShdw blurRad="50800" dist="254000" dir="2700000" algn="t" rotWithShape="0">
+              <a:prstClr val="black">
+                <a:alpha val="40000"/>
+              </a:prstClr>
+            </a:outerShdw>
+          </a:effectLst>
+        </p:spPr>
+        <p:txBody>
+          <a:bodyPr wrap="square" rtlCol="0">
+            <a:spAutoFit/>
+          </a:bodyPr>
+          <a:lstStyle/>
+          <a:p>
+            <a:r>
+              <a:rPr lang="en-SG" dirty="0"/>
+              <a:t>Cosine similarity between original and reconstructed spectrum</a:t>
+            </a:r>
+          </a:p>
+        </p:txBody>
+      </p:sp>
+      <p:sp>
+        <p:nvSpPr>
+          <p:cNvPr id="9" name="Freeform: Shape 8">
+            <a:extLst>
+              <a:ext uri="{FF2B5EF4-FFF2-40B4-BE49-F238E27FC236}">
+                <a16:creationId xmlns:a16="http://schemas.microsoft.com/office/drawing/2014/main" id="{AB16F657-C5F5-490A-9D25-1592096E2DE8}"/>
+              </a:ext>
+            </a:extLst>
+          </p:cNvPr>
+          <p:cNvSpPr/>
+          <p:nvPr/>
+        </p:nvSpPr>
+        <p:spPr>
+          <a:xfrm rot="10452990">
+            <a:off x="3122230" y="2187038"/>
+            <a:ext cx="834693" cy="340211"/>
+          </a:xfrm>
+          <a:custGeom>
+            <a:avLst/>
+            <a:gdLst>
+              <a:gd name="connsiteX0" fmla="*/ 0 w 631231"/>
+              <a:gd name="connsiteY0" fmla="*/ 305078 h 305078"/>
+              <a:gd name="connsiteX1" fmla="*/ 330364 w 631231"/>
+              <a:gd name="connsiteY1" fmla="*/ 33708 h 305078"/>
+              <a:gd name="connsiteX2" fmla="*/ 631231 w 631231"/>
+              <a:gd name="connsiteY2" fmla="*/ 4211 h 305078"/>
+              <a:gd name="connsiteX3" fmla="*/ 631231 w 631231"/>
+              <a:gd name="connsiteY3" fmla="*/ 4211 h 305078"/>
+              <a:gd name="connsiteX4" fmla="*/ 631231 w 631231"/>
+              <a:gd name="connsiteY4" fmla="*/ 4211 h 305078"/>
+            </a:gdLst>
+            <a:ahLst/>
+            <a:cxnLst>
+              <a:cxn ang="0">
+                <a:pos x="connsiteX0" y="connsiteY0"/>
+              </a:cxn>
+              <a:cxn ang="0">
+                <a:pos x="connsiteX1" y="connsiteY1"/>
+              </a:cxn>
+              <a:cxn ang="0">
+                <a:pos x="connsiteX2" y="connsiteY2"/>
+              </a:cxn>
+              <a:cxn ang="0">
+                <a:pos x="connsiteX3" y="connsiteY3"/>
+              </a:cxn>
+              <a:cxn ang="0">
+                <a:pos x="connsiteX4" y="connsiteY4"/>
+              </a:cxn>
+            </a:cxnLst>
+            <a:rect l="l" t="t" r="r" b="b"/>
+            <a:pathLst>
+              <a:path w="631231" h="305078">
+                <a:moveTo>
+                  <a:pt x="0" y="305078"/>
+                </a:moveTo>
+                <a:cubicBezTo>
+                  <a:pt x="112579" y="194465"/>
+                  <a:pt x="225159" y="83852"/>
+                  <a:pt x="330364" y="33708"/>
+                </a:cubicBezTo>
+                <a:cubicBezTo>
+                  <a:pt x="435569" y="-16437"/>
+                  <a:pt x="631231" y="4211"/>
+                  <a:pt x="631231" y="4211"/>
+                </a:cubicBezTo>
+                <a:lnTo>
+                  <a:pt x="631231" y="4211"/>
+                </a:lnTo>
+                <a:lnTo>
+                  <a:pt x="631231" y="4211"/>
+                </a:lnTo>
+              </a:path>
+            </a:pathLst>
+          </a:custGeom>
+          <a:noFill/>
+          <a:ln w="38100">
+            <a:solidFill>
+              <a:srgbClr val="C00000"/>
+            </a:solidFill>
+            <a:headEnd type="none" w="med" len="med"/>
+            <a:tailEnd type="arrow" w="med" len="med"/>
+          </a:ln>
+        </p:spPr>
+        <p:style>
+          <a:lnRef idx="2">
+            <a:schemeClr val="accent1">
+              <a:shade val="50000"/>
+            </a:schemeClr>
+          </a:lnRef>
+          <a:fillRef idx="1">
+            <a:schemeClr val="accent1"/>
+          </a:fillRef>
+          <a:effectRef idx="0">
+            <a:schemeClr val="accent1"/>
+          </a:effectRef>
+          <a:fontRef idx="minor">
+            <a:schemeClr val="lt1"/>
+          </a:fontRef>
+        </p:style>
+        <p:txBody>
+          <a:bodyPr rtlCol="0" anchor="ctr"/>
+          <a:lstStyle/>
+          <a:p>
+            <a:pPr algn="ctr"/>
+            <a:endParaRPr lang="en-SG"/>
+          </a:p>
+        </p:txBody>
+      </p:sp>
+      <p:sp>
+        <p:nvSpPr>
+          <p:cNvPr id="10" name="Oval 9">
+            <a:extLst>
+              <a:ext uri="{FF2B5EF4-FFF2-40B4-BE49-F238E27FC236}">
+                <a16:creationId xmlns:a16="http://schemas.microsoft.com/office/drawing/2014/main" id="{CDAD16D0-786E-4919-B171-F93CA865DC6F}"/>
+              </a:ext>
+            </a:extLst>
+          </p:cNvPr>
+          <p:cNvSpPr/>
+          <p:nvPr/>
+        </p:nvSpPr>
+        <p:spPr>
+          <a:xfrm>
+            <a:off x="488661" y="5644699"/>
+            <a:ext cx="7291604" cy="1120877"/>
+          </a:xfrm>
+          <a:prstGeom prst="ellipse">
+            <a:avLst/>
+          </a:prstGeom>
+          <a:noFill/>
+          <a:ln w="38100">
+            <a:solidFill>
+              <a:srgbClr val="C00000"/>
+            </a:solidFill>
+          </a:ln>
+        </p:spPr>
+        <p:style>
+          <a:lnRef idx="2">
+            <a:schemeClr val="accent1">
+              <a:shade val="50000"/>
+            </a:schemeClr>
+          </a:lnRef>
+          <a:fillRef idx="1">
+            <a:schemeClr val="accent1"/>
+          </a:fillRef>
+          <a:effectRef idx="0">
+            <a:schemeClr val="accent1"/>
+          </a:effectRef>
+          <a:fontRef idx="minor">
+            <a:schemeClr val="lt1"/>
+          </a:fontRef>
+        </p:style>
+        <p:txBody>
+          <a:bodyPr rtlCol="0" anchor="ctr"/>
+          <a:lstStyle/>
+          <a:p>
+            <a:pPr algn="ctr"/>
+            <a:endParaRPr lang="en-SG"/>
+          </a:p>
+        </p:txBody>
+      </p:sp>
+      <p:sp>
+        <p:nvSpPr>
+          <p:cNvPr id="11" name="TextBox 10">
+            <a:extLst>
+              <a:ext uri="{FF2B5EF4-FFF2-40B4-BE49-F238E27FC236}">
+                <a16:creationId xmlns:a16="http://schemas.microsoft.com/office/drawing/2014/main" id="{EB13376E-60FA-41C3-A9B5-71E950D554C6}"/>
+              </a:ext>
+            </a:extLst>
+          </p:cNvPr>
+          <p:cNvSpPr txBox="1"/>
+          <p:nvPr/>
+        </p:nvSpPr>
+        <p:spPr>
+          <a:xfrm>
+            <a:off x="4472860" y="4330804"/>
+            <a:ext cx="3382762" cy="646331"/>
+          </a:xfrm>
+          <a:prstGeom prst="rect">
+            <a:avLst/>
+          </a:prstGeom>
+          <a:solidFill>
+            <a:schemeClr val="bg1"/>
+          </a:solidFill>
+          <a:ln w="38100">
+            <a:solidFill>
+              <a:srgbClr val="C00000"/>
+            </a:solidFill>
+          </a:ln>
+          <a:effectLst>
+            <a:outerShdw blurRad="50800" dist="254000" dir="2700000" algn="t" rotWithShape="0">
+              <a:prstClr val="black">
+                <a:alpha val="40000"/>
+              </a:prstClr>
+            </a:outerShdw>
+          </a:effectLst>
+        </p:spPr>
+        <p:txBody>
+          <a:bodyPr wrap="square" rtlCol="0">
+            <a:spAutoFit/>
+          </a:bodyPr>
+          <a:lstStyle/>
+          <a:p>
+            <a:r>
+              <a:rPr lang="en-SG" dirty="0"/>
+              <a:t>Signatures not used in the reconstruction are also shown</a:t>
+            </a:r>
+          </a:p>
+        </p:txBody>
+      </p:sp>
+      <p:sp>
+        <p:nvSpPr>
+          <p:cNvPr id="12" name="Freeform: Shape 11">
+            <a:extLst>
+              <a:ext uri="{FF2B5EF4-FFF2-40B4-BE49-F238E27FC236}">
+                <a16:creationId xmlns:a16="http://schemas.microsoft.com/office/drawing/2014/main" id="{5A84781D-FA57-473D-9817-E6432F9A6570}"/>
+              </a:ext>
+            </a:extLst>
+          </p:cNvPr>
+          <p:cNvSpPr/>
+          <p:nvPr/>
+        </p:nvSpPr>
+        <p:spPr>
+          <a:xfrm rot="6821909" flipV="1">
+            <a:off x="3807367" y="5120932"/>
+            <a:ext cx="834693" cy="340211"/>
+          </a:xfrm>
+          <a:custGeom>
+            <a:avLst/>
+            <a:gdLst>
+              <a:gd name="connsiteX0" fmla="*/ 0 w 631231"/>
+              <a:gd name="connsiteY0" fmla="*/ 305078 h 305078"/>
+              <a:gd name="connsiteX1" fmla="*/ 330364 w 631231"/>
+              <a:gd name="connsiteY1" fmla="*/ 33708 h 305078"/>
+              <a:gd name="connsiteX2" fmla="*/ 631231 w 631231"/>
+              <a:gd name="connsiteY2" fmla="*/ 4211 h 305078"/>
+              <a:gd name="connsiteX3" fmla="*/ 631231 w 631231"/>
+              <a:gd name="connsiteY3" fmla="*/ 4211 h 305078"/>
+              <a:gd name="connsiteX4" fmla="*/ 631231 w 631231"/>
+              <a:gd name="connsiteY4" fmla="*/ 4211 h 305078"/>
+            </a:gdLst>
+            <a:ahLst/>
+            <a:cxnLst>
+              <a:cxn ang="0">
+                <a:pos x="connsiteX0" y="connsiteY0"/>
+              </a:cxn>
+              <a:cxn ang="0">
+                <a:pos x="connsiteX1" y="connsiteY1"/>
+              </a:cxn>
+              <a:cxn ang="0">
+                <a:pos x="connsiteX2" y="connsiteY2"/>
+              </a:cxn>
+              <a:cxn ang="0">
+                <a:pos x="connsiteX3" y="connsiteY3"/>
+              </a:cxn>
+              <a:cxn ang="0">
+                <a:pos x="connsiteX4" y="connsiteY4"/>
+              </a:cxn>
+            </a:cxnLst>
+            <a:rect l="l" t="t" r="r" b="b"/>
+            <a:pathLst>
+              <a:path w="631231" h="305078">
+                <a:moveTo>
+                  <a:pt x="0" y="305078"/>
+                </a:moveTo>
+                <a:cubicBezTo>
+                  <a:pt x="112579" y="194465"/>
+                  <a:pt x="225159" y="83852"/>
+                  <a:pt x="330364" y="33708"/>
+                </a:cubicBezTo>
+                <a:cubicBezTo>
+                  <a:pt x="435569" y="-16437"/>
+                  <a:pt x="631231" y="4211"/>
+                  <a:pt x="631231" y="4211"/>
+                </a:cubicBezTo>
+                <a:lnTo>
+                  <a:pt x="631231" y="4211"/>
+                </a:lnTo>
+                <a:lnTo>
+                  <a:pt x="631231" y="4211"/>
+                </a:lnTo>
+              </a:path>
+            </a:pathLst>
+          </a:custGeom>
+          <a:noFill/>
+          <a:ln w="38100">
+            <a:solidFill>
+              <a:srgbClr val="C00000"/>
+            </a:solidFill>
+            <a:headEnd type="none" w="med" len="med"/>
+            <a:tailEnd type="arrow" w="med" len="med"/>
+          </a:ln>
+        </p:spPr>
+        <p:style>
+          <a:lnRef idx="2">
+            <a:schemeClr val="accent1">
+              <a:shade val="50000"/>
+            </a:schemeClr>
+          </a:lnRef>
+          <a:fillRef idx="1">
+            <a:schemeClr val="accent1"/>
+          </a:fillRef>
+          <a:effectRef idx="0">
+            <a:schemeClr val="accent1"/>
+          </a:effectRef>
+          <a:fontRef idx="minor">
+            <a:schemeClr val="lt1"/>
+          </a:fontRef>
+        </p:style>
+        <p:txBody>
+          <a:bodyPr rtlCol="0" anchor="ctr"/>
+          <a:lstStyle/>
+          <a:p>
+            <a:pPr algn="ctr"/>
+            <a:endParaRPr lang="en-SG"/>
+          </a:p>
+        </p:txBody>
+      </p:sp>
+    </p:spTree>
+    <p:extLst>
+      <p:ext uri="{BB962C8B-B14F-4D97-AF65-F5344CB8AC3E}">
+        <p14:creationId xmlns:p14="http://schemas.microsoft.com/office/powerpoint/2010/main" val="997205369"/>
+      </p:ext>
+    </p:extLst>
+  </p:cSld>
+  <p:clrMapOvr>
+    <a:masterClrMapping/>
+  </p:clrMapOvr>
+</p:sld>
+</file>
+
+<file path=ppt/slides/slide12.xml><?xml version="1.0" encoding="utf-8"?>
+<p:sld xmlns:a="http://schemas.openxmlformats.org/drawingml/2006/main" xmlns:r="http://schemas.openxmlformats.org/officeDocument/2006/relationships" xmlns:p="http://schemas.openxmlformats.org/presentationml/2006/main">
+  <p:cSld>
+    <p:spTree>
+      <p:nvGrpSpPr>
+        <p:cNvPr id="1" name=""/>
+        <p:cNvGrpSpPr/>
+        <p:nvPr/>
+      </p:nvGrpSpPr>
+      <p:grpSpPr>
+        <a:xfrm>
+          <a:off x="0" y="0"/>
+          <a:ext cx="0" cy="0"/>
+          <a:chOff x="0" y="0"/>
+          <a:chExt cx="0" cy="0"/>
+        </a:xfrm>
+      </p:grpSpPr>
+      <p:sp>
+        <p:nvSpPr>
+          <p:cNvPr id="2" name="Title 1">
+            <a:extLst>
+              <a:ext uri="{FF2B5EF4-FFF2-40B4-BE49-F238E27FC236}">
+                <a16:creationId xmlns:a16="http://schemas.microsoft.com/office/drawing/2014/main" id="{909F3195-3BDC-4909-B508-AA5DBEC05D96}"/>
+              </a:ext>
+            </a:extLst>
+          </p:cNvPr>
+          <p:cNvSpPr>
+            <a:spLocks noGrp="1"/>
+          </p:cNvSpPr>
+          <p:nvPr>
+            <p:ph type="title"/>
+          </p:nvPr>
+        </p:nvSpPr>
+        <p:spPr/>
+        <p:txBody>
+          <a:bodyPr/>
+          <a:lstStyle/>
+          <a:p>
+            <a:r>
+              <a:rPr lang="en-SG" dirty="0"/>
+              <a:t>ID attribution example</a:t>
+            </a:r>
+          </a:p>
+        </p:txBody>
+      </p:sp>
+    </p:spTree>
+    <p:extLst>
+      <p:ext uri="{BB962C8B-B14F-4D97-AF65-F5344CB8AC3E}">
+        <p14:creationId xmlns:p14="http://schemas.microsoft.com/office/powerpoint/2010/main" val="2368460293"/>
+      </p:ext>
+    </p:extLst>
+  </p:cSld>
+  <p:clrMapOvr>
+    <a:masterClrMapping/>
+  </p:clrMapOvr>
+</p:sld>
+</file>
+
+<file path=ppt/slides/slide13.xml><?xml version="1.0" encoding="utf-8"?>
+<p:sld xmlns:a="http://schemas.openxmlformats.org/drawingml/2006/main" xmlns:r="http://schemas.openxmlformats.org/officeDocument/2006/relationships" xmlns:p="http://schemas.openxmlformats.org/presentationml/2006/main">
+  <p:cSld>
+    <p:spTree>
+      <p:nvGrpSpPr>
+        <p:cNvPr id="1" name=""/>
+        <p:cNvGrpSpPr/>
+        <p:nvPr/>
+      </p:nvGrpSpPr>
+      <p:grpSpPr>
+        <a:xfrm>
+          <a:off x="0" y="0"/>
+          <a:ext cx="0" cy="0"/>
+          <a:chOff x="0" y="0"/>
+          <a:chExt cx="0" cy="0"/>
+        </a:xfrm>
+      </p:grpSpPr>
+      <p:pic>
+        <p:nvPicPr>
+          <p:cNvPr id="3" name="Picture 2">
+            <a:extLst>
+              <a:ext uri="{FF2B5EF4-FFF2-40B4-BE49-F238E27FC236}">
+                <a16:creationId xmlns:a16="http://schemas.microsoft.com/office/drawing/2014/main" id="{B5DE659F-6A46-41CC-BC78-2D3D0AAAC968}"/>
+              </a:ext>
+            </a:extLst>
+          </p:cNvPr>
+          <p:cNvPicPr>
+            <a:picLocks noChangeAspect="1"/>
+          </p:cNvPicPr>
+          <p:nvPr/>
+        </p:nvPicPr>
+        <p:blipFill rotWithShape="1">
+          <a:blip r:embed="rId2"/>
+          <a:srcRect l="709" t="11270" r="3161"/>
+          <a:stretch/>
+        </p:blipFill>
+        <p:spPr>
+          <a:xfrm>
+            <a:off x="94389" y="294969"/>
+            <a:ext cx="8790039" cy="5085168"/>
+          </a:xfrm>
+          <a:prstGeom prst="rect">
+            <a:avLst/>
+          </a:prstGeom>
+        </p:spPr>
+      </p:pic>
+    </p:spTree>
+    <p:extLst>
+      <p:ext uri="{BB962C8B-B14F-4D97-AF65-F5344CB8AC3E}">
+        <p14:creationId xmlns:p14="http://schemas.microsoft.com/office/powerpoint/2010/main" val="531221919"/>
+      </p:ext>
+    </p:extLst>
+  </p:cSld>
+  <p:clrMapOvr>
+    <a:masterClrMapping/>
+  </p:clrMapOvr>
+</p:sld>
+</file>
+
+<file path=ppt/slides/slide14.xml><?xml version="1.0" encoding="utf-8"?>
+<p:sld xmlns:a="http://schemas.openxmlformats.org/drawingml/2006/main" xmlns:r="http://schemas.openxmlformats.org/officeDocument/2006/relationships" xmlns:p="http://schemas.openxmlformats.org/presentationml/2006/main">
+  <p:cSld>
+    <p:spTree>
+      <p:nvGrpSpPr>
+        <p:cNvPr id="1" name=""/>
+        <p:cNvGrpSpPr/>
+        <p:nvPr/>
+      </p:nvGrpSpPr>
+      <p:grpSpPr>
+        <a:xfrm>
+          <a:off x="0" y="0"/>
+          <a:ext cx="0" cy="0"/>
+          <a:chOff x="0" y="0"/>
+          <a:chExt cx="0" cy="0"/>
+        </a:xfrm>
+      </p:grpSpPr>
+      <p:pic>
+        <p:nvPicPr>
+          <p:cNvPr id="3" name="Picture 2">
+            <a:extLst>
+              <a:ext uri="{FF2B5EF4-FFF2-40B4-BE49-F238E27FC236}">
+                <a16:creationId xmlns:a16="http://schemas.microsoft.com/office/drawing/2014/main" id="{BFB7B5E2-F6D3-4B23-A420-2237BA9ADC0C}"/>
+              </a:ext>
+            </a:extLst>
+          </p:cNvPr>
+          <p:cNvPicPr>
+            <a:picLocks noChangeAspect="1"/>
+          </p:cNvPicPr>
+          <p:nvPr/>
+        </p:nvPicPr>
+        <p:blipFill rotWithShape="1">
+          <a:blip r:embed="rId2"/>
+          <a:srcRect l="1033" t="10447" r="3549"/>
+          <a:stretch/>
+        </p:blipFill>
+        <p:spPr>
+          <a:xfrm>
+            <a:off x="94390" y="1162173"/>
+            <a:ext cx="8725145" cy="5132363"/>
+          </a:xfrm>
+          <a:prstGeom prst="rect">
+            <a:avLst/>
+          </a:prstGeom>
+        </p:spPr>
+      </p:pic>
+    </p:spTree>
+    <p:extLst>
+      <p:ext uri="{BB962C8B-B14F-4D97-AF65-F5344CB8AC3E}">
+        <p14:creationId xmlns:p14="http://schemas.microsoft.com/office/powerpoint/2010/main" val="4262055516"/>
+      </p:ext>
+    </p:extLst>
+  </p:cSld>
+  <p:clrMapOvr>
+    <a:masterClrMapping/>
+  </p:clrMapOvr>
+</p:sld>
+</file>
+
+<file path=ppt/slides/slide15.xml><?xml version="1.0" encoding="utf-8"?>
+<p:sld xmlns:a="http://schemas.openxmlformats.org/drawingml/2006/main" xmlns:r="http://schemas.openxmlformats.org/officeDocument/2006/relationships" xmlns:p="http://schemas.openxmlformats.org/presentationml/2006/main">
+  <p:cSld>
+    <p:spTree>
+      <p:nvGrpSpPr>
+        <p:cNvPr id="1" name=""/>
+        <p:cNvGrpSpPr/>
+        <p:nvPr/>
+      </p:nvGrpSpPr>
+      <p:grpSpPr>
+        <a:xfrm>
+          <a:off x="0" y="0"/>
+          <a:ext cx="0" cy="0"/>
+          <a:chOff x="0" y="0"/>
+          <a:chExt cx="0" cy="0"/>
+        </a:xfrm>
+      </p:grpSpPr>
+      <p:pic>
+        <p:nvPicPr>
+          <p:cNvPr id="3" name="Picture 2">
+            <a:extLst>
+              <a:ext uri="{FF2B5EF4-FFF2-40B4-BE49-F238E27FC236}">
+                <a16:creationId xmlns:a16="http://schemas.microsoft.com/office/drawing/2014/main" id="{110E49E3-6193-4089-BD2C-1411304F1257}"/>
+              </a:ext>
+            </a:extLst>
+          </p:cNvPr>
+          <p:cNvPicPr>
+            <a:picLocks noChangeAspect="1"/>
+          </p:cNvPicPr>
+          <p:nvPr/>
+        </p:nvPicPr>
+        <p:blipFill rotWithShape="1">
+          <a:blip r:embed="rId2"/>
+          <a:srcRect l="1272" t="12690" r="2541" b="7480"/>
+          <a:stretch/>
+        </p:blipFill>
+        <p:spPr>
+          <a:xfrm>
+            <a:off x="116237" y="1208868"/>
+            <a:ext cx="8795288" cy="4750230"/>
+          </a:xfrm>
+          <a:prstGeom prst="rect">
+            <a:avLst/>
+          </a:prstGeom>
+        </p:spPr>
+      </p:pic>
+    </p:spTree>
+    <p:extLst>
+      <p:ext uri="{BB962C8B-B14F-4D97-AF65-F5344CB8AC3E}">
+        <p14:creationId xmlns:p14="http://schemas.microsoft.com/office/powerpoint/2010/main" val="217748407"/>
+      </p:ext>
+    </p:extLst>
+  </p:cSld>
+  <p:clrMapOvr>
+    <a:masterClrMapping/>
+  </p:clrMapOvr>
+</p:sld>
+</file>
+
+<file path=ppt/slides/slide16.xml><?xml version="1.0" encoding="utf-8"?>
+<p:sld xmlns:a="http://schemas.openxmlformats.org/drawingml/2006/main" xmlns:r="http://schemas.openxmlformats.org/officeDocument/2006/relationships" xmlns:p="http://schemas.openxmlformats.org/presentationml/2006/main">
+  <p:cSld>
+    <p:spTree>
+      <p:nvGrpSpPr>
+        <p:cNvPr id="1" name=""/>
+        <p:cNvGrpSpPr/>
+        <p:nvPr/>
+      </p:nvGrpSpPr>
+      <p:grpSpPr>
+        <a:xfrm>
+          <a:off x="0" y="0"/>
+          <a:ext cx="0" cy="0"/>
+          <a:chOff x="0" y="0"/>
+          <a:chExt cx="0" cy="0"/>
+        </a:xfrm>
+      </p:grpSpPr>
+      <p:sp>
+        <p:nvSpPr>
+          <p:cNvPr id="2" name="Title 1">
+            <a:extLst>
+              <a:ext uri="{FF2B5EF4-FFF2-40B4-BE49-F238E27FC236}">
+                <a16:creationId xmlns:a16="http://schemas.microsoft.com/office/drawing/2014/main" id="{C3D72E75-95B6-4537-995E-3B72F1F3230A}"/>
+              </a:ext>
+            </a:extLst>
+          </p:cNvPr>
+          <p:cNvSpPr>
+            <a:spLocks noGrp="1"/>
+          </p:cNvSpPr>
+          <p:nvPr>
+            <p:ph type="title"/>
+          </p:nvPr>
+        </p:nvSpPr>
+        <p:spPr/>
+        <p:txBody>
+          <a:bodyPr/>
+          <a:lstStyle/>
+          <a:p>
+            <a:r>
+              <a:rPr lang="en-SG" dirty="0"/>
+              <a:t>Next are analysis possibilities if you got here from </a:t>
+            </a:r>
+            <a:r>
+              <a:rPr lang="en-SG" dirty="0" err="1"/>
+              <a:t>analyzing</a:t>
+            </a:r>
+            <a:r>
+              <a:rPr lang="en-SG" dirty="0"/>
+              <a:t> a VCF</a:t>
+            </a:r>
+            <a:endParaRPr lang="en-US" dirty="0"/>
+          </a:p>
+        </p:txBody>
+      </p:sp>
+    </p:spTree>
+    <p:extLst>
+      <p:ext uri="{BB962C8B-B14F-4D97-AF65-F5344CB8AC3E}">
+        <p14:creationId xmlns:p14="http://schemas.microsoft.com/office/powerpoint/2010/main" val="2056887985"/>
+      </p:ext>
+    </p:extLst>
+  </p:cSld>
+  <p:clrMapOvr>
+    <a:masterClrMapping/>
+  </p:clrMapOvr>
+</p:sld>
+</file>
+
+<file path=ppt/slides/slide17.xml><?xml version="1.0" encoding="utf-8"?>
+<p:sld xmlns:a="http://schemas.openxmlformats.org/drawingml/2006/main" xmlns:r="http://schemas.openxmlformats.org/officeDocument/2006/relationships" xmlns:p="http://schemas.openxmlformats.org/presentationml/2006/main">
+  <p:cSld>
+    <p:spTree>
+      <p:nvGrpSpPr>
+        <p:cNvPr id="1" name=""/>
+        <p:cNvGrpSpPr/>
+        <p:nvPr/>
+      </p:nvGrpSpPr>
+      <p:grpSpPr>
+        <a:xfrm>
+          <a:off x="0" y="0"/>
+          <a:ext cx="0" cy="0"/>
+          <a:chOff x="0" y="0"/>
+          <a:chExt cx="0" cy="0"/>
+        </a:xfrm>
+      </p:grpSpPr>
+      <p:pic>
+        <p:nvPicPr>
+          <p:cNvPr id="3" name="Picture 2">
+            <a:extLst>
+              <a:ext uri="{FF2B5EF4-FFF2-40B4-BE49-F238E27FC236}">
+                <a16:creationId xmlns:a16="http://schemas.microsoft.com/office/drawing/2014/main" id="{6FEE5BCE-4673-458A-8787-C7CC40C89ACF}"/>
+              </a:ext>
+            </a:extLst>
+          </p:cNvPr>
+          <p:cNvPicPr>
+            <a:picLocks noChangeAspect="1"/>
+          </p:cNvPicPr>
+          <p:nvPr/>
+        </p:nvPicPr>
+        <p:blipFill>
+          <a:blip r:embed="rId2"/>
+          <a:stretch>
+            <a:fillRect/>
+          </a:stretch>
+        </p:blipFill>
+        <p:spPr>
+          <a:xfrm>
+            <a:off x="0" y="395207"/>
+            <a:ext cx="9144000" cy="5950424"/>
+          </a:xfrm>
+          <a:prstGeom prst="rect">
+            <a:avLst/>
+          </a:prstGeom>
+        </p:spPr>
+      </p:pic>
+    </p:spTree>
+    <p:extLst>
+      <p:ext uri="{BB962C8B-B14F-4D97-AF65-F5344CB8AC3E}">
+        <p14:creationId xmlns:p14="http://schemas.microsoft.com/office/powerpoint/2010/main" val="1436860108"/>
+      </p:ext>
+    </p:extLst>
+  </p:cSld>
+  <p:clrMapOvr>
+    <a:masterClrMapping/>
+  </p:clrMapOvr>
+</p:sld>
+</file>
+
+<file path=ppt/slides/slide18.xml><?xml version="1.0" encoding="utf-8"?>
+<p:sld xmlns:a="http://schemas.openxmlformats.org/drawingml/2006/main" xmlns:r="http://schemas.openxmlformats.org/officeDocument/2006/relationships" xmlns:p="http://schemas.openxmlformats.org/presentationml/2006/main">
+  <p:cSld>
+    <p:spTree>
+      <p:nvGrpSpPr>
+        <p:cNvPr id="1" name=""/>
+        <p:cNvGrpSpPr/>
+        <p:nvPr/>
+      </p:nvGrpSpPr>
+      <p:grpSpPr>
+        <a:xfrm>
+          <a:off x="0" y="0"/>
+          <a:ext cx="0" cy="0"/>
+          <a:chOff x="0" y="0"/>
+          <a:chExt cx="0" cy="0"/>
+        </a:xfrm>
+      </p:grpSpPr>
+      <p:pic>
+        <p:nvPicPr>
+          <p:cNvPr id="3" name="Picture 2">
+            <a:extLst>
+              <a:ext uri="{FF2B5EF4-FFF2-40B4-BE49-F238E27FC236}">
+                <a16:creationId xmlns:a16="http://schemas.microsoft.com/office/drawing/2014/main" id="{D8581A2E-9304-4139-86FA-D22F641E2D61}"/>
+              </a:ext>
+            </a:extLst>
+          </p:cNvPr>
+          <p:cNvPicPr>
+            <a:picLocks noChangeAspect="1"/>
+          </p:cNvPicPr>
+          <p:nvPr/>
+        </p:nvPicPr>
+        <p:blipFill rotWithShape="1">
+          <a:blip r:embed="rId2"/>
+          <a:srcRect l="1126" t="7828" r="2544"/>
+          <a:stretch/>
+        </p:blipFill>
+        <p:spPr>
+          <a:xfrm>
+            <a:off x="507345" y="536840"/>
+            <a:ext cx="8011324" cy="6321159"/>
+          </a:xfrm>
+          <a:prstGeom prst="rect">
+            <a:avLst/>
+          </a:prstGeom>
+        </p:spPr>
+      </p:pic>
+    </p:spTree>
+    <p:extLst>
+      <p:ext uri="{BB962C8B-B14F-4D97-AF65-F5344CB8AC3E}">
+        <p14:creationId xmlns:p14="http://schemas.microsoft.com/office/powerpoint/2010/main" val="3895134023"/>
+      </p:ext>
+    </p:extLst>
+  </p:cSld>
+  <p:clrMapOvr>
+    <a:masterClrMapping/>
+  </p:clrMapOvr>
+</p:sld>
+</file>
+
+<file path=ppt/slides/slide19.xml><?xml version="1.0" encoding="utf-8"?>
+<p:sld xmlns:a="http://schemas.openxmlformats.org/drawingml/2006/main" xmlns:r="http://schemas.openxmlformats.org/officeDocument/2006/relationships" xmlns:p="http://schemas.openxmlformats.org/presentationml/2006/main">
+  <p:cSld>
+    <p:spTree>
+      <p:nvGrpSpPr>
+        <p:cNvPr id="1" name=""/>
+        <p:cNvGrpSpPr/>
+        <p:nvPr/>
+      </p:nvGrpSpPr>
+      <p:grpSpPr>
+        <a:xfrm>
+          <a:off x="0" y="0"/>
+          <a:ext cx="0" cy="0"/>
+          <a:chOff x="0" y="0"/>
+          <a:chExt cx="0" cy="0"/>
+        </a:xfrm>
+      </p:grpSpPr>
+      <p:pic>
+        <p:nvPicPr>
+          <p:cNvPr id="3" name="Picture 2">
+            <a:extLst>
+              <a:ext uri="{FF2B5EF4-FFF2-40B4-BE49-F238E27FC236}">
+                <a16:creationId xmlns:a16="http://schemas.microsoft.com/office/drawing/2014/main" id="{6F77CB16-E266-4E16-A679-02072416E657}"/>
+              </a:ext>
+            </a:extLst>
+          </p:cNvPr>
+          <p:cNvPicPr>
+            <a:picLocks noChangeAspect="1"/>
+          </p:cNvPicPr>
+          <p:nvPr/>
+        </p:nvPicPr>
+        <p:blipFill>
+          <a:blip r:embed="rId2"/>
+          <a:stretch>
+            <a:fillRect/>
+          </a:stretch>
+        </p:blipFill>
+        <p:spPr>
+          <a:xfrm>
+            <a:off x="0" y="453788"/>
+            <a:ext cx="9144000" cy="5950424"/>
+          </a:xfrm>
+          <a:prstGeom prst="rect">
+            <a:avLst/>
+          </a:prstGeom>
+        </p:spPr>
+      </p:pic>
+    </p:spTree>
+    <p:extLst>
+      <p:ext uri="{BB962C8B-B14F-4D97-AF65-F5344CB8AC3E}">
+        <p14:creationId xmlns:p14="http://schemas.microsoft.com/office/powerpoint/2010/main" val="1778657780"/>
+      </p:ext>
+    </p:extLst>
+  </p:cSld>
+  <p:clrMapOvr>
+    <a:masterClrMapping/>
+  </p:clrMapOvr>
+</p:sld>
+</file>
+
+<file path=ppt/slides/slide2.xml><?xml version="1.0" encoding="utf-8"?>
+<p:sld xmlns:a="http://schemas.openxmlformats.org/drawingml/2006/main" xmlns:r="http://schemas.openxmlformats.org/officeDocument/2006/relationships" xmlns:p="http://schemas.openxmlformats.org/presentationml/2006/main">
+  <p:cSld>
+    <p:spTree>
+      <p:nvGrpSpPr>
+        <p:cNvPr id="1" name=""/>
+        <p:cNvGrpSpPr/>
+        <p:nvPr/>
+      </p:nvGrpSpPr>
+      <p:grpSpPr>
+        <a:xfrm>
+          <a:off x="0" y="0"/>
+          <a:ext cx="0" cy="0"/>
+          <a:chOff x="0" y="0"/>
+          <a:chExt cx="0" cy="0"/>
+        </a:xfrm>
+      </p:grpSpPr>
+      <p:pic>
+        <p:nvPicPr>
+          <p:cNvPr id="10" name="Picture 9">
+            <a:extLst>
+              <a:ext uri="{FF2B5EF4-FFF2-40B4-BE49-F238E27FC236}">
+                <a16:creationId xmlns:a16="http://schemas.microsoft.com/office/drawing/2014/main" id="{F389A56A-201A-4429-BCDE-29A368CD70BD}"/>
+              </a:ext>
+            </a:extLst>
+          </p:cNvPr>
+          <p:cNvPicPr>
+            <a:picLocks noChangeAspect="1"/>
+          </p:cNvPicPr>
+          <p:nvPr/>
+        </p:nvPicPr>
+        <p:blipFill rotWithShape="1">
+          <a:blip r:embed="rId2"/>
+          <a:srcRect l="1162" t="18633" r="28710" b="10145"/>
+          <a:stretch/>
+        </p:blipFill>
+        <p:spPr>
+          <a:xfrm>
+            <a:off x="690224" y="580843"/>
+            <a:ext cx="7547016" cy="2825791"/>
+          </a:xfrm>
+          <a:prstGeom prst="rect">
+            <a:avLst/>
+          </a:prstGeom>
+        </p:spPr>
+      </p:pic>
+      <p:sp>
+        <p:nvSpPr>
+          <p:cNvPr id="3" name="Oval 2">
+            <a:extLst>
+              <a:ext uri="{FF2B5EF4-FFF2-40B4-BE49-F238E27FC236}">
+                <a16:creationId xmlns:a16="http://schemas.microsoft.com/office/drawing/2014/main" id="{9ED78200-51B7-499E-8907-31DCA3D7A7F8}"/>
+              </a:ext>
+            </a:extLst>
+          </p:cNvPr>
+          <p:cNvSpPr/>
+          <p:nvPr/>
+        </p:nvSpPr>
+        <p:spPr>
+          <a:xfrm>
+            <a:off x="5382246" y="2216257"/>
+            <a:ext cx="2080188" cy="426203"/>
+          </a:xfrm>
+          <a:prstGeom prst="ellipse">
+            <a:avLst/>
+          </a:prstGeom>
+          <a:noFill/>
+          <a:ln w="38100">
+            <a:solidFill>
+              <a:srgbClr val="C00000"/>
+            </a:solidFill>
+          </a:ln>
+        </p:spPr>
+        <p:style>
+          <a:lnRef idx="2">
+            <a:schemeClr val="accent1">
+              <a:shade val="50000"/>
+            </a:schemeClr>
+          </a:lnRef>
+          <a:fillRef idx="1">
+            <a:schemeClr val="accent1"/>
+          </a:fillRef>
+          <a:effectRef idx="0">
+            <a:schemeClr val="accent1"/>
+          </a:effectRef>
+          <a:fontRef idx="minor">
+            <a:schemeClr val="lt1"/>
+          </a:fontRef>
+        </p:style>
+        <p:txBody>
+          <a:bodyPr rtlCol="0" anchor="ctr"/>
+          <a:lstStyle/>
+          <a:p>
+            <a:pPr algn="ctr"/>
+            <a:endParaRPr lang="en-SG"/>
+          </a:p>
+        </p:txBody>
+      </p:sp>
+      <p:sp>
+        <p:nvSpPr>
+          <p:cNvPr id="4" name="TextBox 3">
+            <a:extLst>
+              <a:ext uri="{FF2B5EF4-FFF2-40B4-BE49-F238E27FC236}">
+                <a16:creationId xmlns:a16="http://schemas.microsoft.com/office/drawing/2014/main" id="{87925D5D-7096-42FC-9383-32A60DDDFF08}"/>
+              </a:ext>
+            </a:extLst>
+          </p:cNvPr>
+          <p:cNvSpPr txBox="1"/>
+          <p:nvPr/>
+        </p:nvSpPr>
+        <p:spPr>
+          <a:xfrm>
+            <a:off x="615080" y="3242436"/>
+            <a:ext cx="4082348" cy="923330"/>
+          </a:xfrm>
+          <a:prstGeom prst="rect">
+            <a:avLst/>
+          </a:prstGeom>
+          <a:solidFill>
+            <a:schemeClr val="bg1"/>
+          </a:solidFill>
+          <a:ln w="38100">
+            <a:solidFill>
+              <a:srgbClr val="C00000"/>
+            </a:solidFill>
+          </a:ln>
+          <a:effectLst>
+            <a:outerShdw blurRad="50800" dist="254000" dir="2700000" algn="t" rotWithShape="0">
+              <a:prstClr val="black">
+                <a:alpha val="40000"/>
+              </a:prstClr>
+            </a:outerShdw>
+          </a:effectLst>
+        </p:spPr>
+        <p:txBody>
+          <a:bodyPr wrap="square" rtlCol="0">
+            <a:spAutoFit/>
+          </a:bodyPr>
+          <a:lstStyle/>
+          <a:p>
+            <a:r>
+              <a:rPr lang="en-SG" dirty="0"/>
+              <a:t>Example input spectra catalogs that you can download and then upload and analyse</a:t>
+            </a:r>
+          </a:p>
+        </p:txBody>
+      </p:sp>
+      <p:sp>
+        <p:nvSpPr>
+          <p:cNvPr id="6" name="TextBox 5">
+            <a:extLst>
+              <a:ext uri="{FF2B5EF4-FFF2-40B4-BE49-F238E27FC236}">
+                <a16:creationId xmlns:a16="http://schemas.microsoft.com/office/drawing/2014/main" id="{5CD0F0F2-B355-49CD-8261-789E681777DC}"/>
+              </a:ext>
+            </a:extLst>
+          </p:cNvPr>
+          <p:cNvSpPr txBox="1"/>
+          <p:nvPr/>
+        </p:nvSpPr>
+        <p:spPr>
+          <a:xfrm>
+            <a:off x="615080" y="1455890"/>
+            <a:ext cx="4082348" cy="1200329"/>
+          </a:xfrm>
+          <a:prstGeom prst="rect">
+            <a:avLst/>
+          </a:prstGeom>
+          <a:solidFill>
+            <a:schemeClr val="bg1"/>
+          </a:solidFill>
+          <a:ln w="38100">
+            <a:solidFill>
+              <a:srgbClr val="C00000"/>
+            </a:solidFill>
+          </a:ln>
+          <a:effectLst>
+            <a:outerShdw blurRad="50800" dist="254000" dir="2700000" algn="t" rotWithShape="0">
+              <a:prstClr val="black">
+                <a:alpha val="40000"/>
+              </a:prstClr>
+            </a:outerShdw>
+          </a:effectLst>
+        </p:spPr>
+        <p:txBody>
+          <a:bodyPr wrap="square" rtlCol="0">
+            <a:spAutoFit/>
+          </a:bodyPr>
+          <a:lstStyle/>
+          <a:p>
+            <a:r>
+              <a:rPr lang="en-SG" dirty="0"/>
+              <a:t>Pre-loaded example input spectra catalogs; SBS96, SBS192, DBS78, and ID are different kinds of mutations; each has its own catalog</a:t>
+            </a:r>
+          </a:p>
+        </p:txBody>
+      </p:sp>
+      <p:sp>
+        <p:nvSpPr>
+          <p:cNvPr id="7" name="Oval 6">
+            <a:extLst>
+              <a:ext uri="{FF2B5EF4-FFF2-40B4-BE49-F238E27FC236}">
+                <a16:creationId xmlns:a16="http://schemas.microsoft.com/office/drawing/2014/main" id="{46479989-9D4D-4023-A2DF-38BB41DCB3FE}"/>
+              </a:ext>
+            </a:extLst>
+          </p:cNvPr>
+          <p:cNvSpPr/>
+          <p:nvPr/>
+        </p:nvSpPr>
+        <p:spPr>
+          <a:xfrm>
+            <a:off x="5315879" y="1560171"/>
+            <a:ext cx="2588257" cy="646331"/>
+          </a:xfrm>
+          <a:prstGeom prst="ellipse">
+            <a:avLst/>
+          </a:prstGeom>
+          <a:noFill/>
+          <a:ln w="38100">
+            <a:solidFill>
+              <a:srgbClr val="C00000"/>
+            </a:solidFill>
+          </a:ln>
+        </p:spPr>
+        <p:style>
+          <a:lnRef idx="2">
+            <a:schemeClr val="accent1">
+              <a:shade val="50000"/>
+            </a:schemeClr>
+          </a:lnRef>
+          <a:fillRef idx="1">
+            <a:schemeClr val="accent1"/>
+          </a:fillRef>
+          <a:effectRef idx="0">
+            <a:schemeClr val="accent1"/>
+          </a:effectRef>
+          <a:fontRef idx="minor">
+            <a:schemeClr val="lt1"/>
+          </a:fontRef>
+        </p:style>
+        <p:txBody>
+          <a:bodyPr rtlCol="0" anchor="ctr"/>
+          <a:lstStyle/>
+          <a:p>
+            <a:pPr algn="ctr"/>
+            <a:endParaRPr lang="en-SG"/>
+          </a:p>
+        </p:txBody>
+      </p:sp>
+      <p:sp>
+        <p:nvSpPr>
+          <p:cNvPr id="8" name="Freeform: Shape 7">
+            <a:extLst>
+              <a:ext uri="{FF2B5EF4-FFF2-40B4-BE49-F238E27FC236}">
+                <a16:creationId xmlns:a16="http://schemas.microsoft.com/office/drawing/2014/main" id="{4C4AE0C6-2609-462F-9C70-8981CA0C2DE3}"/>
+              </a:ext>
+            </a:extLst>
+          </p:cNvPr>
+          <p:cNvSpPr/>
+          <p:nvPr/>
+        </p:nvSpPr>
+        <p:spPr>
+          <a:xfrm rot="20570935">
+            <a:off x="4566439" y="2549945"/>
+            <a:ext cx="924080" cy="749035"/>
+          </a:xfrm>
+          <a:custGeom>
+            <a:avLst/>
+            <a:gdLst>
+              <a:gd name="connsiteX0" fmla="*/ 0 w 631231"/>
+              <a:gd name="connsiteY0" fmla="*/ 305078 h 305078"/>
+              <a:gd name="connsiteX1" fmla="*/ 330364 w 631231"/>
+              <a:gd name="connsiteY1" fmla="*/ 33708 h 305078"/>
+              <a:gd name="connsiteX2" fmla="*/ 631231 w 631231"/>
+              <a:gd name="connsiteY2" fmla="*/ 4211 h 305078"/>
+              <a:gd name="connsiteX3" fmla="*/ 631231 w 631231"/>
+              <a:gd name="connsiteY3" fmla="*/ 4211 h 305078"/>
+              <a:gd name="connsiteX4" fmla="*/ 631231 w 631231"/>
+              <a:gd name="connsiteY4" fmla="*/ 4211 h 305078"/>
+            </a:gdLst>
+            <a:ahLst/>
+            <a:cxnLst>
+              <a:cxn ang="0">
+                <a:pos x="connsiteX0" y="connsiteY0"/>
+              </a:cxn>
+              <a:cxn ang="0">
+                <a:pos x="connsiteX1" y="connsiteY1"/>
+              </a:cxn>
+              <a:cxn ang="0">
+                <a:pos x="connsiteX2" y="connsiteY2"/>
+              </a:cxn>
+              <a:cxn ang="0">
+                <a:pos x="connsiteX3" y="connsiteY3"/>
+              </a:cxn>
+              <a:cxn ang="0">
+                <a:pos x="connsiteX4" y="connsiteY4"/>
+              </a:cxn>
+            </a:cxnLst>
+            <a:rect l="l" t="t" r="r" b="b"/>
+            <a:pathLst>
+              <a:path w="631231" h="305078">
+                <a:moveTo>
+                  <a:pt x="0" y="305078"/>
+                </a:moveTo>
+                <a:cubicBezTo>
+                  <a:pt x="112579" y="194465"/>
+                  <a:pt x="225159" y="83852"/>
+                  <a:pt x="330364" y="33708"/>
+                </a:cubicBezTo>
+                <a:cubicBezTo>
+                  <a:pt x="435569" y="-16437"/>
+                  <a:pt x="631231" y="4211"/>
+                  <a:pt x="631231" y="4211"/>
+                </a:cubicBezTo>
+                <a:lnTo>
+                  <a:pt x="631231" y="4211"/>
+                </a:lnTo>
+                <a:lnTo>
+                  <a:pt x="631231" y="4211"/>
+                </a:lnTo>
+              </a:path>
+            </a:pathLst>
+          </a:custGeom>
+          <a:noFill/>
+          <a:ln w="38100">
+            <a:solidFill>
+              <a:srgbClr val="C00000"/>
+            </a:solidFill>
+            <a:headEnd type="none" w="med" len="med"/>
+            <a:tailEnd type="arrow" w="med" len="med"/>
+          </a:ln>
+        </p:spPr>
+        <p:style>
+          <a:lnRef idx="2">
+            <a:schemeClr val="accent1">
+              <a:shade val="50000"/>
+            </a:schemeClr>
+          </a:lnRef>
+          <a:fillRef idx="1">
+            <a:schemeClr val="accent1"/>
+          </a:fillRef>
+          <a:effectRef idx="0">
+            <a:schemeClr val="accent1"/>
+          </a:effectRef>
+          <a:fontRef idx="minor">
+            <a:schemeClr val="lt1"/>
+          </a:fontRef>
+        </p:style>
+        <p:txBody>
+          <a:bodyPr rtlCol="0" anchor="ctr"/>
+          <a:lstStyle/>
+          <a:p>
+            <a:pPr algn="ctr"/>
+            <a:endParaRPr lang="en-SG"/>
+          </a:p>
+        </p:txBody>
+      </p:sp>
+      <p:sp>
+        <p:nvSpPr>
+          <p:cNvPr id="9" name="Freeform: Shape 8">
+            <a:extLst>
+              <a:ext uri="{FF2B5EF4-FFF2-40B4-BE49-F238E27FC236}">
+                <a16:creationId xmlns:a16="http://schemas.microsoft.com/office/drawing/2014/main" id="{84A436B5-F743-4D90-8E66-FE22E107248C}"/>
+              </a:ext>
+            </a:extLst>
+          </p:cNvPr>
+          <p:cNvSpPr/>
+          <p:nvPr/>
+        </p:nvSpPr>
+        <p:spPr>
+          <a:xfrm>
+            <a:off x="4684648" y="1866540"/>
+            <a:ext cx="631231" cy="305078"/>
+          </a:xfrm>
+          <a:custGeom>
+            <a:avLst/>
+            <a:gdLst>
+              <a:gd name="connsiteX0" fmla="*/ 0 w 631231"/>
+              <a:gd name="connsiteY0" fmla="*/ 305078 h 305078"/>
+              <a:gd name="connsiteX1" fmla="*/ 330364 w 631231"/>
+              <a:gd name="connsiteY1" fmla="*/ 33708 h 305078"/>
+              <a:gd name="connsiteX2" fmla="*/ 631231 w 631231"/>
+              <a:gd name="connsiteY2" fmla="*/ 4211 h 305078"/>
+              <a:gd name="connsiteX3" fmla="*/ 631231 w 631231"/>
+              <a:gd name="connsiteY3" fmla="*/ 4211 h 305078"/>
+              <a:gd name="connsiteX4" fmla="*/ 631231 w 631231"/>
+              <a:gd name="connsiteY4" fmla="*/ 4211 h 305078"/>
+            </a:gdLst>
+            <a:ahLst/>
+            <a:cxnLst>
+              <a:cxn ang="0">
+                <a:pos x="connsiteX0" y="connsiteY0"/>
+              </a:cxn>
+              <a:cxn ang="0">
+                <a:pos x="connsiteX1" y="connsiteY1"/>
+              </a:cxn>
+              <a:cxn ang="0">
+                <a:pos x="connsiteX2" y="connsiteY2"/>
+              </a:cxn>
+              <a:cxn ang="0">
+                <a:pos x="connsiteX3" y="connsiteY3"/>
+              </a:cxn>
+              <a:cxn ang="0">
+                <a:pos x="connsiteX4" y="connsiteY4"/>
+              </a:cxn>
+            </a:cxnLst>
+            <a:rect l="l" t="t" r="r" b="b"/>
+            <a:pathLst>
+              <a:path w="631231" h="305078">
+                <a:moveTo>
+                  <a:pt x="0" y="305078"/>
+                </a:moveTo>
+                <a:cubicBezTo>
+                  <a:pt x="112579" y="194465"/>
+                  <a:pt x="225159" y="83852"/>
+                  <a:pt x="330364" y="33708"/>
+                </a:cubicBezTo>
+                <a:cubicBezTo>
+                  <a:pt x="435569" y="-16437"/>
+                  <a:pt x="631231" y="4211"/>
+                  <a:pt x="631231" y="4211"/>
+                </a:cubicBezTo>
+                <a:lnTo>
+                  <a:pt x="631231" y="4211"/>
+                </a:lnTo>
+                <a:lnTo>
+                  <a:pt x="631231" y="4211"/>
+                </a:lnTo>
+              </a:path>
+            </a:pathLst>
+          </a:custGeom>
+          <a:noFill/>
+          <a:ln w="38100">
+            <a:solidFill>
+              <a:srgbClr val="C00000"/>
+            </a:solidFill>
+            <a:headEnd type="none" w="med" len="med"/>
+            <a:tailEnd type="arrow" w="med" len="med"/>
+          </a:ln>
+        </p:spPr>
+        <p:style>
+          <a:lnRef idx="2">
+            <a:schemeClr val="accent1">
+              <a:shade val="50000"/>
+            </a:schemeClr>
+          </a:lnRef>
+          <a:fillRef idx="1">
+            <a:schemeClr val="accent1"/>
+          </a:fillRef>
+          <a:effectRef idx="0">
+            <a:schemeClr val="accent1"/>
+          </a:effectRef>
+          <a:fontRef idx="minor">
+            <a:schemeClr val="lt1"/>
+          </a:fontRef>
+        </p:style>
+        <p:txBody>
+          <a:bodyPr rtlCol="0" anchor="ctr"/>
+          <a:lstStyle/>
+          <a:p>
+            <a:pPr algn="ctr"/>
+            <a:endParaRPr lang="en-SG"/>
+          </a:p>
+        </p:txBody>
+      </p:sp>
     </p:spTree>
     <p:extLst>
       <p:ext uri="{BB962C8B-B14F-4D97-AF65-F5344CB8AC3E}">
         <p14:creationId xmlns:p14="http://schemas.microsoft.com/office/powerpoint/2010/main" val="2393889891"/>
+      </p:ext>
+    </p:extLst>
+  </p:cSld>
+  <p:clrMapOvr>
+    <a:masterClrMapping/>
+  </p:clrMapOvr>
+</p:sld>
+</file>
+
+<file path=ppt/slides/slide20.xml><?xml version="1.0" encoding="utf-8"?>
+<p:sld xmlns:a="http://schemas.openxmlformats.org/drawingml/2006/main" xmlns:r="http://schemas.openxmlformats.org/officeDocument/2006/relationships" xmlns:p="http://schemas.openxmlformats.org/presentationml/2006/main">
+  <p:cSld>
+    <p:spTree>
+      <p:nvGrpSpPr>
+        <p:cNvPr id="1" name=""/>
+        <p:cNvGrpSpPr/>
+        <p:nvPr/>
+      </p:nvGrpSpPr>
+      <p:grpSpPr>
+        <a:xfrm>
+          <a:off x="0" y="0"/>
+          <a:ext cx="0" cy="0"/>
+          <a:chOff x="0" y="0"/>
+          <a:chExt cx="0" cy="0"/>
+        </a:xfrm>
+      </p:grpSpPr>
+      <p:pic>
+        <p:nvPicPr>
+          <p:cNvPr id="3" name="Picture 2">
+            <a:extLst>
+              <a:ext uri="{FF2B5EF4-FFF2-40B4-BE49-F238E27FC236}">
+                <a16:creationId xmlns:a16="http://schemas.microsoft.com/office/drawing/2014/main" id="{A4672DEF-9A5C-40C8-A3E4-BD272A07C5E1}"/>
+              </a:ext>
+            </a:extLst>
+          </p:cNvPr>
+          <p:cNvPicPr>
+            <a:picLocks noChangeAspect="1"/>
+          </p:cNvPicPr>
+          <p:nvPr/>
+        </p:nvPicPr>
+        <p:blipFill>
+          <a:blip r:embed="rId2"/>
+          <a:stretch>
+            <a:fillRect/>
+          </a:stretch>
+        </p:blipFill>
+        <p:spPr>
+          <a:xfrm>
+            <a:off x="0" y="453788"/>
+            <a:ext cx="9144000" cy="5950424"/>
+          </a:xfrm>
+          <a:prstGeom prst="rect">
+            <a:avLst/>
+          </a:prstGeom>
+        </p:spPr>
+      </p:pic>
+    </p:spTree>
+    <p:extLst>
+      <p:ext uri="{BB962C8B-B14F-4D97-AF65-F5344CB8AC3E}">
+        <p14:creationId xmlns:p14="http://schemas.microsoft.com/office/powerpoint/2010/main" val="2192639158"/>
       </p:ext>
     </p:extLst>
   </p:cSld>
@@ -5150,7 +6232,7 @@
           <p:cNvPr id="3" name="Picture 2">
             <a:extLst>
               <a:ext uri="{FF2B5EF4-FFF2-40B4-BE49-F238E27FC236}">
-                <a16:creationId xmlns:a16="http://schemas.microsoft.com/office/drawing/2014/main" id="{110E49E3-6193-4089-BD2C-1411304F1257}"/>
+                <a16:creationId xmlns:a16="http://schemas.microsoft.com/office/drawing/2014/main" id="{9B9F0A0E-E4E6-4F1E-ACA9-75B09B85AA63}"/>
               </a:ext>
             </a:extLst>
           </p:cNvPr>
@@ -5161,23 +6243,240 @@
         </p:nvPicPr>
         <p:blipFill rotWithShape="1">
           <a:blip r:embed="rId2"/>
-          <a:srcRect l="1272" t="12690" r="2541" b="7480"/>
+          <a:srcRect l="968" t="12500" r="21355" b="23554"/>
           <a:stretch/>
         </p:blipFill>
         <p:spPr>
           <a:xfrm>
-            <a:off x="116237" y="1208868"/>
-            <a:ext cx="8795288" cy="4750230"/>
+            <a:off x="377559" y="200577"/>
+            <a:ext cx="7102824" cy="3805085"/>
           </a:xfrm>
           <a:prstGeom prst="rect">
             <a:avLst/>
           </a:prstGeom>
         </p:spPr>
       </p:pic>
+      <p:sp>
+        <p:nvSpPr>
+          <p:cNvPr id="4" name="Oval 3">
+            <a:extLst>
+              <a:ext uri="{FF2B5EF4-FFF2-40B4-BE49-F238E27FC236}">
+                <a16:creationId xmlns:a16="http://schemas.microsoft.com/office/drawing/2014/main" id="{554BE7B9-2E8B-441F-B4D7-0445D0D1B99B}"/>
+              </a:ext>
+            </a:extLst>
+          </p:cNvPr>
+          <p:cNvSpPr/>
+          <p:nvPr/>
+        </p:nvSpPr>
+        <p:spPr>
+          <a:xfrm>
+            <a:off x="442235" y="1337983"/>
+            <a:ext cx="3203566" cy="996561"/>
+          </a:xfrm>
+          <a:prstGeom prst="ellipse">
+            <a:avLst/>
+          </a:prstGeom>
+          <a:noFill/>
+          <a:ln w="38100">
+            <a:solidFill>
+              <a:srgbClr val="C00000"/>
+            </a:solidFill>
+          </a:ln>
+        </p:spPr>
+        <p:style>
+          <a:lnRef idx="2">
+            <a:schemeClr val="accent1">
+              <a:shade val="50000"/>
+            </a:schemeClr>
+          </a:lnRef>
+          <a:fillRef idx="1">
+            <a:schemeClr val="accent1"/>
+          </a:fillRef>
+          <a:effectRef idx="0">
+            <a:schemeClr val="accent1"/>
+          </a:effectRef>
+          <a:fontRef idx="minor">
+            <a:schemeClr val="lt1"/>
+          </a:fontRef>
+        </p:style>
+        <p:txBody>
+          <a:bodyPr rtlCol="0" anchor="ctr"/>
+          <a:lstStyle/>
+          <a:p>
+            <a:pPr algn="ctr"/>
+            <a:endParaRPr lang="en-SG"/>
+          </a:p>
+        </p:txBody>
+      </p:sp>
+      <p:sp>
+        <p:nvSpPr>
+          <p:cNvPr id="5" name="TextBox 4">
+            <a:extLst>
+              <a:ext uri="{FF2B5EF4-FFF2-40B4-BE49-F238E27FC236}">
+                <a16:creationId xmlns:a16="http://schemas.microsoft.com/office/drawing/2014/main" id="{28F456AC-ECCE-4678-BE4A-F4D4E156323D}"/>
+              </a:ext>
+            </a:extLst>
+          </p:cNvPr>
+          <p:cNvSpPr txBox="1"/>
+          <p:nvPr/>
+        </p:nvSpPr>
+        <p:spPr>
+          <a:xfrm>
+            <a:off x="3455576" y="2629787"/>
+            <a:ext cx="4436310" cy="646331"/>
+          </a:xfrm>
+          <a:prstGeom prst="rect">
+            <a:avLst/>
+          </a:prstGeom>
+          <a:solidFill>
+            <a:schemeClr val="bg1"/>
+          </a:solidFill>
+          <a:ln w="38100">
+            <a:solidFill>
+              <a:srgbClr val="C00000"/>
+            </a:solidFill>
+          </a:ln>
+          <a:effectLst>
+            <a:outerShdw blurRad="50800" dist="254000" dir="2700000" algn="t" rotWithShape="0">
+              <a:prstClr val="black">
+                <a:alpha val="40000"/>
+              </a:prstClr>
+            </a:outerShdw>
+          </a:effectLst>
+        </p:spPr>
+        <p:txBody>
+          <a:bodyPr wrap="square" rtlCol="0">
+            <a:spAutoFit/>
+          </a:bodyPr>
+          <a:lstStyle/>
+          <a:p>
+            <a:r>
+              <a:rPr lang="en-SG" dirty="0"/>
+              <a:t>You have to select a cancer type, in this case “Lung-</a:t>
+            </a:r>
+            <a:r>
+              <a:rPr lang="en-SG" dirty="0" err="1"/>
+              <a:t>AdenoCA</a:t>
+            </a:r>
+            <a:r>
+              <a:rPr lang="en-SG" dirty="0"/>
+              <a:t>” (lung adenocarcinoma)</a:t>
+            </a:r>
+          </a:p>
+        </p:txBody>
+      </p:sp>
+      <p:sp>
+        <p:nvSpPr>
+          <p:cNvPr id="6" name="Freeform: Shape 5">
+            <a:extLst>
+              <a:ext uri="{FF2B5EF4-FFF2-40B4-BE49-F238E27FC236}">
+                <a16:creationId xmlns:a16="http://schemas.microsoft.com/office/drawing/2014/main" id="{0D7222B4-9F7C-4440-ACFA-73574252AC4C}"/>
+              </a:ext>
+            </a:extLst>
+          </p:cNvPr>
+          <p:cNvSpPr/>
+          <p:nvPr/>
+        </p:nvSpPr>
+        <p:spPr>
+          <a:xfrm flipH="1">
+            <a:off x="3710476" y="1836263"/>
+            <a:ext cx="631231" cy="729956"/>
+          </a:xfrm>
+          <a:custGeom>
+            <a:avLst/>
+            <a:gdLst>
+              <a:gd name="connsiteX0" fmla="*/ 0 w 631231"/>
+              <a:gd name="connsiteY0" fmla="*/ 305078 h 305078"/>
+              <a:gd name="connsiteX1" fmla="*/ 330364 w 631231"/>
+              <a:gd name="connsiteY1" fmla="*/ 33708 h 305078"/>
+              <a:gd name="connsiteX2" fmla="*/ 631231 w 631231"/>
+              <a:gd name="connsiteY2" fmla="*/ 4211 h 305078"/>
+              <a:gd name="connsiteX3" fmla="*/ 631231 w 631231"/>
+              <a:gd name="connsiteY3" fmla="*/ 4211 h 305078"/>
+              <a:gd name="connsiteX4" fmla="*/ 631231 w 631231"/>
+              <a:gd name="connsiteY4" fmla="*/ 4211 h 305078"/>
+            </a:gdLst>
+            <a:ahLst/>
+            <a:cxnLst>
+              <a:cxn ang="0">
+                <a:pos x="connsiteX0" y="connsiteY0"/>
+              </a:cxn>
+              <a:cxn ang="0">
+                <a:pos x="connsiteX1" y="connsiteY1"/>
+              </a:cxn>
+              <a:cxn ang="0">
+                <a:pos x="connsiteX2" y="connsiteY2"/>
+              </a:cxn>
+              <a:cxn ang="0">
+                <a:pos x="connsiteX3" y="connsiteY3"/>
+              </a:cxn>
+              <a:cxn ang="0">
+                <a:pos x="connsiteX4" y="connsiteY4"/>
+              </a:cxn>
+            </a:cxnLst>
+            <a:rect l="l" t="t" r="r" b="b"/>
+            <a:pathLst>
+              <a:path w="631231" h="305078">
+                <a:moveTo>
+                  <a:pt x="0" y="305078"/>
+                </a:moveTo>
+                <a:cubicBezTo>
+                  <a:pt x="112579" y="194465"/>
+                  <a:pt x="225159" y="83852"/>
+                  <a:pt x="330364" y="33708"/>
+                </a:cubicBezTo>
+                <a:cubicBezTo>
+                  <a:pt x="435569" y="-16437"/>
+                  <a:pt x="631231" y="4211"/>
+                  <a:pt x="631231" y="4211"/>
+                </a:cubicBezTo>
+                <a:lnTo>
+                  <a:pt x="631231" y="4211"/>
+                </a:lnTo>
+                <a:lnTo>
+                  <a:pt x="631231" y="4211"/>
+                </a:lnTo>
+              </a:path>
+            </a:pathLst>
+          </a:custGeom>
+          <a:noFill/>
+          <a:ln w="38100">
+            <a:solidFill>
+              <a:srgbClr val="C00000"/>
+            </a:solidFill>
+            <a:headEnd type="none" w="med" len="med"/>
+            <a:tailEnd type="arrow" w="med" len="med"/>
+          </a:ln>
+        </p:spPr>
+        <p:style>
+          <a:lnRef idx="2">
+            <a:schemeClr val="accent1">
+              <a:shade val="50000"/>
+            </a:schemeClr>
+          </a:lnRef>
+          <a:fillRef idx="1">
+            <a:schemeClr val="accent1"/>
+          </a:fillRef>
+          <a:effectRef idx="0">
+            <a:schemeClr val="accent1"/>
+          </a:effectRef>
+          <a:fontRef idx="minor">
+            <a:schemeClr val="lt1"/>
+          </a:fontRef>
+        </p:style>
+        <p:txBody>
+          <a:bodyPr rtlCol="0" anchor="ctr"/>
+          <a:lstStyle/>
+          <a:p>
+            <a:pPr algn="ctr"/>
+            <a:endParaRPr lang="en-SG"/>
+          </a:p>
+        </p:txBody>
+      </p:sp>
     </p:spTree>
     <p:extLst>
       <p:ext uri="{BB962C8B-B14F-4D97-AF65-F5344CB8AC3E}">
-        <p14:creationId xmlns:p14="http://schemas.microsoft.com/office/powerpoint/2010/main" val="217748407"/>
+        <p14:creationId xmlns:p14="http://schemas.microsoft.com/office/powerpoint/2010/main" val="2609636521"/>
       </p:ext>
     </p:extLst>
   </p:cSld>
@@ -5209,7 +6508,7 @@
           <p:cNvPr id="3" name="Picture 2">
             <a:extLst>
               <a:ext uri="{FF2B5EF4-FFF2-40B4-BE49-F238E27FC236}">
-                <a16:creationId xmlns:a16="http://schemas.microsoft.com/office/drawing/2014/main" id="{9B9F0A0E-E4E6-4F1E-ACA9-75B09B85AA63}"/>
+                <a16:creationId xmlns:a16="http://schemas.microsoft.com/office/drawing/2014/main" id="{6225C0D6-85E4-4A7A-BB89-53978B90247C}"/>
               </a:ext>
             </a:extLst>
           </p:cNvPr>
@@ -5218,26 +6517,394 @@
           </p:cNvPicPr>
           <p:nvPr/>
         </p:nvPicPr>
-        <p:blipFill>
+        <p:blipFill rotWithShape="1">
           <a:blip r:embed="rId2"/>
-          <a:stretch>
-            <a:fillRect/>
-          </a:stretch>
+          <a:srcRect l="1101" t="12818" r="2797" b="7351"/>
+          <a:stretch/>
         </p:blipFill>
         <p:spPr>
           <a:xfrm>
-            <a:off x="0" y="453788"/>
-            <a:ext cx="9144000" cy="5950424"/>
+            <a:off x="230524" y="266820"/>
+            <a:ext cx="8787540" cy="4750231"/>
           </a:xfrm>
           <a:prstGeom prst="rect">
             <a:avLst/>
           </a:prstGeom>
         </p:spPr>
       </p:pic>
+      <p:sp>
+        <p:nvSpPr>
+          <p:cNvPr id="4" name="Oval 3">
+            <a:extLst>
+              <a:ext uri="{FF2B5EF4-FFF2-40B4-BE49-F238E27FC236}">
+                <a16:creationId xmlns:a16="http://schemas.microsoft.com/office/drawing/2014/main" id="{7A77647C-74F0-4672-BF0C-05790E4FA3FA}"/>
+              </a:ext>
+            </a:extLst>
+          </p:cNvPr>
+          <p:cNvSpPr/>
+          <p:nvPr/>
+        </p:nvSpPr>
+        <p:spPr>
+          <a:xfrm>
+            <a:off x="442235" y="1337983"/>
+            <a:ext cx="3203566" cy="996561"/>
+          </a:xfrm>
+          <a:prstGeom prst="ellipse">
+            <a:avLst/>
+          </a:prstGeom>
+          <a:noFill/>
+          <a:ln w="38100">
+            <a:solidFill>
+              <a:srgbClr val="C00000"/>
+            </a:solidFill>
+          </a:ln>
+        </p:spPr>
+        <p:style>
+          <a:lnRef idx="2">
+            <a:schemeClr val="accent1">
+              <a:shade val="50000"/>
+            </a:schemeClr>
+          </a:lnRef>
+          <a:fillRef idx="1">
+            <a:schemeClr val="accent1"/>
+          </a:fillRef>
+          <a:effectRef idx="0">
+            <a:schemeClr val="accent1"/>
+          </a:effectRef>
+          <a:fontRef idx="minor">
+            <a:schemeClr val="lt1"/>
+          </a:fontRef>
+        </p:style>
+        <p:txBody>
+          <a:bodyPr rtlCol="0" anchor="ctr"/>
+          <a:lstStyle/>
+          <a:p>
+            <a:pPr algn="ctr"/>
+            <a:endParaRPr lang="en-SG"/>
+          </a:p>
+        </p:txBody>
+      </p:sp>
+      <p:sp>
+        <p:nvSpPr>
+          <p:cNvPr id="5" name="TextBox 4">
+            <a:extLst>
+              <a:ext uri="{FF2B5EF4-FFF2-40B4-BE49-F238E27FC236}">
+                <a16:creationId xmlns:a16="http://schemas.microsoft.com/office/drawing/2014/main" id="{6CF93D96-23D0-45D2-8579-AA0141AC0AEA}"/>
+              </a:ext>
+            </a:extLst>
+          </p:cNvPr>
+          <p:cNvSpPr txBox="1"/>
+          <p:nvPr/>
+        </p:nvSpPr>
+        <p:spPr>
+          <a:xfrm>
+            <a:off x="3827232" y="2588494"/>
+            <a:ext cx="4436310" cy="1754326"/>
+          </a:xfrm>
+          <a:prstGeom prst="rect">
+            <a:avLst/>
+          </a:prstGeom>
+          <a:solidFill>
+            <a:schemeClr val="bg1"/>
+          </a:solidFill>
+          <a:ln w="38100">
+            <a:solidFill>
+              <a:srgbClr val="C00000"/>
+            </a:solidFill>
+          </a:ln>
+          <a:effectLst>
+            <a:outerShdw blurRad="50800" dist="254000" dir="2700000" algn="t" rotWithShape="0">
+              <a:prstClr val="black">
+                <a:alpha val="40000"/>
+              </a:prstClr>
+            </a:outerShdw>
+          </a:effectLst>
+        </p:spPr>
+        <p:txBody>
+          <a:bodyPr wrap="square" rtlCol="0">
+            <a:spAutoFit/>
+          </a:bodyPr>
+          <a:lstStyle/>
+          <a:p>
+            <a:r>
+              <a:rPr lang="en-SG" dirty="0"/>
+              <a:t>After you select the cancer type, mSigAct will suggest the mutational signatures previously observed in that cancer type. You can remove some signatures by editing the list or click on “Add more signatures” to add signatures to the analysis.</a:t>
+            </a:r>
+          </a:p>
+        </p:txBody>
+      </p:sp>
+      <p:sp>
+        <p:nvSpPr>
+          <p:cNvPr id="6" name="Freeform: Shape 5">
+            <a:extLst>
+              <a:ext uri="{FF2B5EF4-FFF2-40B4-BE49-F238E27FC236}">
+                <a16:creationId xmlns:a16="http://schemas.microsoft.com/office/drawing/2014/main" id="{58F51A56-9F0A-4CE0-B242-FA9520778E42}"/>
+              </a:ext>
+            </a:extLst>
+          </p:cNvPr>
+          <p:cNvSpPr/>
+          <p:nvPr/>
+        </p:nvSpPr>
+        <p:spPr>
+          <a:xfrm flipH="1">
+            <a:off x="3710476" y="1836263"/>
+            <a:ext cx="631231" cy="729956"/>
+          </a:xfrm>
+          <a:custGeom>
+            <a:avLst/>
+            <a:gdLst>
+              <a:gd name="connsiteX0" fmla="*/ 0 w 631231"/>
+              <a:gd name="connsiteY0" fmla="*/ 305078 h 305078"/>
+              <a:gd name="connsiteX1" fmla="*/ 330364 w 631231"/>
+              <a:gd name="connsiteY1" fmla="*/ 33708 h 305078"/>
+              <a:gd name="connsiteX2" fmla="*/ 631231 w 631231"/>
+              <a:gd name="connsiteY2" fmla="*/ 4211 h 305078"/>
+              <a:gd name="connsiteX3" fmla="*/ 631231 w 631231"/>
+              <a:gd name="connsiteY3" fmla="*/ 4211 h 305078"/>
+              <a:gd name="connsiteX4" fmla="*/ 631231 w 631231"/>
+              <a:gd name="connsiteY4" fmla="*/ 4211 h 305078"/>
+            </a:gdLst>
+            <a:ahLst/>
+            <a:cxnLst>
+              <a:cxn ang="0">
+                <a:pos x="connsiteX0" y="connsiteY0"/>
+              </a:cxn>
+              <a:cxn ang="0">
+                <a:pos x="connsiteX1" y="connsiteY1"/>
+              </a:cxn>
+              <a:cxn ang="0">
+                <a:pos x="connsiteX2" y="connsiteY2"/>
+              </a:cxn>
+              <a:cxn ang="0">
+                <a:pos x="connsiteX3" y="connsiteY3"/>
+              </a:cxn>
+              <a:cxn ang="0">
+                <a:pos x="connsiteX4" y="connsiteY4"/>
+              </a:cxn>
+            </a:cxnLst>
+            <a:rect l="l" t="t" r="r" b="b"/>
+            <a:pathLst>
+              <a:path w="631231" h="305078">
+                <a:moveTo>
+                  <a:pt x="0" y="305078"/>
+                </a:moveTo>
+                <a:cubicBezTo>
+                  <a:pt x="112579" y="194465"/>
+                  <a:pt x="225159" y="83852"/>
+                  <a:pt x="330364" y="33708"/>
+                </a:cubicBezTo>
+                <a:cubicBezTo>
+                  <a:pt x="435569" y="-16437"/>
+                  <a:pt x="631231" y="4211"/>
+                  <a:pt x="631231" y="4211"/>
+                </a:cubicBezTo>
+                <a:lnTo>
+                  <a:pt x="631231" y="4211"/>
+                </a:lnTo>
+                <a:lnTo>
+                  <a:pt x="631231" y="4211"/>
+                </a:lnTo>
+              </a:path>
+            </a:pathLst>
+          </a:custGeom>
+          <a:noFill/>
+          <a:ln w="38100">
+            <a:solidFill>
+              <a:srgbClr val="C00000"/>
+            </a:solidFill>
+            <a:headEnd type="none" w="med" len="med"/>
+            <a:tailEnd type="arrow" w="med" len="med"/>
+          </a:ln>
+        </p:spPr>
+        <p:style>
+          <a:lnRef idx="2">
+            <a:schemeClr val="accent1">
+              <a:shade val="50000"/>
+            </a:schemeClr>
+          </a:lnRef>
+          <a:fillRef idx="1">
+            <a:schemeClr val="accent1"/>
+          </a:fillRef>
+          <a:effectRef idx="0">
+            <a:schemeClr val="accent1"/>
+          </a:effectRef>
+          <a:fontRef idx="minor">
+            <a:schemeClr val="lt1"/>
+          </a:fontRef>
+        </p:style>
+        <p:txBody>
+          <a:bodyPr rtlCol="0" anchor="ctr"/>
+          <a:lstStyle/>
+          <a:p>
+            <a:pPr algn="ctr"/>
+            <a:endParaRPr lang="en-SG"/>
+          </a:p>
+        </p:txBody>
+      </p:sp>
+      <p:sp>
+        <p:nvSpPr>
+          <p:cNvPr id="7" name="Oval 6">
+            <a:extLst>
+              <a:ext uri="{FF2B5EF4-FFF2-40B4-BE49-F238E27FC236}">
+                <a16:creationId xmlns:a16="http://schemas.microsoft.com/office/drawing/2014/main" id="{79755865-F080-4114-8F54-738509C94346}"/>
+              </a:ext>
+            </a:extLst>
+          </p:cNvPr>
+          <p:cNvSpPr/>
+          <p:nvPr/>
+        </p:nvSpPr>
+        <p:spPr>
+          <a:xfrm>
+            <a:off x="0" y="2432439"/>
+            <a:ext cx="3203566" cy="996561"/>
+          </a:xfrm>
+          <a:prstGeom prst="ellipse">
+            <a:avLst/>
+          </a:prstGeom>
+          <a:noFill/>
+          <a:ln w="38100">
+            <a:solidFill>
+              <a:srgbClr val="C00000"/>
+            </a:solidFill>
+          </a:ln>
+        </p:spPr>
+        <p:style>
+          <a:lnRef idx="2">
+            <a:schemeClr val="accent1">
+              <a:shade val="50000"/>
+            </a:schemeClr>
+          </a:lnRef>
+          <a:fillRef idx="1">
+            <a:schemeClr val="accent1"/>
+          </a:fillRef>
+          <a:effectRef idx="0">
+            <a:schemeClr val="accent1"/>
+          </a:effectRef>
+          <a:fontRef idx="minor">
+            <a:schemeClr val="lt1"/>
+          </a:fontRef>
+        </p:style>
+        <p:txBody>
+          <a:bodyPr rtlCol="0" anchor="ctr"/>
+          <a:lstStyle/>
+          <a:p>
+            <a:pPr algn="ctr"/>
+            <a:endParaRPr lang="en-SG"/>
+          </a:p>
+        </p:txBody>
+      </p:sp>
+      <p:sp>
+        <p:nvSpPr>
+          <p:cNvPr id="8" name="Freeform: Shape 7">
+            <a:extLst>
+              <a:ext uri="{FF2B5EF4-FFF2-40B4-BE49-F238E27FC236}">
+                <a16:creationId xmlns:a16="http://schemas.microsoft.com/office/drawing/2014/main" id="{884FDE50-D323-412C-9F32-20398884DBFD}"/>
+              </a:ext>
+            </a:extLst>
+          </p:cNvPr>
+          <p:cNvSpPr/>
+          <p:nvPr/>
+        </p:nvSpPr>
+        <p:spPr>
+          <a:xfrm flipH="1">
+            <a:off x="3208053" y="2896579"/>
+            <a:ext cx="631231" cy="152400"/>
+          </a:xfrm>
+          <a:custGeom>
+            <a:avLst/>
+            <a:gdLst>
+              <a:gd name="connsiteX0" fmla="*/ 0 w 631231"/>
+              <a:gd name="connsiteY0" fmla="*/ 305078 h 305078"/>
+              <a:gd name="connsiteX1" fmla="*/ 330364 w 631231"/>
+              <a:gd name="connsiteY1" fmla="*/ 33708 h 305078"/>
+              <a:gd name="connsiteX2" fmla="*/ 631231 w 631231"/>
+              <a:gd name="connsiteY2" fmla="*/ 4211 h 305078"/>
+              <a:gd name="connsiteX3" fmla="*/ 631231 w 631231"/>
+              <a:gd name="connsiteY3" fmla="*/ 4211 h 305078"/>
+              <a:gd name="connsiteX4" fmla="*/ 631231 w 631231"/>
+              <a:gd name="connsiteY4" fmla="*/ 4211 h 305078"/>
+            </a:gdLst>
+            <a:ahLst/>
+            <a:cxnLst>
+              <a:cxn ang="0">
+                <a:pos x="connsiteX0" y="connsiteY0"/>
+              </a:cxn>
+              <a:cxn ang="0">
+                <a:pos x="connsiteX1" y="connsiteY1"/>
+              </a:cxn>
+              <a:cxn ang="0">
+                <a:pos x="connsiteX2" y="connsiteY2"/>
+              </a:cxn>
+              <a:cxn ang="0">
+                <a:pos x="connsiteX3" y="connsiteY3"/>
+              </a:cxn>
+              <a:cxn ang="0">
+                <a:pos x="connsiteX4" y="connsiteY4"/>
+              </a:cxn>
+            </a:cxnLst>
+            <a:rect l="l" t="t" r="r" b="b"/>
+            <a:pathLst>
+              <a:path w="631231" h="305078">
+                <a:moveTo>
+                  <a:pt x="0" y="305078"/>
+                </a:moveTo>
+                <a:cubicBezTo>
+                  <a:pt x="112579" y="194465"/>
+                  <a:pt x="225159" y="83852"/>
+                  <a:pt x="330364" y="33708"/>
+                </a:cubicBezTo>
+                <a:cubicBezTo>
+                  <a:pt x="435569" y="-16437"/>
+                  <a:pt x="631231" y="4211"/>
+                  <a:pt x="631231" y="4211"/>
+                </a:cubicBezTo>
+                <a:lnTo>
+                  <a:pt x="631231" y="4211"/>
+                </a:lnTo>
+                <a:lnTo>
+                  <a:pt x="631231" y="4211"/>
+                </a:lnTo>
+              </a:path>
+            </a:pathLst>
+          </a:custGeom>
+          <a:noFill/>
+          <a:ln w="38100">
+            <a:solidFill>
+              <a:srgbClr val="C00000"/>
+            </a:solidFill>
+            <a:headEnd type="none" w="med" len="med"/>
+            <a:tailEnd type="arrow" w="med" len="med"/>
+          </a:ln>
+        </p:spPr>
+        <p:style>
+          <a:lnRef idx="2">
+            <a:schemeClr val="accent1">
+              <a:shade val="50000"/>
+            </a:schemeClr>
+          </a:lnRef>
+          <a:fillRef idx="1">
+            <a:schemeClr val="accent1"/>
+          </a:fillRef>
+          <a:effectRef idx="0">
+            <a:schemeClr val="accent1"/>
+          </a:effectRef>
+          <a:fontRef idx="minor">
+            <a:schemeClr val="lt1"/>
+          </a:fontRef>
+        </p:style>
+        <p:txBody>
+          <a:bodyPr rtlCol="0" anchor="ctr"/>
+          <a:lstStyle/>
+          <a:p>
+            <a:pPr algn="ctr"/>
+            <a:endParaRPr lang="en-SG"/>
+          </a:p>
+        </p:txBody>
+      </p:sp>
     </p:spTree>
     <p:extLst>
       <p:ext uri="{BB962C8B-B14F-4D97-AF65-F5344CB8AC3E}">
-        <p14:creationId xmlns:p14="http://schemas.microsoft.com/office/powerpoint/2010/main" val="2609636521"/>
+        <p14:creationId xmlns:p14="http://schemas.microsoft.com/office/powerpoint/2010/main" val="2586847766"/>
       </p:ext>
     </p:extLst>
   </p:cSld>
@@ -5285,7 +6952,7 @@
         </p:blipFill>
         <p:spPr>
           <a:xfrm>
-            <a:off x="100739" y="1216616"/>
+            <a:off x="230524" y="266820"/>
             <a:ext cx="8787540" cy="4750231"/>
           </a:xfrm>
           <a:prstGeom prst="rect">
@@ -5293,10 +6960,111 @@
           </a:prstGeom>
         </p:spPr>
       </p:pic>
+      <p:sp>
+        <p:nvSpPr>
+          <p:cNvPr id="2" name="Rectangle: Rounded Corners 1">
+            <a:extLst>
+              <a:ext uri="{FF2B5EF4-FFF2-40B4-BE49-F238E27FC236}">
+                <a16:creationId xmlns:a16="http://schemas.microsoft.com/office/drawing/2014/main" id="{AF257B4D-217F-42E2-8A31-52B3F417BADD}"/>
+              </a:ext>
+            </a:extLst>
+          </p:cNvPr>
+          <p:cNvSpPr/>
+          <p:nvPr/>
+        </p:nvSpPr>
+        <p:spPr>
+          <a:xfrm>
+            <a:off x="3291840" y="1109079"/>
+            <a:ext cx="5621636" cy="4454013"/>
+          </a:xfrm>
+          <a:prstGeom prst="roundRect">
+            <a:avLst/>
+          </a:prstGeom>
+          <a:noFill/>
+          <a:ln w="38100">
+            <a:solidFill>
+              <a:srgbClr val="C00000"/>
+            </a:solidFill>
+          </a:ln>
+        </p:spPr>
+        <p:style>
+          <a:lnRef idx="2">
+            <a:schemeClr val="accent1">
+              <a:shade val="50000"/>
+            </a:schemeClr>
+          </a:lnRef>
+          <a:fillRef idx="1">
+            <a:schemeClr val="accent1"/>
+          </a:fillRef>
+          <a:effectRef idx="0">
+            <a:schemeClr val="accent1"/>
+          </a:effectRef>
+          <a:fontRef idx="minor">
+            <a:schemeClr val="lt1"/>
+          </a:fontRef>
+        </p:style>
+        <p:txBody>
+          <a:bodyPr rtlCol="0" anchor="ctr"/>
+          <a:lstStyle/>
+          <a:p>
+            <a:pPr algn="ctr"/>
+            <a:endParaRPr lang="en-SG"/>
+          </a:p>
+        </p:txBody>
+      </p:sp>
+      <p:sp>
+        <p:nvSpPr>
+          <p:cNvPr id="5" name="TextBox 4">
+            <a:extLst>
+              <a:ext uri="{FF2B5EF4-FFF2-40B4-BE49-F238E27FC236}">
+                <a16:creationId xmlns:a16="http://schemas.microsoft.com/office/drawing/2014/main" id="{6CF93D96-23D0-45D2-8579-AA0141AC0AEA}"/>
+              </a:ext>
+            </a:extLst>
+          </p:cNvPr>
+          <p:cNvSpPr txBox="1"/>
+          <p:nvPr/>
+        </p:nvSpPr>
+        <p:spPr>
+          <a:xfrm>
+            <a:off x="230524" y="4603978"/>
+            <a:ext cx="4436310" cy="923330"/>
+          </a:xfrm>
+          <a:prstGeom prst="rect">
+            <a:avLst/>
+          </a:prstGeom>
+          <a:solidFill>
+            <a:schemeClr val="bg1"/>
+          </a:solidFill>
+          <a:ln w="38100">
+            <a:solidFill>
+              <a:srgbClr val="C00000"/>
+            </a:solidFill>
+          </a:ln>
+          <a:effectLst>
+            <a:outerShdw blurRad="50800" dist="254000" dir="2700000" algn="t" rotWithShape="0">
+              <a:prstClr val="black">
+                <a:alpha val="40000"/>
+              </a:prstClr>
+            </a:outerShdw>
+          </a:effectLst>
+        </p:spPr>
+        <p:txBody>
+          <a:bodyPr wrap="square" rtlCol="0">
+            <a:spAutoFit/>
+          </a:bodyPr>
+          <a:lstStyle/>
+          <a:p>
+            <a:r>
+              <a:rPr lang="en-SG" dirty="0"/>
+              <a:t>The mutational signature profiles under consideration and some brief information about them appear on the right.</a:t>
+            </a:r>
+          </a:p>
+        </p:txBody>
+      </p:sp>
     </p:spTree>
     <p:extLst>
       <p:ext uri="{BB962C8B-B14F-4D97-AF65-F5344CB8AC3E}">
-        <p14:creationId xmlns:p14="http://schemas.microsoft.com/office/powerpoint/2010/main" val="2586847766"/>
+        <p14:creationId xmlns:p14="http://schemas.microsoft.com/office/powerpoint/2010/main" val="2970208881"/>
       </p:ext>
     </p:extLst>
   </p:cSld>

--- a/data-raw/attribution-guide.pptx
+++ b/data-raw/attribution-guide.pptx
@@ -3093,7 +3093,7 @@
         <p:spPr>
           <a:xfrm>
             <a:off x="1532384" y="4132888"/>
-            <a:ext cx="2679756" cy="369332"/>
+            <a:ext cx="2679756" cy="923330"/>
           </a:xfrm>
           <a:prstGeom prst="rect">
             <a:avLst/>
@@ -3122,8 +3122,13 @@
           <a:p>
             <a:r>
               <a:rPr lang="en-SG" dirty="0"/>
-              <a:t>Click to start the analysis.</a:t>
-            </a:r>
+              <a:t>Click to start the analysis. Could </a:t>
+            </a:r>
+            <a:r>
+              <a:rPr lang="en-SG"/>
+              <a:t>take several minutes.</a:t>
+            </a:r>
+            <a:endParaRPr lang="en-SG" dirty="0"/>
           </a:p>
         </p:txBody>
       </p:sp>
